--- a/Christopher Rock HIV and PPT.pptx
+++ b/Christopher Rock HIV and PPT.pptx
@@ -5,10 +5,10 @@
     <p:sldMasterId id="2147483648" r:id="rId1"/>
   </p:sldMasterIdLst>
   <p:notesMasterIdLst>
-    <p:notesMasterId r:id="rId25"/>
+    <p:notesMasterId r:id="rId23"/>
   </p:notesMasterIdLst>
   <p:handoutMasterIdLst>
-    <p:handoutMasterId r:id="rId26"/>
+    <p:handoutMasterId r:id="rId24"/>
   </p:handoutMasterIdLst>
   <p:sldIdLst>
     <p:sldId id="256" r:id="rId2"/>
@@ -21,19 +21,17 @@
     <p:sldId id="287" r:id="rId9"/>
     <p:sldId id="270" r:id="rId10"/>
     <p:sldId id="269" r:id="rId11"/>
-    <p:sldId id="274" r:id="rId12"/>
-    <p:sldId id="281" r:id="rId13"/>
-    <p:sldId id="289" r:id="rId14"/>
-    <p:sldId id="290" r:id="rId15"/>
-    <p:sldId id="279" r:id="rId16"/>
-    <p:sldId id="292" r:id="rId17"/>
-    <p:sldId id="282" r:id="rId18"/>
-    <p:sldId id="280" r:id="rId19"/>
-    <p:sldId id="288" r:id="rId20"/>
-    <p:sldId id="278" r:id="rId21"/>
-    <p:sldId id="285" r:id="rId22"/>
-    <p:sldId id="276" r:id="rId23"/>
-    <p:sldId id="277" r:id="rId24"/>
+    <p:sldId id="281" r:id="rId12"/>
+    <p:sldId id="290" r:id="rId13"/>
+    <p:sldId id="279" r:id="rId14"/>
+    <p:sldId id="292" r:id="rId15"/>
+    <p:sldId id="282" r:id="rId16"/>
+    <p:sldId id="280" r:id="rId17"/>
+    <p:sldId id="288" r:id="rId18"/>
+    <p:sldId id="278" r:id="rId19"/>
+    <p:sldId id="285" r:id="rId20"/>
+    <p:sldId id="276" r:id="rId21"/>
+    <p:sldId id="277" r:id="rId22"/>
   </p:sldIdLst>
   <p:sldSz cx="9144000" cy="6858000" type="screen4x3"/>
   <p:notesSz cx="6819900" cy="9918700"/>
@@ -164,7 +162,7 @@
   </p:defaultTextStyle>
   <p:extLst>
     <p:ext uri="{EFAFB233-063F-42B5-8137-9DF3F51BA10A}">
-      <p15:sldGuideLst xmlns:p15="http://schemas.microsoft.com/office/powerpoint/2012/main" xmlns="">
+      <p15:sldGuideLst xmlns="" xmlns:p15="http://schemas.microsoft.com/office/powerpoint/2012/main">
         <p15:guide id="1" orient="horz" pos="2160">
           <p15:clr>
             <a:srgbClr val="A4A3A4"/>
@@ -186,7 +184,7 @@
   <p:cmAuthor id="1" name="ANDREW RROCK" initials="AR" lastIdx="2" clrIdx="0">
     <p:extLst>
       <p:ext uri="{19B8F6BF-5375-455C-9EA6-DF929625EA0E}">
-        <p15:presenceInfo xmlns:p15="http://schemas.microsoft.com/office/powerpoint/2012/main" xmlns="" userId="83463212d2c3e3b2" providerId="Windows Live"/>
+        <p15:presenceInfo xmlns="" xmlns:p15="http://schemas.microsoft.com/office/powerpoint/2012/main" userId="83463212d2c3e3b2" providerId="Windows Live"/>
       </p:ext>
     </p:extLst>
   </p:cmAuthor>
@@ -201,7 +199,7 @@
     <p:text>Will add graphs from T drive</p:text>
     <p:extLst>
       <p:ext uri="{C676402C-5697-4E1C-873F-D02D1690AC5C}">
-        <p15:threadingInfo xmlns:p15="http://schemas.microsoft.com/office/powerpoint/2012/main" xmlns="" timeZoneBias="-660"/>
+        <p15:threadingInfo xmlns="" xmlns:p15="http://schemas.microsoft.com/office/powerpoint/2012/main" timeZoneBias="-660"/>
       </p:ext>
     </p:extLst>
   </p:cm>
@@ -290,6 +288,7 @@
           <a:p>
             <a:fld id="{03DA4704-8DA1-4170-90C7-2D83FD4FF6F0}" type="datetimeFigureOut">
               <a:rPr lang="en-AU" smtClean="0"/>
+              <a:pPr/>
               <a:t>6/02/2015</a:t>
             </a:fld>
             <a:endParaRPr lang="en-AU"/>
@@ -356,6 +355,7 @@
           <a:p>
             <a:fld id="{0F5C80C0-B29B-4FA6-A1DE-DD77E2B5996B}" type="slidenum">
               <a:rPr lang="en-AU" smtClean="0"/>
+              <a:pPr/>
               <a:t>‹#›</a:t>
             </a:fld>
             <a:endParaRPr lang="en-AU"/>
@@ -673,7 +673,7 @@
     </p:spTree>
     <p:extLst>
       <p:ext uri="{BB962C8B-B14F-4D97-AF65-F5344CB8AC3E}">
-        <p14:creationId xmlns:p14="http://schemas.microsoft.com/office/powerpoint/2010/main" xmlns="" val="3759880435"/>
+        <p14:creationId xmlns="" xmlns:p14="http://schemas.microsoft.com/office/powerpoint/2010/main" val="3759880435"/>
       </p:ext>
     </p:extLst>
   </p:cSld>
@@ -842,7 +842,7 @@
           </a:ln>
           <a:extLst>
             <a:ext uri="{909E8E84-426E-40DD-AFC4-6F175D3DCCD1}">
-              <a14:hiddenFill xmlns:a14="http://schemas.microsoft.com/office/drawing/2010/main" xmlns="">
+              <a14:hiddenFill xmlns="" xmlns:a14="http://schemas.microsoft.com/office/drawing/2010/main">
                 <a:solidFill>
                   <a:srgbClr val="FFFFFF"/>
                 </a:solidFill>
@@ -865,14 +865,14 @@
           <a:noFill/>
           <a:extLst>
             <a:ext uri="{909E8E84-426E-40DD-AFC4-6F175D3DCCD1}">
-              <a14:hiddenFill xmlns:a14="http://schemas.microsoft.com/office/drawing/2010/main" xmlns="">
+              <a14:hiddenFill xmlns="" xmlns:a14="http://schemas.microsoft.com/office/drawing/2010/main">
                 <a:solidFill>
                   <a:srgbClr val="FFFFFF"/>
                 </a:solidFill>
               </a14:hiddenFill>
             </a:ext>
             <a:ext uri="{91240B29-F687-4F45-9708-019B960494DF}">
-              <a14:hiddenLine xmlns:a14="http://schemas.microsoft.com/office/drawing/2010/main" xmlns="" w="9525">
+              <a14:hiddenLine xmlns="" xmlns:a14="http://schemas.microsoft.com/office/drawing/2010/main" w="9525">
                 <a:solidFill>
                   <a:srgbClr val="000000"/>
                 </a:solidFill>
@@ -914,14 +914,14 @@
           <a:noFill/>
           <a:extLst>
             <a:ext uri="{909E8E84-426E-40DD-AFC4-6F175D3DCCD1}">
-              <a14:hiddenFill xmlns:a14="http://schemas.microsoft.com/office/drawing/2010/main" xmlns="">
+              <a14:hiddenFill xmlns="" xmlns:a14="http://schemas.microsoft.com/office/drawing/2010/main">
                 <a:solidFill>
                   <a:srgbClr val="FFFFFF"/>
                 </a:solidFill>
               </a14:hiddenFill>
             </a:ext>
             <a:ext uri="{91240B29-F687-4F45-9708-019B960494DF}">
-              <a14:hiddenLine xmlns:a14="http://schemas.microsoft.com/office/drawing/2010/main" xmlns="" w="9525">
+              <a14:hiddenLine xmlns="" xmlns:a14="http://schemas.microsoft.com/office/drawing/2010/main" w="9525">
                 <a:solidFill>
                   <a:srgbClr val="000000"/>
                 </a:solidFill>
@@ -1064,7 +1064,7 @@
     </p:spTree>
     <p:extLst>
       <p:ext uri="{BB962C8B-B14F-4D97-AF65-F5344CB8AC3E}">
-        <p14:creationId xmlns:p14="http://schemas.microsoft.com/office/powerpoint/2010/main" xmlns="" val="2413671815"/>
+        <p14:creationId xmlns="" xmlns:p14="http://schemas.microsoft.com/office/powerpoint/2010/main" val="2413671815"/>
       </p:ext>
     </p:extLst>
   </p:cSld>
@@ -1160,7 +1160,7 @@
     </p:spTree>
     <p:extLst>
       <p:ext uri="{BB962C8B-B14F-4D97-AF65-F5344CB8AC3E}">
-        <p14:creationId xmlns:p14="http://schemas.microsoft.com/office/powerpoint/2010/main" xmlns="" val="1047893265"/>
+        <p14:creationId xmlns="" xmlns:p14="http://schemas.microsoft.com/office/powerpoint/2010/main" val="1047893265"/>
       </p:ext>
     </p:extLst>
   </p:cSld>
@@ -1260,7 +1260,7 @@
     </p:spTree>
     <p:extLst>
       <p:ext uri="{BB962C8B-B14F-4D97-AF65-F5344CB8AC3E}">
-        <p14:creationId xmlns:p14="http://schemas.microsoft.com/office/powerpoint/2010/main" xmlns="" val="308937776"/>
+        <p14:creationId xmlns="" xmlns:p14="http://schemas.microsoft.com/office/powerpoint/2010/main" val="308937776"/>
       </p:ext>
     </p:extLst>
   </p:cSld>
@@ -1446,7 +1446,7 @@
           <a:blip r:embed="rId2">
             <a:extLst>
               <a:ext uri="{28A0092B-C50C-407E-A947-70E740481C1C}">
-                <a14:useLocalDpi xmlns:a14="http://schemas.microsoft.com/office/drawing/2010/main" xmlns="" val="0"/>
+                <a14:useLocalDpi xmlns="" xmlns:a14="http://schemas.microsoft.com/office/drawing/2010/main" val="0"/>
               </a:ext>
             </a:extLst>
           </a:blip>
@@ -1467,7 +1467,7 @@
     </p:spTree>
     <p:extLst>
       <p:ext uri="{BB962C8B-B14F-4D97-AF65-F5344CB8AC3E}">
-        <p14:creationId xmlns:p14="http://schemas.microsoft.com/office/powerpoint/2010/main" xmlns="" val="3800160223"/>
+        <p14:creationId xmlns="" xmlns:p14="http://schemas.microsoft.com/office/powerpoint/2010/main" val="3800160223"/>
       </p:ext>
     </p:extLst>
   </p:cSld>
@@ -1579,7 +1579,7 @@
     </p:spTree>
     <p:extLst>
       <p:ext uri="{BB962C8B-B14F-4D97-AF65-F5344CB8AC3E}">
-        <p14:creationId xmlns:p14="http://schemas.microsoft.com/office/powerpoint/2010/main" xmlns="" val="3738920183"/>
+        <p14:creationId xmlns="" xmlns:p14="http://schemas.microsoft.com/office/powerpoint/2010/main" val="3738920183"/>
       </p:ext>
     </p:extLst>
   </p:cSld>
@@ -1701,7 +1701,7 @@
     </p:spTree>
     <p:extLst>
       <p:ext uri="{BB962C8B-B14F-4D97-AF65-F5344CB8AC3E}">
-        <p14:creationId xmlns:p14="http://schemas.microsoft.com/office/powerpoint/2010/main" xmlns="" val="640238480"/>
+        <p14:creationId xmlns="" xmlns:p14="http://schemas.microsoft.com/office/powerpoint/2010/main" val="640238480"/>
       </p:ext>
     </p:extLst>
   </p:cSld>
@@ -1813,7 +1813,7 @@
     </p:spTree>
     <p:extLst>
       <p:ext uri="{BB962C8B-B14F-4D97-AF65-F5344CB8AC3E}">
-        <p14:creationId xmlns:p14="http://schemas.microsoft.com/office/powerpoint/2010/main" xmlns="" val="147754505"/>
+        <p14:creationId xmlns="" xmlns:p14="http://schemas.microsoft.com/office/powerpoint/2010/main" val="147754505"/>
       </p:ext>
     </p:extLst>
   </p:cSld>
@@ -2001,7 +2001,7 @@
     </p:spTree>
     <p:extLst>
       <p:ext uri="{BB962C8B-B14F-4D97-AF65-F5344CB8AC3E}">
-        <p14:creationId xmlns:p14="http://schemas.microsoft.com/office/powerpoint/2010/main" xmlns="" val="3339288353"/>
+        <p14:creationId xmlns="" xmlns:p14="http://schemas.microsoft.com/office/powerpoint/2010/main" val="3339288353"/>
       </p:ext>
     </p:extLst>
   </p:cSld>
@@ -2231,7 +2231,7 @@
     </p:spTree>
     <p:extLst>
       <p:ext uri="{BB962C8B-B14F-4D97-AF65-F5344CB8AC3E}">
-        <p14:creationId xmlns:p14="http://schemas.microsoft.com/office/powerpoint/2010/main" xmlns="" val="67721704"/>
+        <p14:creationId xmlns="" xmlns:p14="http://schemas.microsoft.com/office/powerpoint/2010/main" val="67721704"/>
       </p:ext>
     </p:extLst>
   </p:cSld>
@@ -2595,7 +2595,7 @@
     </p:spTree>
     <p:extLst>
       <p:ext uri="{BB962C8B-B14F-4D97-AF65-F5344CB8AC3E}">
-        <p14:creationId xmlns:p14="http://schemas.microsoft.com/office/powerpoint/2010/main" xmlns="" val="2604717042"/>
+        <p14:creationId xmlns="" xmlns:p14="http://schemas.microsoft.com/office/powerpoint/2010/main" val="2604717042"/>
       </p:ext>
     </p:extLst>
   </p:cSld>
@@ -2655,7 +2655,7 @@
     </p:spTree>
     <p:extLst>
       <p:ext uri="{BB962C8B-B14F-4D97-AF65-F5344CB8AC3E}">
-        <p14:creationId xmlns:p14="http://schemas.microsoft.com/office/powerpoint/2010/main" xmlns="" val="3279080095"/>
+        <p14:creationId xmlns="" xmlns:p14="http://schemas.microsoft.com/office/powerpoint/2010/main" val="3279080095"/>
       </p:ext>
     </p:extLst>
   </p:cSld>
@@ -2692,7 +2692,7 @@
     </p:spTree>
     <p:extLst>
       <p:ext uri="{BB962C8B-B14F-4D97-AF65-F5344CB8AC3E}">
-        <p14:creationId xmlns:p14="http://schemas.microsoft.com/office/powerpoint/2010/main" xmlns="" val="668508812"/>
+        <p14:creationId xmlns="" xmlns:p14="http://schemas.microsoft.com/office/powerpoint/2010/main" val="668508812"/>
       </p:ext>
     </p:extLst>
   </p:cSld>
@@ -2911,7 +2911,7 @@
     </p:spTree>
     <p:extLst>
       <p:ext uri="{BB962C8B-B14F-4D97-AF65-F5344CB8AC3E}">
-        <p14:creationId xmlns:p14="http://schemas.microsoft.com/office/powerpoint/2010/main" xmlns="" val="2167474801"/>
+        <p14:creationId xmlns="" xmlns:p14="http://schemas.microsoft.com/office/powerpoint/2010/main" val="2167474801"/>
       </p:ext>
     </p:extLst>
   </p:cSld>
@@ -3109,7 +3109,7 @@
     </p:spTree>
     <p:extLst>
       <p:ext uri="{BB962C8B-B14F-4D97-AF65-F5344CB8AC3E}">
-        <p14:creationId xmlns:p14="http://schemas.microsoft.com/office/powerpoint/2010/main" xmlns="" val="161977388"/>
+        <p14:creationId xmlns="" xmlns:p14="http://schemas.microsoft.com/office/powerpoint/2010/main" val="161977388"/>
       </p:ext>
     </p:extLst>
   </p:cSld>
@@ -3172,14 +3172,14 @@
           </a:ln>
           <a:extLst>
             <a:ext uri="{909E8E84-426E-40DD-AFC4-6F175D3DCCD1}">
-              <a14:hiddenFill xmlns:a14="http://schemas.microsoft.com/office/drawing/2010/main" xmlns="">
+              <a14:hiddenFill xmlns="" xmlns:a14="http://schemas.microsoft.com/office/drawing/2010/main">
                 <a:solidFill>
                   <a:srgbClr val="FFFFFF"/>
                 </a:solidFill>
               </a14:hiddenFill>
             </a:ext>
             <a:ext uri="{91240B29-F687-4F45-9708-019B960494DF}">
-              <a14:hiddenLine xmlns:a14="http://schemas.microsoft.com/office/drawing/2010/main" xmlns="" w="9525">
+              <a14:hiddenLine xmlns="" xmlns:a14="http://schemas.microsoft.com/office/drawing/2010/main" w="9525">
                 <a:solidFill>
                   <a:srgbClr val="000000"/>
                 </a:solidFill>
@@ -3231,14 +3231,14 @@
           </a:ln>
           <a:extLst>
             <a:ext uri="{909E8E84-426E-40DD-AFC4-6F175D3DCCD1}">
-              <a14:hiddenFill xmlns:a14="http://schemas.microsoft.com/office/drawing/2010/main" xmlns="">
+              <a14:hiddenFill xmlns="" xmlns:a14="http://schemas.microsoft.com/office/drawing/2010/main">
                 <a:solidFill>
                   <a:srgbClr val="FFFFFF"/>
                 </a:solidFill>
               </a14:hiddenFill>
             </a:ext>
             <a:ext uri="{91240B29-F687-4F45-9708-019B960494DF}">
-              <a14:hiddenLine xmlns:a14="http://schemas.microsoft.com/office/drawing/2010/main" xmlns="" w="9525">
+              <a14:hiddenLine xmlns="" xmlns:a14="http://schemas.microsoft.com/office/drawing/2010/main" w="9525">
                 <a:solidFill>
                   <a:srgbClr val="000000"/>
                 </a:solidFill>
@@ -3996,7 +3996,7 @@
           <a:blip r:embed="rId3">
             <a:extLst>
               <a:ext uri="{28A0092B-C50C-407E-A947-70E740481C1C}">
-                <a14:useLocalDpi xmlns:a14="http://schemas.microsoft.com/office/drawing/2010/main" xmlns="" val="0"/>
+                <a14:useLocalDpi xmlns="" xmlns:a14="http://schemas.microsoft.com/office/drawing/2010/main" val="0"/>
               </a:ext>
             </a:extLst>
           </a:blip>
@@ -4018,14 +4018,14 @@
           </a:ln>
           <a:extLst>
             <a:ext uri="{909E8E84-426E-40DD-AFC4-6F175D3DCCD1}">
-              <a14:hiddenFill xmlns:a14="http://schemas.microsoft.com/office/drawing/2010/main" xmlns="">
+              <a14:hiddenFill xmlns="" xmlns:a14="http://schemas.microsoft.com/office/drawing/2010/main">
                 <a:solidFill>
                   <a:srgbClr val="FFFFFF"/>
                 </a:solidFill>
               </a14:hiddenFill>
             </a:ext>
             <a:ext uri="{91240B29-F687-4F45-9708-019B960494DF}">
-              <a14:hiddenLine xmlns:a14="http://schemas.microsoft.com/office/drawing/2010/main" xmlns="" w="9525">
+              <a14:hiddenLine xmlns="" xmlns:a14="http://schemas.microsoft.com/office/drawing/2010/main" w="9525">
                 <a:solidFill>
                   <a:srgbClr val="000000"/>
                 </a:solidFill>
@@ -4119,7 +4119,7 @@
           <a:blip r:embed="rId4">
             <a:extLst>
               <a:ext uri="{28A0092B-C50C-407E-A947-70E740481C1C}">
-                <a14:useLocalDpi xmlns:a14="http://schemas.microsoft.com/office/drawing/2010/main" xmlns="" val="0"/>
+                <a14:useLocalDpi xmlns="" xmlns:a14="http://schemas.microsoft.com/office/drawing/2010/main" val="0"/>
               </a:ext>
             </a:extLst>
           </a:blip>
@@ -4291,14 +4291,14 @@
           </a:ln>
           <a:extLst>
             <a:ext uri="{909E8E84-426E-40DD-AFC4-6F175D3DCCD1}">
-              <a14:hiddenFill xmlns:a14="http://schemas.microsoft.com/office/drawing/2010/main" xmlns="">
+              <a14:hiddenFill xmlns="" xmlns:a14="http://schemas.microsoft.com/office/drawing/2010/main">
                 <a:solidFill>
                   <a:srgbClr val="FFFFFF"/>
                 </a:solidFill>
               </a14:hiddenFill>
             </a:ext>
             <a:ext uri="{91240B29-F687-4F45-9708-019B960494DF}">
-              <a14:hiddenLine xmlns:a14="http://schemas.microsoft.com/office/drawing/2010/main" xmlns="" w="9525">
+              <a14:hiddenLine xmlns="" xmlns:a14="http://schemas.microsoft.com/office/drawing/2010/main" w="9525">
                 <a:solidFill>
                   <a:srgbClr val="000000"/>
                 </a:solidFill>
@@ -4416,28 +4416,7 @@
                 <a:latin typeface="+mn-lt"/>
                 <a:cs typeface="+mn-cs"/>
               </a:rPr>
-              <a:t> 	</a:t>
-            </a:r>
-            <a:r>
-              <a:rPr lang="en-AU" sz="3200" dirty="0" smtClean="0">
-                <a:latin typeface="+mn-lt"/>
-                <a:cs typeface="+mn-cs"/>
-              </a:rPr>
-              <a:t>	</a:t>
-            </a:r>
-            <a:r>
-              <a:rPr lang="en-AU" sz="3200" dirty="0" smtClean="0">
-                <a:latin typeface="+mn-lt"/>
-                <a:cs typeface="+mn-cs"/>
-              </a:rPr>
-              <a:t>Treatment </a:t>
-            </a:r>
-            <a:r>
-              <a:rPr lang="en-AU" sz="3200" dirty="0" smtClean="0">
-                <a:latin typeface="+mn-lt"/>
-                <a:cs typeface="+mn-cs"/>
-              </a:rPr>
-              <a:t>and loss rate</a:t>
+              <a:t> 		Treatment and loss rate</a:t>
             </a:r>
           </a:p>
           <a:p>
@@ -4471,41 +4450,7 @@
                 <a:ea typeface="+mn-ea"/>
                 <a:cs typeface="+mn-cs"/>
               </a:rPr>
-              <a:t>	</a:t>
-            </a:r>
-            <a:r>
-              <a:rPr kumimoji="0" lang="en-AU" sz="3200" b="0" i="0" u="none" strike="noStrike" kern="1200" cap="none" spc="0" normalizeH="0" baseline="0" noProof="0" dirty="0" smtClean="0">
-                <a:ln>
-                  <a:noFill/>
-                </a:ln>
-                <a:solidFill>
-                  <a:schemeClr val="tx1"/>
-                </a:solidFill>
-                <a:effectLst/>
-                <a:uLnTx/>
-                <a:uFillTx/>
-                <a:latin typeface="+mn-lt"/>
-                <a:ea typeface="+mn-ea"/>
-                <a:cs typeface="+mn-cs"/>
-              </a:rPr>
-              <a:t>	Infection </a:t>
-            </a:r>
-            <a:r>
-              <a:rPr kumimoji="0" lang="en-AU" sz="3200" b="0" i="0" u="none" strike="noStrike" kern="1200" cap="none" spc="0" normalizeH="0" baseline="0" noProof="0" dirty="0" smtClean="0">
-                <a:ln>
-                  <a:noFill/>
-                </a:ln>
-                <a:solidFill>
-                  <a:schemeClr val="tx1"/>
-                </a:solidFill>
-                <a:effectLst/>
-                <a:uLnTx/>
-                <a:uFillTx/>
-                <a:latin typeface="+mn-lt"/>
-                <a:ea typeface="+mn-ea"/>
-                <a:cs typeface="+mn-cs"/>
-              </a:rPr>
-              <a:t>rate</a:t>
+              <a:t>		Infection rate</a:t>
             </a:r>
           </a:p>
           <a:p>
@@ -4546,24 +4491,7 @@
                 <a:ea typeface="+mn-ea"/>
                 <a:cs typeface="+mn-cs"/>
               </a:rPr>
-              <a:t>	Maximum infection </a:t>
-            </a:r>
-            <a:r>
-              <a:rPr kumimoji="0" lang="en-AU" sz="3200" b="0" i="0" u="none" strike="noStrike" kern="1200" cap="none" spc="0" normalizeH="0" baseline="0" noProof="0" dirty="0" smtClean="0">
-                <a:ln>
-                  <a:noFill/>
-                </a:ln>
-                <a:solidFill>
-                  <a:schemeClr val="tx1"/>
-                </a:solidFill>
-                <a:effectLst/>
-                <a:uLnTx/>
-                <a:uFillTx/>
-                <a:latin typeface="+mn-lt"/>
-                <a:ea typeface="+mn-ea"/>
-                <a:cs typeface="+mn-cs"/>
-              </a:rPr>
-              <a:t>rate</a:t>
+              <a:t>	Maximum infection rate</a:t>
             </a:r>
           </a:p>
           <a:p>
@@ -4587,14 +4515,7 @@
                 <a:latin typeface="+mn-lt"/>
                 <a:cs typeface="+mn-cs"/>
               </a:rPr>
-              <a:t>	</a:t>
-            </a:r>
-            <a:r>
-              <a:rPr lang="en-AU" sz="3200" dirty="0" smtClean="0">
-                <a:latin typeface="+mn-lt"/>
-                <a:cs typeface="+mn-cs"/>
-              </a:rPr>
-              <a:t> </a:t>
+              <a:t>	 </a:t>
             </a:r>
             <a:br>
               <a:rPr lang="en-AU" sz="3200" dirty="0" smtClean="0">
@@ -4617,24 +4538,7 @@
                 <a:ea typeface="+mn-ea"/>
                 <a:cs typeface="+mn-cs"/>
               </a:rPr>
-              <a:t>	</a:t>
-            </a:r>
-            <a:r>
-              <a:rPr kumimoji="0" lang="en-AU" sz="3200" b="0" i="0" u="none" strike="noStrike" kern="1200" cap="none" spc="0" normalizeH="0" baseline="0" noProof="0" dirty="0" smtClean="0">
-                <a:ln>
-                  <a:noFill/>
-                </a:ln>
-                <a:solidFill>
-                  <a:schemeClr val="tx1"/>
-                </a:solidFill>
-                <a:effectLst/>
-                <a:uLnTx/>
-                <a:uFillTx/>
-                <a:latin typeface="+mn-lt"/>
-                <a:ea typeface="+mn-ea"/>
-                <a:cs typeface="+mn-cs"/>
-              </a:rPr>
-              <a:t>		I</a:t>
+              <a:t>			I</a:t>
             </a:r>
             <a:r>
               <a:rPr kumimoji="0" lang="en-AU" sz="3200" b="0" i="0" u="none" strike="noStrike" kern="1200" cap="none" spc="0" normalizeH="0" noProof="0" dirty="0" smtClean="0">
@@ -4651,24 +4555,7 @@
                 <a:ea typeface="+mn-ea"/>
                 <a:cs typeface="+mn-cs"/>
               </a:rPr>
-              <a:t>nfection </a:t>
-            </a:r>
-            <a:r>
-              <a:rPr kumimoji="0" lang="en-AU" sz="3200" b="0" i="0" u="none" strike="noStrike" kern="1200" cap="none" spc="0" normalizeH="0" noProof="0" dirty="0" smtClean="0">
-                <a:ln>
-                  <a:noFill/>
-                </a:ln>
-                <a:solidFill>
-                  <a:schemeClr val="tx1"/>
-                </a:solidFill>
-                <a:effectLst/>
-                <a:uLnTx/>
-                <a:uFillTx/>
-                <a:latin typeface="+mn-lt"/>
-                <a:ea typeface="+mn-ea"/>
-                <a:cs typeface="+mn-cs"/>
-              </a:rPr>
-              <a:t>level among males</a:t>
+              <a:t>nfection level among males</a:t>
             </a:r>
             <a:endParaRPr kumimoji="0" lang="en-AU" sz="3200" b="0" i="0" u="none" strike="noStrike" kern="1200" cap="none" spc="0" normalizeH="0" baseline="0" noProof="0" dirty="0">
               <a:ln>
@@ -4839,6 +4726,38 @@
           </a:ln>
         </p:spPr>
       </p:pic>
+      <p:pic>
+        <p:nvPicPr>
+          <p:cNvPr id="16" name="Picture 15"/>
+          <p:cNvPicPr/>
+          <p:nvPr/>
+        </p:nvPicPr>
+        <p:blipFill>
+          <a:blip r:embed="rId7"/>
+          <a:srcRect/>
+          <a:stretch>
+            <a:fillRect/>
+          </a:stretch>
+        </p:blipFill>
+        <p:spPr bwMode="auto">
+          <a:xfrm>
+            <a:off x="-2095719" y="1752600"/>
+            <a:ext cx="13297328" cy="1489428"/>
+          </a:xfrm>
+          <a:prstGeom prst="rect">
+            <a:avLst/>
+          </a:prstGeom>
+          <a:solidFill>
+            <a:schemeClr val="bg1"/>
+          </a:solidFill>
+          <a:ln w="9525">
+            <a:noFill/>
+            <a:miter lim="800000"/>
+            <a:headEnd/>
+            <a:tailEnd/>
+          </a:ln>
+        </p:spPr>
+      </p:pic>
     </p:spTree>
   </p:cSld>
   <p:clrMapOvr>
@@ -4888,7 +4807,7 @@
           <a:p>
             <a:r>
               <a:rPr lang="en-AU" dirty="0" smtClean="0"/>
-              <a:t>Infection rates in other populations</a:t>
+              <a:t>Intervention description</a:t>
             </a:r>
             <a:endParaRPr lang="en-AU" dirty="0"/>
           </a:p>
@@ -4904,176 +4823,52 @@
             <p:ph idx="1"/>
           </p:nvPr>
         </p:nvSpPr>
-        <p:spPr/>
+        <p:spPr>
+          <a:xfrm>
+            <a:off x="457200" y="1531620"/>
+            <a:ext cx="8229600" cy="4525963"/>
+          </a:xfrm>
+        </p:spPr>
         <p:txBody>
           <a:bodyPr/>
           <a:lstStyle/>
           <a:p>
-            <a:endParaRPr lang="en-AU" dirty="0" smtClean="0"/>
-          </a:p>
-          <a:p>
-            <a:endParaRPr lang="en-AU" dirty="0" smtClean="0"/>
-          </a:p>
-          <a:p>
-            <a:endParaRPr lang="en-AU" dirty="0" smtClean="0"/>
-          </a:p>
-          <a:p>
-            <a:pPr lvl="0">
-              <a:buNone/>
-              <a:defRPr/>
-            </a:pPr>
             <a:r>
               <a:rPr lang="en-AU" dirty="0" smtClean="0"/>
-              <a:t>			Proportion </a:t>
+              <a:t>PNG population has relatively high willingness to participate in health programs – </a:t>
+            </a:r>
+            <a:r>
+              <a:rPr lang="en-AU" dirty="0" err="1" smtClean="0"/>
+              <a:t>Vallely</a:t>
             </a:r>
             <a:r>
               <a:rPr lang="en-AU" dirty="0" smtClean="0"/>
-              <a:t>of males who aren’t </a:t>
-            </a:r>
+              <a:t>, 2014 -&gt; can assume relatively high coverage and retention rates</a:t>
+            </a:r>
+          </a:p>
+          <a:p>
             <a:r>
               <a:rPr lang="en-AU" dirty="0" smtClean="0"/>
-              <a:t>MSMW</a:t>
-            </a:r>
-            <a:endParaRPr lang="en-AU" dirty="0" smtClean="0"/>
-          </a:p>
-          <a:p>
-            <a:pPr lvl="0" indent="0">
-              <a:buNone/>
-              <a:defRPr/>
-            </a:pPr>
+              <a:t>4 interventions targeting FSW – two coverage scenarios and two treatment scenarios</a:t>
+            </a:r>
+          </a:p>
+          <a:p>
             <a:r>
               <a:rPr lang="en-AU" dirty="0" smtClean="0"/>
-              <a:t>	</a:t>
-            </a:r>
-            <a:r>
-              <a:rPr lang="en-AU" dirty="0" smtClean="0"/>
-              <a:t> 	Proportion of sex acts performed by 				general females </a:t>
-            </a:r>
-            <a:endParaRPr lang="en-AU" dirty="0" smtClean="0"/>
-          </a:p>
-        </p:txBody>
-      </p:sp>
-      <p:pic>
-        <p:nvPicPr>
-          <p:cNvPr id="7" name="Picture 6"/>
-          <p:cNvPicPr/>
-          <p:nvPr/>
-        </p:nvPicPr>
-        <p:blipFill>
-          <a:blip r:embed="rId2"/>
-          <a:srcRect/>
-          <a:stretch>
-            <a:fillRect/>
-          </a:stretch>
-        </p:blipFill>
-        <p:spPr bwMode="auto">
-          <a:xfrm>
-            <a:off x="581634" y="1820452"/>
-            <a:ext cx="7832050" cy="1392076"/>
-          </a:xfrm>
-          <a:prstGeom prst="rect">
-            <a:avLst/>
-          </a:prstGeom>
-          <a:noFill/>
-          <a:ln w="9525">
-            <a:noFill/>
-            <a:miter lim="800000"/>
-            <a:headEnd/>
-            <a:tailEnd/>
-          </a:ln>
-        </p:spPr>
-      </p:pic>
-      <p:pic>
-        <p:nvPicPr>
-          <p:cNvPr id="8" name="Picture 7"/>
-          <p:cNvPicPr/>
-          <p:nvPr/>
-        </p:nvPicPr>
-        <p:blipFill>
-          <a:blip r:embed="rId3"/>
-          <a:srcRect/>
-          <a:stretch>
-            <a:fillRect/>
-          </a:stretch>
-        </p:blipFill>
-        <p:spPr bwMode="auto">
-          <a:xfrm>
-            <a:off x="457200" y="1392059"/>
-            <a:ext cx="8500490" cy="539714"/>
-          </a:xfrm>
-          <a:prstGeom prst="rect">
-            <a:avLst/>
-          </a:prstGeom>
-          <a:noFill/>
-          <a:ln w="9525">
-            <a:noFill/>
-            <a:miter lim="800000"/>
-            <a:headEnd/>
-            <a:tailEnd/>
-          </a:ln>
-        </p:spPr>
-      </p:pic>
-      <p:pic>
-        <p:nvPicPr>
-          <p:cNvPr id="6" name="Picture 5"/>
-          <p:cNvPicPr/>
-          <p:nvPr/>
-        </p:nvPicPr>
-        <p:blipFill>
-          <a:blip r:embed="rId4"/>
-          <a:srcRect l="47857" r="48095" b="30367"/>
-          <a:stretch>
-            <a:fillRect/>
-          </a:stretch>
-        </p:blipFill>
-        <p:spPr bwMode="auto">
-          <a:xfrm>
-            <a:off x="457200" y="3485248"/>
-            <a:ext cx="348159" cy="330861"/>
-          </a:xfrm>
-          <a:prstGeom prst="rect">
-            <a:avLst/>
-          </a:prstGeom>
-          <a:noFill/>
-          <a:ln w="9525">
-            <a:noFill/>
-            <a:miter lim="800000"/>
-            <a:headEnd/>
-            <a:tailEnd/>
-          </a:ln>
-        </p:spPr>
-      </p:pic>
-      <p:pic>
-        <p:nvPicPr>
-          <p:cNvPr id="10" name="Picture 9"/>
-          <p:cNvPicPr/>
-          <p:nvPr/>
-        </p:nvPicPr>
-        <p:blipFill>
-          <a:blip r:embed="rId5"/>
-          <a:srcRect l="48279" r="48391" b="24971"/>
-          <a:stretch>
-            <a:fillRect/>
-          </a:stretch>
-        </p:blipFill>
-        <p:spPr bwMode="auto">
-          <a:xfrm>
-            <a:off x="494985" y="4059680"/>
-            <a:ext cx="286406" cy="356499"/>
-          </a:xfrm>
-          <a:prstGeom prst="rect">
-            <a:avLst/>
-          </a:prstGeom>
-          <a:noFill/>
-          <a:ln w="9525">
-            <a:noFill/>
-            <a:miter lim="800000"/>
-            <a:headEnd/>
-            <a:tailEnd/>
-          </a:ln>
-        </p:spPr>
-      </p:pic>
+              <a:t>Interventions targeting all females, all males, whole population with half coverage</a:t>
+            </a:r>
+          </a:p>
+          <a:p>
+            <a:endParaRPr lang="en-AU" dirty="0"/>
+          </a:p>
+        </p:txBody>
+      </p:sp>
     </p:spTree>
+    <p:extLst>
+      <p:ext uri="{BB962C8B-B14F-4D97-AF65-F5344CB8AC3E}">
+        <p14:creationId xmlns="" xmlns:p14="http://schemas.microsoft.com/office/powerpoint/2010/main" val="2338958866"/>
+      </p:ext>
+    </p:extLst>
   </p:cSld>
   <p:clrMapOvr>
     <a:masterClrMapping/>
@@ -5122,432 +4917,6 @@
           <a:p>
             <a:r>
               <a:rPr lang="en-AU" dirty="0" smtClean="0"/>
-              <a:t>Intervention description</a:t>
-            </a:r>
-            <a:endParaRPr lang="en-AU" dirty="0"/>
-          </a:p>
-        </p:txBody>
-      </p:sp>
-      <p:sp>
-        <p:nvSpPr>
-          <p:cNvPr id="3" name="Content Placeholder 2"/>
-          <p:cNvSpPr>
-            <a:spLocks noGrp="1"/>
-          </p:cNvSpPr>
-          <p:nvPr>
-            <p:ph idx="1"/>
-          </p:nvPr>
-        </p:nvSpPr>
-        <p:spPr>
-          <a:xfrm>
-            <a:off x="457200" y="1531620"/>
-            <a:ext cx="8229600" cy="4525963"/>
-          </a:xfrm>
-        </p:spPr>
-        <p:txBody>
-          <a:bodyPr/>
-          <a:lstStyle/>
-          <a:p>
-            <a:r>
-              <a:rPr lang="en-AU" dirty="0" smtClean="0"/>
-              <a:t>PNG population has relatively high willingness to participate in health programs – </a:t>
-            </a:r>
-            <a:r>
-              <a:rPr lang="en-AU" dirty="0" err="1" smtClean="0"/>
-              <a:t>Vallely</a:t>
-            </a:r>
-            <a:r>
-              <a:rPr lang="en-AU" dirty="0" smtClean="0"/>
-              <a:t>, 2014 -&gt; can assume relatively high coverage and retention rates</a:t>
-            </a:r>
-          </a:p>
-          <a:p>
-            <a:r>
-              <a:rPr lang="en-AU" dirty="0" smtClean="0"/>
-              <a:t>4 interventions targeting FSW – two coverage scenarios and two treatment scenarios</a:t>
-            </a:r>
-          </a:p>
-          <a:p>
-            <a:r>
-              <a:rPr lang="en-AU" dirty="0" smtClean="0"/>
-              <a:t>Interventions targeting all females, all males, whole population with half coverage</a:t>
-            </a:r>
-          </a:p>
-          <a:p>
-            <a:endParaRPr lang="en-AU" dirty="0"/>
-          </a:p>
-        </p:txBody>
-      </p:sp>
-    </p:spTree>
-    <p:extLst>
-      <p:ext uri="{BB962C8B-B14F-4D97-AF65-F5344CB8AC3E}">
-        <p14:creationId xmlns:p14="http://schemas.microsoft.com/office/powerpoint/2010/main" xmlns="" val="2338958866"/>
-      </p:ext>
-    </p:extLst>
-  </p:cSld>
-  <p:clrMapOvr>
-    <a:masterClrMapping/>
-  </p:clrMapOvr>
-  <p:timing>
-    <p:tnLst>
-      <p:par>
-        <p:cTn id="1" dur="indefinite" restart="never" nodeType="tmRoot"/>
-      </p:par>
-    </p:tnLst>
-  </p:timing>
-</p:sld>
-</file>
-
-<file path=ppt/slides/slide13.xml><?xml version="1.0" encoding="utf-8"?>
-<p:sld xmlns:a="http://schemas.openxmlformats.org/drawingml/2006/main" xmlns:r="http://schemas.openxmlformats.org/officeDocument/2006/relationships" xmlns:p="http://schemas.openxmlformats.org/presentationml/2006/main">
-  <p:cSld>
-    <p:spTree>
-      <p:nvGrpSpPr>
-        <p:cNvPr id="1" name=""/>
-        <p:cNvGrpSpPr/>
-        <p:nvPr/>
-      </p:nvGrpSpPr>
-      <p:grpSpPr>
-        <a:xfrm>
-          <a:off x="0" y="0"/>
-          <a:ext cx="0" cy="0"/>
-          <a:chOff x="0" y="0"/>
-          <a:chExt cx="0" cy="0"/>
-        </a:xfrm>
-      </p:grpSpPr>
-      <p:sp>
-        <p:nvSpPr>
-          <p:cNvPr id="2" name="Title 1"/>
-          <p:cNvSpPr>
-            <a:spLocks noGrp="1"/>
-          </p:cNvSpPr>
-          <p:nvPr>
-            <p:ph type="title"/>
-          </p:nvPr>
-        </p:nvSpPr>
-        <p:spPr/>
-        <p:txBody>
-          <a:bodyPr/>
-          <a:lstStyle/>
-          <a:p>
-            <a:r>
-              <a:rPr lang="en-AU" dirty="0" smtClean="0"/>
-              <a:t>Intervention description</a:t>
-            </a:r>
-            <a:endParaRPr lang="en-AU" dirty="0"/>
-          </a:p>
-        </p:txBody>
-      </p:sp>
-      <p:sp>
-        <p:nvSpPr>
-          <p:cNvPr id="5" name="Content Placeholder 2"/>
-          <p:cNvSpPr txBox="1">
-            <a:spLocks/>
-          </p:cNvSpPr>
-          <p:nvPr/>
-        </p:nvSpPr>
-        <p:spPr bwMode="auto">
-          <a:xfrm>
-            <a:off x="457200" y="2812098"/>
-            <a:ext cx="8229600" cy="3245485"/>
-          </a:xfrm>
-          <a:prstGeom prst="rect">
-            <a:avLst/>
-          </a:prstGeom>
-          <a:noFill/>
-          <a:ln>
-            <a:noFill/>
-          </a:ln>
-          <a:extLst>
-            <a:ext uri="{909E8E84-426E-40DD-AFC4-6F175D3DCCD1}">
-              <a14:hiddenFill xmlns:a14="http://schemas.microsoft.com/office/drawing/2010/main" xmlns="">
-                <a:solidFill>
-                  <a:srgbClr val="FFFFFF"/>
-                </a:solidFill>
-              </a14:hiddenFill>
-            </a:ext>
-            <a:ext uri="{91240B29-F687-4F45-9708-019B960494DF}">
-              <a14:hiddenLine xmlns:a14="http://schemas.microsoft.com/office/drawing/2010/main" xmlns="" w="9525">
-                <a:solidFill>
-                  <a:srgbClr val="000000"/>
-                </a:solidFill>
-                <a:miter lim="800000"/>
-                <a:headEnd/>
-                <a:tailEnd/>
-              </a14:hiddenLine>
-            </a:ext>
-          </a:extLst>
-        </p:spPr>
-        <p:txBody>
-          <a:bodyPr vert="horz" wrap="square" lIns="91440" tIns="45720" rIns="91440" bIns="45720" numCol="1" anchor="t" anchorCtr="0" compatLnSpc="1">
-            <a:prstTxWarp prst="textNoShape">
-              <a:avLst/>
-            </a:prstTxWarp>
-          </a:bodyPr>
-          <a:lstStyle>
-            <a:lvl1pPr marL="342900" indent="-342900" algn="l" defTabSz="457200" rtl="0" fontAlgn="base">
-              <a:spcBef>
-                <a:spcPct val="20000"/>
-              </a:spcBef>
-              <a:spcAft>
-                <a:spcPct val="0"/>
-              </a:spcAft>
-              <a:buFont typeface="Arial" charset="0"/>
-              <a:buChar char="•"/>
-              <a:defRPr sz="3200" kern="1200">
-                <a:solidFill>
-                  <a:schemeClr val="tx1"/>
-                </a:solidFill>
-                <a:latin typeface="+mn-lt"/>
-                <a:ea typeface="+mn-ea"/>
-                <a:cs typeface="+mn-cs"/>
-              </a:defRPr>
-            </a:lvl1pPr>
-            <a:lvl2pPr marL="742950" indent="-285750" algn="l" defTabSz="457200" rtl="0" fontAlgn="base">
-              <a:spcBef>
-                <a:spcPct val="20000"/>
-              </a:spcBef>
-              <a:spcAft>
-                <a:spcPct val="0"/>
-              </a:spcAft>
-              <a:buFont typeface="Arial" charset="0"/>
-              <a:buChar char="–"/>
-              <a:defRPr sz="2800" kern="1200">
-                <a:solidFill>
-                  <a:schemeClr val="tx1"/>
-                </a:solidFill>
-                <a:latin typeface="+mn-lt"/>
-                <a:ea typeface="+mn-ea"/>
-                <a:cs typeface="+mn-cs"/>
-              </a:defRPr>
-            </a:lvl2pPr>
-            <a:lvl3pPr marL="1143000" indent="-228600" algn="l" defTabSz="457200" rtl="0" fontAlgn="base">
-              <a:spcBef>
-                <a:spcPct val="20000"/>
-              </a:spcBef>
-              <a:spcAft>
-                <a:spcPct val="0"/>
-              </a:spcAft>
-              <a:buFont typeface="Arial" charset="0"/>
-              <a:buChar char="•"/>
-              <a:defRPr sz="2400" kern="1200">
-                <a:solidFill>
-                  <a:schemeClr val="tx1"/>
-                </a:solidFill>
-                <a:latin typeface="+mn-lt"/>
-                <a:ea typeface="+mn-ea"/>
-                <a:cs typeface="+mn-cs"/>
-              </a:defRPr>
-            </a:lvl3pPr>
-            <a:lvl4pPr marL="1600200" indent="-228600" algn="l" defTabSz="457200" rtl="0" fontAlgn="base">
-              <a:spcBef>
-                <a:spcPct val="20000"/>
-              </a:spcBef>
-              <a:spcAft>
-                <a:spcPct val="0"/>
-              </a:spcAft>
-              <a:buFont typeface="Arial" charset="0"/>
-              <a:buChar char="–"/>
-              <a:defRPr sz="2000" kern="1200">
-                <a:solidFill>
-                  <a:schemeClr val="tx1"/>
-                </a:solidFill>
-                <a:latin typeface="+mn-lt"/>
-                <a:ea typeface="+mn-ea"/>
-                <a:cs typeface="+mn-cs"/>
-              </a:defRPr>
-            </a:lvl4pPr>
-            <a:lvl5pPr marL="2057400" indent="-228600" algn="l" defTabSz="457200" rtl="0" fontAlgn="base">
-              <a:spcBef>
-                <a:spcPct val="20000"/>
-              </a:spcBef>
-              <a:spcAft>
-                <a:spcPct val="0"/>
-              </a:spcAft>
-              <a:buFont typeface="Arial" charset="0"/>
-              <a:buChar char="»"/>
-              <a:defRPr sz="2000" kern="1200">
-                <a:solidFill>
-                  <a:schemeClr val="tx1"/>
-                </a:solidFill>
-                <a:latin typeface="+mn-lt"/>
-                <a:ea typeface="+mn-ea"/>
-                <a:cs typeface="+mn-cs"/>
-              </a:defRPr>
-            </a:lvl5pPr>
-            <a:lvl6pPr marL="2514600" indent="-228600" algn="l" defTabSz="457200" rtl="0" eaLnBrk="1" latinLnBrk="0" hangingPunct="1">
-              <a:spcBef>
-                <a:spcPct val="20000"/>
-              </a:spcBef>
-              <a:buFont typeface="Arial"/>
-              <a:buChar char="•"/>
-              <a:defRPr sz="2000" kern="1200">
-                <a:solidFill>
-                  <a:schemeClr val="tx1"/>
-                </a:solidFill>
-                <a:latin typeface="+mn-lt"/>
-                <a:ea typeface="+mn-ea"/>
-                <a:cs typeface="+mn-cs"/>
-              </a:defRPr>
-            </a:lvl6pPr>
-            <a:lvl7pPr marL="2971800" indent="-228600" algn="l" defTabSz="457200" rtl="0" eaLnBrk="1" latinLnBrk="0" hangingPunct="1">
-              <a:spcBef>
-                <a:spcPct val="20000"/>
-              </a:spcBef>
-              <a:buFont typeface="Arial"/>
-              <a:buChar char="•"/>
-              <a:defRPr sz="2000" kern="1200">
-                <a:solidFill>
-                  <a:schemeClr val="tx1"/>
-                </a:solidFill>
-                <a:latin typeface="+mn-lt"/>
-                <a:ea typeface="+mn-ea"/>
-                <a:cs typeface="+mn-cs"/>
-              </a:defRPr>
-            </a:lvl7pPr>
-            <a:lvl8pPr marL="3429000" indent="-228600" algn="l" defTabSz="457200" rtl="0" eaLnBrk="1" latinLnBrk="0" hangingPunct="1">
-              <a:spcBef>
-                <a:spcPct val="20000"/>
-              </a:spcBef>
-              <a:buFont typeface="Arial"/>
-              <a:buChar char="•"/>
-              <a:defRPr sz="2000" kern="1200">
-                <a:solidFill>
-                  <a:schemeClr val="tx1"/>
-                </a:solidFill>
-                <a:latin typeface="+mn-lt"/>
-                <a:ea typeface="+mn-ea"/>
-                <a:cs typeface="+mn-cs"/>
-              </a:defRPr>
-            </a:lvl8pPr>
-            <a:lvl9pPr marL="3886200" indent="-228600" algn="l" defTabSz="457200" rtl="0" eaLnBrk="1" latinLnBrk="0" hangingPunct="1">
-              <a:spcBef>
-                <a:spcPct val="20000"/>
-              </a:spcBef>
-              <a:buFont typeface="Arial"/>
-              <a:buChar char="•"/>
-              <a:defRPr sz="2000" kern="1200">
-                <a:solidFill>
-                  <a:schemeClr val="tx1"/>
-                </a:solidFill>
-                <a:latin typeface="+mn-lt"/>
-                <a:ea typeface="+mn-ea"/>
-                <a:cs typeface="+mn-cs"/>
-              </a:defRPr>
-            </a:lvl9pPr>
-          </a:lstStyle>
-          <a:p>
-            <a:r>
-              <a:rPr lang="en-AU" dirty="0" smtClean="0"/>
-              <a:t>Infected overall is used in calculating infection rate for males</a:t>
-            </a:r>
-            <a:endParaRPr lang="en-AU" dirty="0"/>
-          </a:p>
-        </p:txBody>
-      </p:sp>
-      <p:sp>
-        <p:nvSpPr>
-          <p:cNvPr id="6" name="Content Placeholder 5"/>
-          <p:cNvSpPr>
-            <a:spLocks noGrp="1"/>
-          </p:cNvSpPr>
-          <p:nvPr>
-            <p:ph idx="1"/>
-          </p:nvPr>
-        </p:nvSpPr>
-        <p:spPr/>
-        <p:txBody>
-          <a:bodyPr/>
-          <a:lstStyle/>
-          <a:p>
-            <a:endParaRPr lang="en-AU" dirty="0"/>
-          </a:p>
-        </p:txBody>
-      </p:sp>
-      <p:pic>
-        <p:nvPicPr>
-          <p:cNvPr id="7" name="Picture 6"/>
-          <p:cNvPicPr/>
-          <p:nvPr/>
-        </p:nvPicPr>
-        <p:blipFill>
-          <a:blip r:embed="rId2"/>
-          <a:srcRect/>
-          <a:stretch>
-            <a:fillRect/>
-          </a:stretch>
-        </p:blipFill>
-        <p:spPr bwMode="auto">
-          <a:xfrm>
-            <a:off x="578112" y="1417638"/>
-            <a:ext cx="8863330" cy="1641910"/>
-          </a:xfrm>
-          <a:prstGeom prst="rect">
-            <a:avLst/>
-          </a:prstGeom>
-          <a:noFill/>
-          <a:ln w="9525">
-            <a:noFill/>
-            <a:miter lim="800000"/>
-            <a:headEnd/>
-            <a:tailEnd/>
-          </a:ln>
-        </p:spPr>
-      </p:pic>
-    </p:spTree>
-    <p:extLst>
-      <p:ext uri="{BB962C8B-B14F-4D97-AF65-F5344CB8AC3E}">
-        <p14:creationId xmlns:p14="http://schemas.microsoft.com/office/powerpoint/2010/main" xmlns="" val="4049696702"/>
-      </p:ext>
-    </p:extLst>
-  </p:cSld>
-  <p:clrMapOvr>
-    <a:masterClrMapping/>
-  </p:clrMapOvr>
-  <p:timing>
-    <p:tnLst>
-      <p:par>
-        <p:cTn id="1" dur="indefinite" restart="never" nodeType="tmRoot"/>
-      </p:par>
-    </p:tnLst>
-  </p:timing>
-</p:sld>
-</file>
-
-<file path=ppt/slides/slide14.xml><?xml version="1.0" encoding="utf-8"?>
-<p:sld xmlns:a="http://schemas.openxmlformats.org/drawingml/2006/main" xmlns:r="http://schemas.openxmlformats.org/officeDocument/2006/relationships" xmlns:p="http://schemas.openxmlformats.org/presentationml/2006/main">
-  <p:cSld>
-    <p:spTree>
-      <p:nvGrpSpPr>
-        <p:cNvPr id="1" name=""/>
-        <p:cNvGrpSpPr/>
-        <p:nvPr/>
-      </p:nvGrpSpPr>
-      <p:grpSpPr>
-        <a:xfrm>
-          <a:off x="0" y="0"/>
-          <a:ext cx="0" cy="0"/>
-          <a:chOff x="0" y="0"/>
-          <a:chExt cx="0" cy="0"/>
-        </a:xfrm>
-      </p:grpSpPr>
-      <p:sp>
-        <p:nvSpPr>
-          <p:cNvPr id="2" name="Title 1"/>
-          <p:cNvSpPr>
-            <a:spLocks noGrp="1"/>
-          </p:cNvSpPr>
-          <p:nvPr>
-            <p:ph type="title"/>
-          </p:nvPr>
-        </p:nvSpPr>
-        <p:spPr/>
-        <p:txBody>
-          <a:bodyPr/>
-          <a:lstStyle/>
-          <a:p>
-            <a:r>
-              <a:rPr lang="en-AU" dirty="0" smtClean="0"/>
               <a:t>Prevalence equations with PPT (FSW)</a:t>
             </a:r>
             <a:endParaRPr lang="en-AU" dirty="0"/>
@@ -5580,11 +4949,7 @@
             </a:pPr>
             <a:r>
               <a:rPr lang="en-AU" dirty="0" smtClean="0"/>
-              <a:t>	 	PPT </a:t>
-            </a:r>
-            <a:r>
-              <a:rPr lang="en-AU" dirty="0" smtClean="0"/>
-              <a:t>rate</a:t>
+              <a:t>	 	PPT rate</a:t>
             </a:r>
           </a:p>
           <a:p>
@@ -5665,17 +5030,7 @@
                   </a:schemeClr>
                 </a:solidFill>
               </a:rPr>
-              <a:t>1/theta is expected </a:t>
-            </a:r>
-            <a:r>
-              <a:rPr lang="en-AU" dirty="0" smtClean="0">
-                <a:solidFill>
-                  <a:schemeClr val="bg1">
-                    <a:lumMod val="65000"/>
-                  </a:schemeClr>
-                </a:solidFill>
-              </a:rPr>
-              <a:t>duration of </a:t>
+              <a:t>1/theta is expected duration of </a:t>
             </a:r>
             <a:r>
               <a:rPr lang="en-AU" dirty="0" smtClean="0">
@@ -5687,6 +5042,18 @@
               </a:rPr>
               <a:t>protection</a:t>
             </a:r>
+          </a:p>
+          <a:p>
+            <a:r>
+              <a:rPr lang="en-AU" dirty="0" smtClean="0">
+                <a:solidFill>
+                  <a:schemeClr val="bg1">
+                    <a:lumMod val="65000"/>
+                  </a:schemeClr>
+                </a:solidFill>
+              </a:rPr>
+              <a:t>Infection rate used in calculating      and </a:t>
+            </a:r>
             <a:endParaRPr lang="en-AU" dirty="0">
               <a:solidFill>
                 <a:schemeClr val="bg1">
@@ -5699,42 +5066,12 @@
       </p:sp>
       <p:pic>
         <p:nvPicPr>
-          <p:cNvPr id="8" name="Picture 7"/>
+          <p:cNvPr id="9" name="Picture 8"/>
           <p:cNvPicPr/>
           <p:nvPr/>
         </p:nvPicPr>
         <p:blipFill>
           <a:blip r:embed="rId2"/>
-          <a:srcRect l="37494" r="38287" b="7678"/>
-          <a:stretch>
-            <a:fillRect/>
-          </a:stretch>
-        </p:blipFill>
-        <p:spPr bwMode="auto">
-          <a:xfrm>
-            <a:off x="2863784" y="1600200"/>
-            <a:ext cx="3220479" cy="1434122"/>
-          </a:xfrm>
-          <a:prstGeom prst="rect">
-            <a:avLst/>
-          </a:prstGeom>
-          <a:noFill/>
-          <a:ln w="9525">
-            <a:noFill/>
-            <a:miter lim="800000"/>
-            <a:headEnd/>
-            <a:tailEnd/>
-          </a:ln>
-        </p:spPr>
-      </p:pic>
-      <p:pic>
-        <p:nvPicPr>
-          <p:cNvPr id="9" name="Picture 8"/>
-          <p:cNvPicPr/>
-          <p:nvPr/>
-        </p:nvPicPr>
-        <p:blipFill>
-          <a:blip r:embed="rId3"/>
           <a:srcRect l="49171" r="48945" b="42500"/>
           <a:stretch>
             <a:fillRect/>
@@ -5764,7 +5101,7 @@
           <p:nvPr/>
         </p:nvPicPr>
         <p:blipFill>
-          <a:blip r:embed="rId4"/>
+          <a:blip r:embed="rId3"/>
           <a:srcRect l="47619" t="-30145" r="46982" b="29585"/>
           <a:stretch>
             <a:fillRect/>
@@ -5787,10 +5124,132 @@
           </a:ln>
         </p:spPr>
       </p:pic>
+      <p:pic>
+        <p:nvPicPr>
+          <p:cNvPr id="7" name="Picture 6"/>
+          <p:cNvPicPr>
+            <a:picLocks noChangeAspect="1"/>
+          </p:cNvPicPr>
+          <p:nvPr/>
+        </p:nvPicPr>
+        <p:blipFill>
+          <a:blip r:embed="rId4"/>
+          <a:srcRect/>
+          <a:stretch>
+            <a:fillRect/>
+          </a:stretch>
+        </p:blipFill>
+        <p:spPr bwMode="auto">
+          <a:xfrm>
+            <a:off x="331939" y="1600200"/>
+            <a:ext cx="8600759" cy="2081063"/>
+          </a:xfrm>
+          <a:prstGeom prst="rect">
+            <a:avLst/>
+          </a:prstGeom>
+          <a:noFill/>
+          <a:ln w="9525">
+            <a:noFill/>
+            <a:miter lim="800000"/>
+            <a:headEnd/>
+            <a:tailEnd/>
+          </a:ln>
+        </p:spPr>
+      </p:pic>
+      <p:pic>
+        <p:nvPicPr>
+          <p:cNvPr id="11" name="Picture 10"/>
+          <p:cNvPicPr/>
+          <p:nvPr/>
+        </p:nvPicPr>
+        <p:blipFill>
+          <a:blip r:embed="rId5"/>
+          <a:srcRect l="48992" r="49213"/>
+          <a:stretch>
+            <a:fillRect/>
+          </a:stretch>
+        </p:blipFill>
+        <p:spPr bwMode="auto">
+          <a:xfrm>
+            <a:off x="423434" y="6345683"/>
+            <a:ext cx="238688" cy="475155"/>
+          </a:xfrm>
+          <a:prstGeom prst="rect">
+            <a:avLst/>
+          </a:prstGeom>
+          <a:noFill/>
+          <a:ln w="9525">
+            <a:noFill/>
+            <a:miter lim="800000"/>
+            <a:headEnd/>
+            <a:tailEnd/>
+          </a:ln>
+        </p:spPr>
+      </p:pic>
+      <p:pic>
+        <p:nvPicPr>
+          <p:cNvPr id="12" name="Picture 11"/>
+          <p:cNvPicPr/>
+          <p:nvPr/>
+        </p:nvPicPr>
+        <p:blipFill>
+          <a:blip r:embed="rId6"/>
+          <a:srcRect l="48812" r="48855" b="30000"/>
+          <a:stretch>
+            <a:fillRect/>
+          </a:stretch>
+        </p:blipFill>
+        <p:spPr bwMode="auto">
+          <a:xfrm>
+            <a:off x="6350332" y="6525391"/>
+            <a:ext cx="310227" cy="332609"/>
+          </a:xfrm>
+          <a:prstGeom prst="rect">
+            <a:avLst/>
+          </a:prstGeom>
+          <a:noFill/>
+          <a:ln w="9525">
+            <a:noFill/>
+            <a:miter lim="800000"/>
+            <a:headEnd/>
+            <a:tailEnd/>
+          </a:ln>
+        </p:spPr>
+      </p:pic>
+      <p:pic>
+        <p:nvPicPr>
+          <p:cNvPr id="13" name="Picture 12"/>
+          <p:cNvPicPr/>
+          <p:nvPr/>
+        </p:nvPicPr>
+        <p:blipFill>
+          <a:blip r:embed="rId7"/>
+          <a:srcRect r="98062" b="37489"/>
+          <a:stretch>
+            <a:fillRect/>
+          </a:stretch>
+        </p:blipFill>
+        <p:spPr bwMode="auto">
+          <a:xfrm>
+            <a:off x="7693051" y="6560976"/>
+            <a:ext cx="257702" cy="297024"/>
+          </a:xfrm>
+          <a:prstGeom prst="rect">
+            <a:avLst/>
+          </a:prstGeom>
+          <a:noFill/>
+          <a:ln w="9525">
+            <a:noFill/>
+            <a:miter lim="800000"/>
+            <a:headEnd/>
+            <a:tailEnd/>
+          </a:ln>
+        </p:spPr>
+      </p:pic>
     </p:spTree>
     <p:extLst>
       <p:ext uri="{BB962C8B-B14F-4D97-AF65-F5344CB8AC3E}">
-        <p14:creationId xmlns:p14="http://schemas.microsoft.com/office/powerpoint/2010/main" xmlns="" val="3559378867"/>
+        <p14:creationId xmlns="" xmlns:p14="http://schemas.microsoft.com/office/powerpoint/2010/main" val="3559378867"/>
       </p:ext>
     </p:extLst>
   </p:cSld>
@@ -5807,7 +5266,7 @@
 </p:sld>
 </file>
 
-<file path=ppt/slides/slide15.xml><?xml version="1.0" encoding="utf-8"?>
+<file path=ppt/slides/slide13.xml><?xml version="1.0" encoding="utf-8"?>
 <p:sld xmlns:a="http://schemas.openxmlformats.org/drawingml/2006/main" xmlns:r="http://schemas.openxmlformats.org/officeDocument/2006/relationships" xmlns:p="http://schemas.openxmlformats.org/presentationml/2006/main">
   <p:cSld>
     <p:spTree>
@@ -5933,7 +5392,7 @@
 </p:sld>
 </file>
 
-<file path=ppt/slides/slide16.xml><?xml version="1.0" encoding="utf-8"?>
+<file path=ppt/slides/slide14.xml><?xml version="1.0" encoding="utf-8"?>
 <p:sld xmlns:a="http://schemas.openxmlformats.org/drawingml/2006/main" xmlns:r="http://schemas.openxmlformats.org/officeDocument/2006/relationships" xmlns:p="http://schemas.openxmlformats.org/presentationml/2006/main">
   <p:cSld>
     <p:spTree>
@@ -6026,15 +5485,7 @@
           <a:p>
             <a:r>
               <a:rPr lang="en-AU" dirty="0" smtClean="0"/>
-              <a:t>In </a:t>
-            </a:r>
-            <a:r>
-              <a:rPr lang="en-AU" dirty="0" smtClean="0"/>
-              <a:t>urban </a:t>
-            </a:r>
-            <a:r>
-              <a:rPr lang="en-AU" dirty="0" smtClean="0"/>
-              <a:t>setting, we are essentially wiping out UBSTI</a:t>
+              <a:t>In urban setting, we are essentially wiping out UBSTI</a:t>
             </a:r>
           </a:p>
           <a:p>
@@ -6050,7 +5501,6 @@
               <a:rPr lang="en-AU" dirty="0" smtClean="0"/>
               <a:t>FSW are more responsible for infection levels in urban areas</a:t>
             </a:r>
-            <a:endParaRPr lang="en-AU" dirty="0" smtClean="0"/>
           </a:p>
           <a:p>
             <a:endParaRPr lang="en-AU" dirty="0" smtClean="0"/>
@@ -6098,7 +5548,7 @@
 </p:sld>
 </file>
 
-<file path=ppt/slides/slide17.xml><?xml version="1.0" encoding="utf-8"?>
+<file path=ppt/slides/slide15.xml><?xml version="1.0" encoding="utf-8"?>
 <p:sld xmlns:a="http://schemas.openxmlformats.org/drawingml/2006/main" xmlns:r="http://schemas.openxmlformats.org/officeDocument/2006/relationships" xmlns:p="http://schemas.openxmlformats.org/presentationml/2006/main">
   <p:cSld>
     <p:spTree>
@@ -6170,17 +5620,7 @@
                   </a:schemeClr>
                 </a:solidFill>
               </a:rPr>
-              <a:t>Decrease </a:t>
-            </a:r>
-            <a:r>
-              <a:rPr lang="en-AU" dirty="0" smtClean="0">
-                <a:solidFill>
-                  <a:schemeClr val="bg1">
-                    <a:lumMod val="65000"/>
-                  </a:schemeClr>
-                </a:solidFill>
-              </a:rPr>
-              <a:t>of 4-6%.</a:t>
+              <a:t>Decrease of 4-6%.</a:t>
             </a:r>
           </a:p>
           <a:p>
@@ -6274,7 +5714,7 @@
     </p:spTree>
     <p:extLst>
       <p:ext uri="{BB962C8B-B14F-4D97-AF65-F5344CB8AC3E}">
-        <p14:creationId xmlns:p14="http://schemas.microsoft.com/office/powerpoint/2010/main" xmlns="" val="1917238972"/>
+        <p14:creationId xmlns="" xmlns:p14="http://schemas.microsoft.com/office/powerpoint/2010/main" val="1917238972"/>
       </p:ext>
     </p:extLst>
   </p:cSld>
@@ -6284,7 +5724,7 @@
 </p:sld>
 </file>
 
-<file path=ppt/slides/slide18.xml><?xml version="1.0" encoding="utf-8"?>
+<file path=ppt/slides/slide16.xml><?xml version="1.0" encoding="utf-8"?>
 <p:sld xmlns:a="http://schemas.openxmlformats.org/drawingml/2006/main" xmlns:r="http://schemas.openxmlformats.org/officeDocument/2006/relationships" xmlns:p="http://schemas.openxmlformats.org/presentationml/2006/main">
   <p:cSld>
     <p:spTree>
@@ -6373,8 +5813,11 @@
                   </a:schemeClr>
                 </a:solidFill>
               </a:rPr>
-              <a:t>Less stigmatisation of FSW as </a:t>
-            </a:r>
+              <a:t>Less stigmatisation of FSW as “unclean”</a:t>
+            </a:r>
+          </a:p>
+          <a:p>
+            <a:pPr lvl="1"/>
             <a:r>
               <a:rPr lang="en-AU" dirty="0" smtClean="0">
                 <a:solidFill>
@@ -6383,65 +5826,8 @@
                   </a:schemeClr>
                 </a:solidFill>
               </a:rPr>
-              <a:t>“unclean”</a:t>
-            </a:r>
-            <a:endParaRPr lang="en-AU" dirty="0" smtClean="0">
-              <a:solidFill>
-                <a:schemeClr val="bg1">
-                  <a:lumMod val="65000"/>
-                </a:schemeClr>
-              </a:solidFill>
-            </a:endParaRPr>
-          </a:p>
-          <a:p>
-            <a:pPr lvl="1"/>
-            <a:r>
-              <a:rPr lang="en-AU" dirty="0" smtClean="0">
-                <a:solidFill>
-                  <a:schemeClr val="bg1">
-                    <a:lumMod val="65000"/>
-                  </a:schemeClr>
-                </a:solidFill>
-              </a:rPr>
-              <a:t>Reaching a </a:t>
-            </a:r>
-            <a:r>
-              <a:rPr lang="en-AU" dirty="0" smtClean="0">
-                <a:solidFill>
-                  <a:schemeClr val="bg1">
-                    <a:lumMod val="65000"/>
-                  </a:schemeClr>
-                </a:solidFill>
-              </a:rPr>
-              <a:t>smaller fraction of the whole population is </a:t>
-            </a:r>
-            <a:r>
-              <a:rPr lang="en-AU" dirty="0" smtClean="0">
-                <a:solidFill>
-                  <a:schemeClr val="bg1">
-                    <a:lumMod val="65000"/>
-                  </a:schemeClr>
-                </a:solidFill>
-              </a:rPr>
-              <a:t>easier than reaching a </a:t>
-            </a:r>
-            <a:r>
-              <a:rPr lang="en-AU" dirty="0" smtClean="0">
-                <a:solidFill>
-                  <a:schemeClr val="bg1">
-                    <a:lumMod val="65000"/>
-                  </a:schemeClr>
-                </a:solidFill>
-              </a:rPr>
-              <a:t>larger fraction of a sub-population</a:t>
-            </a:r>
-            <a:endParaRPr lang="en-AU" dirty="0" smtClean="0">
-              <a:solidFill>
-                <a:schemeClr val="bg1">
-                  <a:lumMod val="65000"/>
-                </a:schemeClr>
-              </a:solidFill>
-            </a:endParaRPr>
+              <a:t>Reaching a smaller fraction of the whole population is easier than reaching a larger fraction of a sub-population</a:t>
+            </a:r>
           </a:p>
         </p:txBody>
       </p:sp>
@@ -6453,7 +5839,7 @@
 </p:sld>
 </file>
 
-<file path=ppt/slides/slide19.xml><?xml version="1.0" encoding="utf-8"?>
+<file path=ppt/slides/slide17.xml><?xml version="1.0" encoding="utf-8"?>
 <p:sld xmlns:a="http://schemas.openxmlformats.org/drawingml/2006/main" xmlns:r="http://schemas.openxmlformats.org/officeDocument/2006/relationships" xmlns:p="http://schemas.openxmlformats.org/presentationml/2006/main">
   <p:cSld>
     <p:spTree>
@@ -6637,11 +6023,7 @@
           <a:p>
             <a:r>
               <a:rPr lang="en-AU" dirty="0" smtClean="0"/>
-              <a:t>Intervention for females has more effect – females have higher prevalence, so more often treatment is </a:t>
-            </a:r>
-            <a:r>
-              <a:rPr lang="en-AU" dirty="0" smtClean="0"/>
-              <a:t>effective</a:t>
+              <a:t>Intervention for females has more effect – females have higher prevalence, so more often treatment is effective</a:t>
             </a:r>
           </a:p>
           <a:p>
@@ -6655,7 +6037,6 @@
               <a:rPr lang="en-AU" dirty="0" smtClean="0"/>
               <a:t>Combined intervention much less effective</a:t>
             </a:r>
-            <a:endParaRPr lang="en-AU" dirty="0" smtClean="0"/>
           </a:p>
         </p:txBody>
       </p:sp>
@@ -6685,7 +6066,227 @@
     </p:spTree>
     <p:extLst>
       <p:ext uri="{BB962C8B-B14F-4D97-AF65-F5344CB8AC3E}">
-        <p14:creationId xmlns:p14="http://schemas.microsoft.com/office/powerpoint/2010/main" xmlns="" val="268161953"/>
+        <p14:creationId xmlns="" xmlns:p14="http://schemas.microsoft.com/office/powerpoint/2010/main" val="268161953"/>
+      </p:ext>
+    </p:extLst>
+  </p:cSld>
+  <p:clrMapOvr>
+    <a:masterClrMapping/>
+  </p:clrMapOvr>
+</p:sld>
+</file>
+
+<file path=ppt/slides/slide18.xml><?xml version="1.0" encoding="utf-8"?>
+<p:sld xmlns:a="http://schemas.openxmlformats.org/drawingml/2006/main" xmlns:r="http://schemas.openxmlformats.org/officeDocument/2006/relationships" xmlns:p="http://schemas.openxmlformats.org/presentationml/2006/main">
+  <p:cSld>
+    <p:spTree>
+      <p:nvGrpSpPr>
+        <p:cNvPr id="1" name=""/>
+        <p:cNvGrpSpPr/>
+        <p:nvPr/>
+      </p:nvGrpSpPr>
+      <p:grpSpPr>
+        <a:xfrm>
+          <a:off x="0" y="0"/>
+          <a:ext cx="0" cy="0"/>
+          <a:chOff x="0" y="0"/>
+          <a:chExt cx="0" cy="0"/>
+        </a:xfrm>
+      </p:grpSpPr>
+      <p:sp>
+        <p:nvSpPr>
+          <p:cNvPr id="2" name="Title 1"/>
+          <p:cNvSpPr>
+            <a:spLocks noGrp="1"/>
+          </p:cNvSpPr>
+          <p:nvPr>
+            <p:ph type="title"/>
+          </p:nvPr>
+        </p:nvSpPr>
+        <p:spPr/>
+        <p:txBody>
+          <a:bodyPr/>
+          <a:lstStyle/>
+          <a:p>
+            <a:r>
+              <a:rPr lang="en-AU" dirty="0" smtClean="0"/>
+              <a:t>Possible extensions to model</a:t>
+            </a:r>
+            <a:endParaRPr lang="en-AU" dirty="0"/>
+          </a:p>
+        </p:txBody>
+      </p:sp>
+      <p:sp>
+        <p:nvSpPr>
+          <p:cNvPr id="3" name="Content Placeholder 2"/>
+          <p:cNvSpPr>
+            <a:spLocks noGrp="1"/>
+          </p:cNvSpPr>
+          <p:nvPr>
+            <p:ph idx="1"/>
+          </p:nvPr>
+        </p:nvSpPr>
+        <p:spPr/>
+        <p:txBody>
+          <a:bodyPr/>
+          <a:lstStyle/>
+          <a:p>
+            <a:r>
+              <a:rPr lang="en-AU" dirty="0" smtClean="0"/>
+              <a:t>Build integrated model with interaction between USTI and HIV</a:t>
+            </a:r>
+          </a:p>
+          <a:p>
+            <a:r>
+              <a:rPr lang="en-AU" dirty="0" smtClean="0"/>
+              <a:t>Include multiple USTIs</a:t>
+            </a:r>
+          </a:p>
+          <a:p>
+            <a:r>
+              <a:rPr lang="en-AU" dirty="0" smtClean="0"/>
+              <a:t>Include bridging populations</a:t>
+            </a:r>
+          </a:p>
+          <a:p>
+            <a:r>
+              <a:rPr lang="en-AU" dirty="0" smtClean="0"/>
+              <a:t>Include information about disease stages</a:t>
+            </a:r>
+          </a:p>
+          <a:p>
+            <a:r>
+              <a:rPr lang="en-AU" dirty="0" smtClean="0"/>
+              <a:t>Model explicitly for development of resistance</a:t>
+            </a:r>
+          </a:p>
+          <a:p>
+            <a:endParaRPr lang="en-AU" dirty="0"/>
+          </a:p>
+        </p:txBody>
+      </p:sp>
+    </p:spTree>
+  </p:cSld>
+  <p:clrMapOvr>
+    <a:masterClrMapping/>
+  </p:clrMapOvr>
+</p:sld>
+</file>
+
+<file path=ppt/slides/slide19.xml><?xml version="1.0" encoding="utf-8"?>
+<p:sld xmlns:a="http://schemas.openxmlformats.org/drawingml/2006/main" xmlns:r="http://schemas.openxmlformats.org/officeDocument/2006/relationships" xmlns:p="http://schemas.openxmlformats.org/presentationml/2006/main">
+  <p:cSld>
+    <p:spTree>
+      <p:nvGrpSpPr>
+        <p:cNvPr id="1" name=""/>
+        <p:cNvGrpSpPr/>
+        <p:nvPr/>
+      </p:nvGrpSpPr>
+      <p:grpSpPr>
+        <a:xfrm>
+          <a:off x="0" y="0"/>
+          <a:ext cx="0" cy="0"/>
+          <a:chOff x="0" y="0"/>
+          <a:chExt cx="0" cy="0"/>
+        </a:xfrm>
+      </p:grpSpPr>
+      <p:sp>
+        <p:nvSpPr>
+          <p:cNvPr id="2" name="Title 1"/>
+          <p:cNvSpPr>
+            <a:spLocks noGrp="1"/>
+          </p:cNvSpPr>
+          <p:nvPr>
+            <p:ph type="title"/>
+          </p:nvPr>
+        </p:nvSpPr>
+        <p:spPr/>
+        <p:txBody>
+          <a:bodyPr/>
+          <a:lstStyle/>
+          <a:p>
+            <a:r>
+              <a:rPr lang="en-AU" dirty="0"/>
+              <a:t>Possible extensions to model</a:t>
+            </a:r>
+          </a:p>
+        </p:txBody>
+      </p:sp>
+      <p:sp>
+        <p:nvSpPr>
+          <p:cNvPr id="3" name="Content Placeholder 2"/>
+          <p:cNvSpPr>
+            <a:spLocks noGrp="1"/>
+          </p:cNvSpPr>
+          <p:nvPr>
+            <p:ph idx="1"/>
+          </p:nvPr>
+        </p:nvSpPr>
+        <p:spPr/>
+        <p:txBody>
+          <a:bodyPr/>
+          <a:lstStyle/>
+          <a:p>
+            <a:r>
+              <a:rPr lang="en-AU" dirty="0">
+                <a:solidFill>
+                  <a:schemeClr val="bg1">
+                    <a:lumMod val="65000"/>
+                  </a:schemeClr>
+                </a:solidFill>
+              </a:rPr>
+              <a:t>Include death rates, migration, </a:t>
+            </a:r>
+            <a:r>
+              <a:rPr lang="en-AU" dirty="0" smtClean="0">
+                <a:solidFill>
+                  <a:schemeClr val="bg1">
+                    <a:lumMod val="65000"/>
+                  </a:schemeClr>
+                </a:solidFill>
+              </a:rPr>
+              <a:t>regional difference in treatment, condom </a:t>
+            </a:r>
+            <a:r>
+              <a:rPr lang="en-AU" dirty="0">
+                <a:solidFill>
+                  <a:schemeClr val="bg1">
+                    <a:lumMod val="65000"/>
+                  </a:schemeClr>
+                </a:solidFill>
+              </a:rPr>
+              <a:t>use, </a:t>
+            </a:r>
+            <a:r>
+              <a:rPr lang="en-AU" dirty="0" smtClean="0">
+                <a:solidFill>
+                  <a:schemeClr val="bg1">
+                    <a:lumMod val="65000"/>
+                  </a:schemeClr>
+                </a:solidFill>
+              </a:rPr>
+              <a:t>explicit consideration of effect </a:t>
+            </a:r>
+            <a:r>
+              <a:rPr lang="en-AU" dirty="0">
+                <a:solidFill>
+                  <a:schemeClr val="bg1">
+                    <a:lumMod val="65000"/>
+                  </a:schemeClr>
+                </a:solidFill>
+              </a:rPr>
+              <a:t>of mother-to-child transmission and ante-natal care, starting and stopping PPT, starting and stopping sex work, age structure of treatment and effect on age-varying partnerships</a:t>
+            </a:r>
+          </a:p>
+          <a:p>
+            <a:endParaRPr lang="en-AU" dirty="0"/>
+          </a:p>
+        </p:txBody>
+      </p:sp>
+    </p:spTree>
+    <p:extLst>
+      <p:ext uri="{BB962C8B-B14F-4D97-AF65-F5344CB8AC3E}">
+        <p14:creationId xmlns="" xmlns:p14="http://schemas.microsoft.com/office/powerpoint/2010/main" val="3406016916"/>
       </p:ext>
     </p:extLst>
   </p:cSld>
@@ -6760,7 +6361,6 @@
               <a:rPr lang="en-AU" dirty="0" smtClean="0"/>
               <a:t>Introduction</a:t>
             </a:r>
-            <a:endParaRPr lang="en-AU" dirty="0" smtClean="0"/>
           </a:p>
           <a:p>
             <a:r>
@@ -6771,11 +6371,7 @@
           <a:p>
             <a:r>
               <a:rPr lang="en-AU" dirty="0" smtClean="0"/>
-              <a:t>Results &amp; </a:t>
-            </a:r>
-            <a:r>
-              <a:rPr lang="en-AU" dirty="0" smtClean="0"/>
-              <a:t>discussion</a:t>
+              <a:t>Results &amp; discussion</a:t>
             </a:r>
           </a:p>
           <a:p>
@@ -6796,7 +6392,7 @@
     </p:spTree>
     <p:extLst>
       <p:ext uri="{BB962C8B-B14F-4D97-AF65-F5344CB8AC3E}">
-        <p14:creationId xmlns:p14="http://schemas.microsoft.com/office/powerpoint/2010/main" xmlns="" val="2732096210"/>
+        <p14:creationId xmlns="" xmlns:p14="http://schemas.microsoft.com/office/powerpoint/2010/main" val="2732096210"/>
       </p:ext>
     </p:extLst>
   </p:cSld>
@@ -6847,7 +6443,7 @@
           <a:p>
             <a:r>
               <a:rPr lang="en-AU" dirty="0" smtClean="0"/>
-              <a:t>Possible extensions to model</a:t>
+              <a:t>Recommendations</a:t>
             </a:r>
             <a:endParaRPr lang="en-AU" dirty="0"/>
           </a:p>
@@ -6870,45 +6466,39 @@
           <a:p>
             <a:r>
               <a:rPr lang="en-AU" dirty="0" smtClean="0"/>
-              <a:t>Build integrated model with interaction between USTI and HIV</a:t>
+              <a:t>PPT could be effective in PNG in wiping out UBSTI in urban settings</a:t>
             </a:r>
           </a:p>
           <a:p>
             <a:r>
               <a:rPr lang="en-AU" dirty="0" smtClean="0"/>
-              <a:t>Include multiple </a:t>
-            </a:r>
+              <a:t>PPT has moderate impact on HIV levels</a:t>
+            </a:r>
+          </a:p>
+          <a:p>
+            <a:pPr lvl="1"/>
+            <a:r>
+              <a:rPr lang="en-AU" dirty="0" smtClean="0">
+                <a:solidFill>
+                  <a:schemeClr val="bg1">
+                    <a:lumMod val="65000"/>
+                  </a:schemeClr>
+                </a:solidFill>
+              </a:rPr>
+              <a:t>Likely there are more effective ways to reduce HIV if this is only objective, but certainly provides additional benefit if trying to lower UBSTIs already</a:t>
+            </a:r>
+          </a:p>
+          <a:p>
             <a:r>
               <a:rPr lang="en-AU" dirty="0" smtClean="0"/>
-              <a:t>USTIs</a:t>
+              <a:t>Could combine PPT with rapid tests for those UBSTIs for which there is a moderate failure rate</a:t>
             </a:r>
           </a:p>
           <a:p>
             <a:r>
               <a:rPr lang="en-AU" dirty="0" smtClean="0"/>
-              <a:t>Include bridging populations</a:t>
-            </a:r>
-          </a:p>
-          <a:p>
-            <a:r>
-              <a:rPr lang="en-AU" dirty="0" smtClean="0"/>
-              <a:t>Include </a:t>
-            </a:r>
-            <a:r>
-              <a:rPr lang="en-AU" dirty="0" smtClean="0"/>
-              <a:t>information about disease </a:t>
-            </a:r>
-            <a:r>
-              <a:rPr lang="en-AU" dirty="0" smtClean="0"/>
-              <a:t>stages</a:t>
-            </a:r>
-          </a:p>
-          <a:p>
-            <a:r>
-              <a:rPr lang="en-AU" dirty="0" smtClean="0"/>
-              <a:t>Model explicitly for development of resistance</a:t>
-            </a:r>
-            <a:endParaRPr lang="en-AU" dirty="0" smtClean="0"/>
+              <a:t>Complete model is justified</a:t>
+            </a:r>
           </a:p>
           <a:p>
             <a:endParaRPr lang="en-AU" dirty="0"/>
@@ -6956,9 +6546,10 @@
           <a:lstStyle/>
           <a:p>
             <a:r>
-              <a:rPr lang="en-AU" dirty="0"/>
-              <a:t>Possible extensions to model</a:t>
-            </a:r>
+              <a:rPr lang="en-AU" dirty="0" smtClean="0"/>
+              <a:t>Acknowledgements	</a:t>
+            </a:r>
+            <a:endParaRPr lang="en-AU" dirty="0"/>
           </a:p>
         </p:txBody>
       </p:sp>
@@ -6978,273 +6569,8 @@
           <a:lstStyle/>
           <a:p>
             <a:r>
-              <a:rPr lang="en-AU" dirty="0">
-                <a:solidFill>
-                  <a:schemeClr val="bg1">
-                    <a:lumMod val="65000"/>
-                  </a:schemeClr>
-                </a:solidFill>
-              </a:rPr>
-              <a:t>Include death rates, migration, </a:t>
-            </a:r>
-            <a:r>
-              <a:rPr lang="en-AU" dirty="0" smtClean="0">
-                <a:solidFill>
-                  <a:schemeClr val="bg1">
-                    <a:lumMod val="65000"/>
-                  </a:schemeClr>
-                </a:solidFill>
-              </a:rPr>
-              <a:t>regional difference in treatment, condom </a:t>
-            </a:r>
-            <a:r>
-              <a:rPr lang="en-AU" dirty="0">
-                <a:solidFill>
-                  <a:schemeClr val="bg1">
-                    <a:lumMod val="65000"/>
-                  </a:schemeClr>
-                </a:solidFill>
-              </a:rPr>
-              <a:t>use, </a:t>
-            </a:r>
-            <a:r>
-              <a:rPr lang="en-AU" dirty="0" smtClean="0">
-                <a:solidFill>
-                  <a:schemeClr val="bg1">
-                    <a:lumMod val="65000"/>
-                  </a:schemeClr>
-                </a:solidFill>
-              </a:rPr>
-              <a:t>explicit consideration of effect </a:t>
-            </a:r>
-            <a:r>
-              <a:rPr lang="en-AU" dirty="0">
-                <a:solidFill>
-                  <a:schemeClr val="bg1">
-                    <a:lumMod val="65000"/>
-                  </a:schemeClr>
-                </a:solidFill>
-              </a:rPr>
-              <a:t>of mother-to-child transmission and ante-natal care, starting and stopping PPT, starting and stopping sex work, age structure of treatment and effect on age-varying partnerships</a:t>
-            </a:r>
-          </a:p>
-          <a:p>
-            <a:endParaRPr lang="en-AU" dirty="0"/>
-          </a:p>
-        </p:txBody>
-      </p:sp>
-    </p:spTree>
-    <p:extLst>
-      <p:ext uri="{BB962C8B-B14F-4D97-AF65-F5344CB8AC3E}">
-        <p14:creationId xmlns:p14="http://schemas.microsoft.com/office/powerpoint/2010/main" xmlns="" val="3406016916"/>
-      </p:ext>
-    </p:extLst>
-  </p:cSld>
-  <p:clrMapOvr>
-    <a:masterClrMapping/>
-  </p:clrMapOvr>
-</p:sld>
-</file>
-
-<file path=ppt/slides/slide22.xml><?xml version="1.0" encoding="utf-8"?>
-<p:sld xmlns:a="http://schemas.openxmlformats.org/drawingml/2006/main" xmlns:r="http://schemas.openxmlformats.org/officeDocument/2006/relationships" xmlns:p="http://schemas.openxmlformats.org/presentationml/2006/main">
-  <p:cSld>
-    <p:spTree>
-      <p:nvGrpSpPr>
-        <p:cNvPr id="1" name=""/>
-        <p:cNvGrpSpPr/>
-        <p:nvPr/>
-      </p:nvGrpSpPr>
-      <p:grpSpPr>
-        <a:xfrm>
-          <a:off x="0" y="0"/>
-          <a:ext cx="0" cy="0"/>
-          <a:chOff x="0" y="0"/>
-          <a:chExt cx="0" cy="0"/>
-        </a:xfrm>
-      </p:grpSpPr>
-      <p:sp>
-        <p:nvSpPr>
-          <p:cNvPr id="2" name="Title 1"/>
-          <p:cNvSpPr>
-            <a:spLocks noGrp="1"/>
-          </p:cNvSpPr>
-          <p:nvPr>
-            <p:ph type="title"/>
-          </p:nvPr>
-        </p:nvSpPr>
-        <p:spPr/>
-        <p:txBody>
-          <a:bodyPr/>
-          <a:lstStyle/>
-          <a:p>
-            <a:r>
               <a:rPr lang="en-AU" dirty="0" smtClean="0"/>
-              <a:t>Recommendations</a:t>
-            </a:r>
-            <a:endParaRPr lang="en-AU" dirty="0"/>
-          </a:p>
-        </p:txBody>
-      </p:sp>
-      <p:sp>
-        <p:nvSpPr>
-          <p:cNvPr id="3" name="Content Placeholder 2"/>
-          <p:cNvSpPr>
-            <a:spLocks noGrp="1"/>
-          </p:cNvSpPr>
-          <p:nvPr>
-            <p:ph idx="1"/>
-          </p:nvPr>
-        </p:nvSpPr>
-        <p:spPr/>
-        <p:txBody>
-          <a:bodyPr/>
-          <a:lstStyle/>
-          <a:p>
-            <a:r>
-              <a:rPr lang="en-AU" dirty="0" smtClean="0"/>
-              <a:t>PPT could be effective in PNG </a:t>
-            </a:r>
-            <a:r>
-              <a:rPr lang="en-AU" dirty="0" smtClean="0"/>
-              <a:t>in wiping out UBSTI in </a:t>
-            </a:r>
-            <a:r>
-              <a:rPr lang="en-AU" dirty="0" smtClean="0"/>
-              <a:t>urban </a:t>
-            </a:r>
-            <a:r>
-              <a:rPr lang="en-AU" dirty="0" smtClean="0"/>
-              <a:t>settings</a:t>
-            </a:r>
-          </a:p>
-          <a:p>
-            <a:r>
-              <a:rPr lang="en-AU" dirty="0" smtClean="0"/>
-              <a:t>PPT has moderate impact on HIV levels</a:t>
-            </a:r>
-          </a:p>
-          <a:p>
-            <a:pPr lvl="1"/>
-            <a:r>
-              <a:rPr lang="en-AU" dirty="0" smtClean="0">
-                <a:solidFill>
-                  <a:schemeClr val="bg1">
-                    <a:lumMod val="65000"/>
-                  </a:schemeClr>
-                </a:solidFill>
-              </a:rPr>
-              <a:t>Likely there are more effective ways to reduce HIV if this is only objective, but certainly provides additional benefit if trying to lower UBSTIs already</a:t>
-            </a:r>
-          </a:p>
-          <a:p>
-            <a:r>
-              <a:rPr lang="en-AU" dirty="0" smtClean="0"/>
-              <a:t>Could combine PPT with rapid tests for those UBSTIs for which there is a moderate failure rate</a:t>
-            </a:r>
-          </a:p>
-          <a:p>
-            <a:r>
-              <a:rPr lang="en-AU" dirty="0" smtClean="0"/>
-              <a:t>Complete </a:t>
-            </a:r>
-            <a:r>
-              <a:rPr lang="en-AU" dirty="0" smtClean="0"/>
-              <a:t>model is </a:t>
-            </a:r>
-            <a:r>
-              <a:rPr lang="en-AU" dirty="0" smtClean="0"/>
-              <a:t>justified</a:t>
-            </a:r>
-            <a:endParaRPr lang="en-AU" dirty="0" smtClean="0"/>
-          </a:p>
-          <a:p>
-            <a:endParaRPr lang="en-AU" dirty="0"/>
-          </a:p>
-        </p:txBody>
-      </p:sp>
-    </p:spTree>
-  </p:cSld>
-  <p:clrMapOvr>
-    <a:masterClrMapping/>
-  </p:clrMapOvr>
-</p:sld>
-</file>
-
-<file path=ppt/slides/slide23.xml><?xml version="1.0" encoding="utf-8"?>
-<p:sld xmlns:a="http://schemas.openxmlformats.org/drawingml/2006/main" xmlns:r="http://schemas.openxmlformats.org/officeDocument/2006/relationships" xmlns:p="http://schemas.openxmlformats.org/presentationml/2006/main">
-  <p:cSld>
-    <p:spTree>
-      <p:nvGrpSpPr>
-        <p:cNvPr id="1" name=""/>
-        <p:cNvGrpSpPr/>
-        <p:nvPr/>
-      </p:nvGrpSpPr>
-      <p:grpSpPr>
-        <a:xfrm>
-          <a:off x="0" y="0"/>
-          <a:ext cx="0" cy="0"/>
-          <a:chOff x="0" y="0"/>
-          <a:chExt cx="0" cy="0"/>
-        </a:xfrm>
-      </p:grpSpPr>
-      <p:sp>
-        <p:nvSpPr>
-          <p:cNvPr id="2" name="Title 1"/>
-          <p:cNvSpPr>
-            <a:spLocks noGrp="1"/>
-          </p:cNvSpPr>
-          <p:nvPr>
-            <p:ph type="title"/>
-          </p:nvPr>
-        </p:nvSpPr>
-        <p:spPr/>
-        <p:txBody>
-          <a:bodyPr/>
-          <a:lstStyle/>
-          <a:p>
-            <a:r>
-              <a:rPr lang="en-AU" dirty="0" smtClean="0"/>
-              <a:t>Acknowledgements</a:t>
-            </a:r>
-            <a:r>
-              <a:rPr lang="en-AU" dirty="0" smtClean="0"/>
-              <a:t>	</a:t>
-            </a:r>
-            <a:endParaRPr lang="en-AU" dirty="0"/>
-          </a:p>
-        </p:txBody>
-      </p:sp>
-      <p:sp>
-        <p:nvSpPr>
-          <p:cNvPr id="3" name="Content Placeholder 2"/>
-          <p:cNvSpPr>
-            <a:spLocks noGrp="1"/>
-          </p:cNvSpPr>
-          <p:nvPr>
-            <p:ph idx="1"/>
-          </p:nvPr>
-        </p:nvSpPr>
-        <p:spPr/>
-        <p:txBody>
-          <a:bodyPr/>
-          <a:lstStyle/>
-          <a:p>
-            <a:r>
-              <a:rPr lang="en-AU" dirty="0" smtClean="0"/>
-              <a:t>I would like to thank the Kirby Institute</a:t>
-            </a:r>
-            <a:r>
-              <a:rPr lang="en-AU" dirty="0" smtClean="0"/>
-              <a:t> </a:t>
-            </a:r>
-            <a:r>
-              <a:rPr lang="en-AU" dirty="0" smtClean="0"/>
-              <a:t>and</a:t>
-            </a:r>
-            <a:r>
-              <a:rPr lang="en-AU" dirty="0" smtClean="0"/>
-              <a:t> the UNSW School of Mathematics for their support for this project, </a:t>
+              <a:t>I would like to thank the Kirby Institute and the UNSW School of Mathematics for their support for this project, </a:t>
             </a:r>
             <a:r>
               <a:rPr lang="en-US" dirty="0" smtClean="0"/>
@@ -7256,11 +6582,7 @@
             </a:r>
             <a:r>
               <a:rPr lang="en-US" dirty="0" smtClean="0"/>
-              <a:t>the Australian Mathematical Sciences </a:t>
-            </a:r>
-            <a:r>
-              <a:rPr lang="en-US" dirty="0" smtClean="0"/>
-              <a:t>Institute for sponsoring and </a:t>
+              <a:t>the Australian Mathematical Sciences Institute for sponsoring and </a:t>
             </a:r>
             <a:r>
               <a:rPr lang="en-US" dirty="0" err="1" smtClean="0"/>
@@ -7354,23 +6676,14 @@
             <a:pPr lvl="1"/>
             <a:r>
               <a:rPr lang="en-AU" dirty="0" smtClean="0"/>
-              <a:t>Location, </a:t>
-            </a:r>
+              <a:t>Location, size</a:t>
+            </a:r>
+          </a:p>
+          <a:p>
+            <a:pPr lvl="1"/>
             <a:r>
               <a:rPr lang="en-AU" dirty="0" smtClean="0"/>
-              <a:t>size</a:t>
-            </a:r>
-            <a:endParaRPr lang="en-AU" dirty="0" smtClean="0"/>
-          </a:p>
-          <a:p>
-            <a:pPr lvl="1"/>
-            <a:r>
-              <a:rPr lang="en-AU" dirty="0" smtClean="0"/>
-              <a:t>HIV </a:t>
-            </a:r>
-            <a:r>
-              <a:rPr lang="en-AU" dirty="0" smtClean="0"/>
-              <a:t>level</a:t>
+              <a:t>HIV level</a:t>
             </a:r>
           </a:p>
           <a:p>
@@ -7551,13 +6864,6 @@
               </a:rPr>
               <a:t> </a:t>
             </a:r>
-            <a:endParaRPr lang="en-AU" dirty="0" smtClean="0">
-              <a:solidFill>
-                <a:schemeClr val="bg1">
-                  <a:lumMod val="65000"/>
-                </a:schemeClr>
-              </a:solidFill>
-            </a:endParaRPr>
           </a:p>
           <a:p>
             <a:r>
@@ -7568,13 +6874,8 @@
           <a:p>
             <a:r>
               <a:rPr lang="en-AU" dirty="0" smtClean="0"/>
-              <a:t>Some ulcerating STIs often don’t have </a:t>
-            </a:r>
-            <a:r>
-              <a:rPr lang="en-AU" dirty="0" smtClean="0"/>
-              <a:t>symptoms</a:t>
-            </a:r>
-            <a:endParaRPr lang="en-AU" dirty="0" smtClean="0"/>
+              <a:t>Some ulcerating STIs often don’t have symptoms</a:t>
+            </a:r>
           </a:p>
           <a:p>
             <a:endParaRPr lang="en-AU" dirty="0"/>
@@ -7666,17 +6967,7 @@
                   </a:schemeClr>
                 </a:solidFill>
               </a:rPr>
-              <a:t>‘Presumptive</a:t>
-            </a:r>
-            <a:r>
-              <a:rPr lang="en-AU" dirty="0" smtClean="0">
-                <a:solidFill>
-                  <a:schemeClr val="bg1">
-                    <a:lumMod val="65000"/>
-                  </a:schemeClr>
-                </a:solidFill>
-              </a:rPr>
-              <a:t>’</a:t>
+              <a:t>‘Presumptive’</a:t>
             </a:r>
           </a:p>
           <a:p>
@@ -7842,23 +7133,7 @@
           <a:p>
             <a:r>
               <a:rPr lang="en-AU" dirty="0" smtClean="0"/>
-              <a:t>Discrete, compartmental, deterministic </a:t>
-            </a:r>
-            <a:r>
-              <a:rPr lang="en-AU" dirty="0" smtClean="0"/>
-              <a:t>homogenous mixing </a:t>
-            </a:r>
-            <a:r>
-              <a:rPr lang="en-AU" dirty="0" smtClean="0"/>
-              <a:t>model </a:t>
-            </a:r>
-            <a:r>
-              <a:rPr lang="en-AU" dirty="0" smtClean="0"/>
-              <a:t>to </a:t>
-            </a:r>
-            <a:r>
-              <a:rPr lang="en-AU" dirty="0" smtClean="0"/>
-              <a:t>simulate HIV transmission</a:t>
+              <a:t>Discrete, compartmental, deterministic homogenous mixing model to simulate HIV transmission</a:t>
             </a:r>
           </a:p>
           <a:p>
@@ -8123,23 +7398,14 @@
             </a:r>
             <a:r>
               <a:rPr lang="en-AU" dirty="0" smtClean="0"/>
-              <a:t>% higher in rural </a:t>
-            </a:r>
+              <a:t>% higher in rural areas</a:t>
+            </a:r>
+          </a:p>
+          <a:p>
             <a:r>
               <a:rPr lang="en-AU" dirty="0" smtClean="0"/>
-              <a:t>areas</a:t>
-            </a:r>
-          </a:p>
-          <a:p>
-            <a:r>
-              <a:rPr lang="en-AU" dirty="0" smtClean="0"/>
-              <a:t>Calibrated model by assuming </a:t>
-            </a:r>
-            <a:r>
-              <a:rPr lang="en-AU" dirty="0" smtClean="0"/>
-              <a:t>UBSTIs are in equilibrium</a:t>
-            </a:r>
-            <a:endParaRPr lang="en-AU" dirty="0" smtClean="0"/>
+              <a:t>Calibrated model by assuming UBSTIs are in equilibrium</a:t>
+            </a:r>
           </a:p>
           <a:p>
             <a:pPr lvl="1"/>
@@ -8154,7 +7420,7 @@
     </p:spTree>
     <p:extLst>
       <p:ext uri="{BB962C8B-B14F-4D97-AF65-F5344CB8AC3E}">
-        <p14:creationId xmlns:p14="http://schemas.microsoft.com/office/powerpoint/2010/main" xmlns="" val="1702900212"/>
+        <p14:creationId xmlns="" xmlns:p14="http://schemas.microsoft.com/office/powerpoint/2010/main" val="1702900212"/>
       </p:ext>
     </p:extLst>
   </p:cSld>

--- a/Christopher Rock HIV and PPT.pptx
+++ b/Christopher Rock HIV and PPT.pptx
@@ -5,33 +5,28 @@
     <p:sldMasterId id="2147483648" r:id="rId1"/>
   </p:sldMasterIdLst>
   <p:notesMasterIdLst>
-    <p:notesMasterId r:id="rId23"/>
+    <p:notesMasterId r:id="rId18"/>
   </p:notesMasterIdLst>
   <p:handoutMasterIdLst>
-    <p:handoutMasterId r:id="rId24"/>
+    <p:handoutMasterId r:id="rId19"/>
   </p:handoutMasterIdLst>
   <p:sldIdLst>
     <p:sldId id="256" r:id="rId2"/>
-    <p:sldId id="260" r:id="rId3"/>
-    <p:sldId id="261" r:id="rId4"/>
-    <p:sldId id="263" r:id="rId5"/>
-    <p:sldId id="264" r:id="rId6"/>
-    <p:sldId id="266" r:id="rId7"/>
-    <p:sldId id="267" r:id="rId8"/>
-    <p:sldId id="287" r:id="rId9"/>
-    <p:sldId id="270" r:id="rId10"/>
-    <p:sldId id="269" r:id="rId11"/>
-    <p:sldId id="281" r:id="rId12"/>
-    <p:sldId id="290" r:id="rId13"/>
-    <p:sldId id="279" r:id="rId14"/>
-    <p:sldId id="292" r:id="rId15"/>
-    <p:sldId id="282" r:id="rId16"/>
-    <p:sldId id="280" r:id="rId17"/>
-    <p:sldId id="288" r:id="rId18"/>
-    <p:sldId id="278" r:id="rId19"/>
-    <p:sldId id="285" r:id="rId20"/>
-    <p:sldId id="276" r:id="rId21"/>
-    <p:sldId id="277" r:id="rId22"/>
+    <p:sldId id="261" r:id="rId3"/>
+    <p:sldId id="263" r:id="rId4"/>
+    <p:sldId id="264" r:id="rId5"/>
+    <p:sldId id="267" r:id="rId6"/>
+    <p:sldId id="287" r:id="rId7"/>
+    <p:sldId id="269" r:id="rId8"/>
+    <p:sldId id="281" r:id="rId9"/>
+    <p:sldId id="290" r:id="rId10"/>
+    <p:sldId id="279" r:id="rId11"/>
+    <p:sldId id="292" r:id="rId12"/>
+    <p:sldId id="282" r:id="rId13"/>
+    <p:sldId id="280" r:id="rId14"/>
+    <p:sldId id="278" r:id="rId15"/>
+    <p:sldId id="276" r:id="rId16"/>
+    <p:sldId id="277" r:id="rId17"/>
   </p:sldIdLst>
   <p:sldSz cx="9144000" cy="6858000" type="screen4x3"/>
   <p:notesSz cx="6819900" cy="9918700"/>
@@ -162,7 +157,7 @@
   </p:defaultTextStyle>
   <p:extLst>
     <p:ext uri="{EFAFB233-063F-42B5-8137-9DF3F51BA10A}">
-      <p15:sldGuideLst xmlns="" xmlns:p15="http://schemas.microsoft.com/office/powerpoint/2012/main">
+      <p15:sldGuideLst xmlns:p15="http://schemas.microsoft.com/office/powerpoint/2012/main" xmlns="">
         <p15:guide id="1" orient="horz" pos="2160">
           <p15:clr>
             <a:srgbClr val="A4A3A4"/>
@@ -184,26 +179,12 @@
   <p:cmAuthor id="1" name="ANDREW RROCK" initials="AR" lastIdx="2" clrIdx="0">
     <p:extLst>
       <p:ext uri="{19B8F6BF-5375-455C-9EA6-DF929625EA0E}">
-        <p15:presenceInfo xmlns="" xmlns:p15="http://schemas.microsoft.com/office/powerpoint/2012/main" userId="83463212d2c3e3b2" providerId="Windows Live"/>
+        <p15:presenceInfo xmlns:p15="http://schemas.microsoft.com/office/powerpoint/2012/main" xmlns="" userId="83463212d2c3e3b2" providerId="Windows Live"/>
       </p:ext>
     </p:extLst>
   </p:cmAuthor>
   <p:cmAuthor id="2" name="Crock" initials="C" lastIdx="1" clrIdx="1"/>
 </p:cmAuthorLst>
-</file>
-
-<file path=ppt/comments/comment1.xml><?xml version="1.0" encoding="utf-8"?>
-<p:cmLst xmlns:a="http://schemas.openxmlformats.org/drawingml/2006/main" xmlns:r="http://schemas.openxmlformats.org/officeDocument/2006/relationships" xmlns:p="http://schemas.openxmlformats.org/presentationml/2006/main">
-  <p:cm authorId="1" dt="2015-02-06T12:43:59.363" idx="1">
-    <p:pos x="4994" y="1342"/>
-    <p:text>Will add graphs from T drive</p:text>
-    <p:extLst>
-      <p:ext uri="{C676402C-5697-4E1C-873F-D02D1690AC5C}">
-        <p15:threadingInfo xmlns="" xmlns:p15="http://schemas.microsoft.com/office/powerpoint/2012/main" timeZoneBias="-660"/>
-      </p:ext>
-    </p:extLst>
-  </p:cm>
-</p:cmLst>
 </file>
 
 <file path=ppt/handoutMasters/handoutMaster1.xml><?xml version="1.0" encoding="utf-8"?>
@@ -289,7 +270,7 @@
             <a:fld id="{03DA4704-8DA1-4170-90C7-2D83FD4FF6F0}" type="datetimeFigureOut">
               <a:rPr lang="en-AU" smtClean="0"/>
               <a:pPr/>
-              <a:t>6/02/2015</a:t>
+              <a:t>9/02/2015</a:t>
             </a:fld>
             <a:endParaRPr lang="en-AU"/>
           </a:p>
@@ -477,7 +458,7 @@
               <a:pPr>
                 <a:defRPr/>
               </a:pPr>
-              <a:t>2/6/2015</a:t>
+              <a:t>2/9/2015</a:t>
             </a:fld>
             <a:endParaRPr lang="en-US"/>
           </a:p>
@@ -673,7 +654,7 @@
     </p:spTree>
     <p:extLst>
       <p:ext uri="{BB962C8B-B14F-4D97-AF65-F5344CB8AC3E}">
-        <p14:creationId xmlns="" xmlns:p14="http://schemas.microsoft.com/office/powerpoint/2010/main" val="3759880435"/>
+        <p14:creationId xmlns:p14="http://schemas.microsoft.com/office/powerpoint/2010/main" xmlns="" val="3759880435"/>
       </p:ext>
     </p:extLst>
   </p:cSld>
@@ -842,7 +823,7 @@
           </a:ln>
           <a:extLst>
             <a:ext uri="{909E8E84-426E-40DD-AFC4-6F175D3DCCD1}">
-              <a14:hiddenFill xmlns="" xmlns:a14="http://schemas.microsoft.com/office/drawing/2010/main">
+              <a14:hiddenFill xmlns:a14="http://schemas.microsoft.com/office/drawing/2010/main" xmlns="">
                 <a:solidFill>
                   <a:srgbClr val="FFFFFF"/>
                 </a:solidFill>
@@ -865,14 +846,14 @@
           <a:noFill/>
           <a:extLst>
             <a:ext uri="{909E8E84-426E-40DD-AFC4-6F175D3DCCD1}">
-              <a14:hiddenFill xmlns="" xmlns:a14="http://schemas.microsoft.com/office/drawing/2010/main">
+              <a14:hiddenFill xmlns:a14="http://schemas.microsoft.com/office/drawing/2010/main" xmlns="">
                 <a:solidFill>
                   <a:srgbClr val="FFFFFF"/>
                 </a:solidFill>
               </a14:hiddenFill>
             </a:ext>
             <a:ext uri="{91240B29-F687-4F45-9708-019B960494DF}">
-              <a14:hiddenLine xmlns="" xmlns:a14="http://schemas.microsoft.com/office/drawing/2010/main" w="9525">
+              <a14:hiddenLine xmlns:a14="http://schemas.microsoft.com/office/drawing/2010/main" xmlns="" w="9525">
                 <a:solidFill>
                   <a:srgbClr val="000000"/>
                 </a:solidFill>
@@ -914,14 +895,14 @@
           <a:noFill/>
           <a:extLst>
             <a:ext uri="{909E8E84-426E-40DD-AFC4-6F175D3DCCD1}">
-              <a14:hiddenFill xmlns="" xmlns:a14="http://schemas.microsoft.com/office/drawing/2010/main">
+              <a14:hiddenFill xmlns:a14="http://schemas.microsoft.com/office/drawing/2010/main" xmlns="">
                 <a:solidFill>
                   <a:srgbClr val="FFFFFF"/>
                 </a:solidFill>
               </a14:hiddenFill>
             </a:ext>
             <a:ext uri="{91240B29-F687-4F45-9708-019B960494DF}">
-              <a14:hiddenLine xmlns="" xmlns:a14="http://schemas.microsoft.com/office/drawing/2010/main" w="9525">
+              <a14:hiddenLine xmlns:a14="http://schemas.microsoft.com/office/drawing/2010/main" xmlns="" w="9525">
                 <a:solidFill>
                   <a:srgbClr val="000000"/>
                 </a:solidFill>
@@ -1064,7 +1045,7 @@
     </p:spTree>
     <p:extLst>
       <p:ext uri="{BB962C8B-B14F-4D97-AF65-F5344CB8AC3E}">
-        <p14:creationId xmlns="" xmlns:p14="http://schemas.microsoft.com/office/powerpoint/2010/main" val="2413671815"/>
+        <p14:creationId xmlns:p14="http://schemas.microsoft.com/office/powerpoint/2010/main" xmlns="" val="2413671815"/>
       </p:ext>
     </p:extLst>
   </p:cSld>
@@ -1120,10 +1101,6 @@
           </a:bodyPr>
           <a:lstStyle/>
           <a:p>
-            <a:r>
-              <a:rPr lang="en-AU" dirty="0" smtClean="0"/>
-              <a:t>Could ask Richard for list of key donors</a:t>
-            </a:r>
             <a:endParaRPr lang="en-AU" dirty="0"/>
           </a:p>
         </p:txBody>
@@ -1151,7 +1128,7 @@
               <a:pPr>
                 <a:defRPr/>
               </a:pPr>
-              <a:t>3</a:t>
+              <a:t>2</a:t>
             </a:fld>
             <a:endParaRPr lang="en-US"/>
           </a:p>
@@ -1160,7 +1137,7 @@
     </p:spTree>
     <p:extLst>
       <p:ext uri="{BB962C8B-B14F-4D97-AF65-F5344CB8AC3E}">
-        <p14:creationId xmlns="" xmlns:p14="http://schemas.microsoft.com/office/powerpoint/2010/main" val="1047893265"/>
+        <p14:creationId xmlns:p14="http://schemas.microsoft.com/office/powerpoint/2010/main" xmlns="" val="1047893265"/>
       </p:ext>
     </p:extLst>
   </p:cSld>
@@ -1216,14 +1193,6 @@
           </a:bodyPr>
           <a:lstStyle/>
           <a:p>
-            <a:r>
-              <a:rPr lang="en-AU" dirty="0" smtClean="0"/>
-              <a:t>Periodic – if you treat</a:t>
-            </a:r>
-            <a:r>
-              <a:rPr lang="en-AU" baseline="0" dirty="0" smtClean="0"/>
-              <a:t> people once, STI levels go back up again</a:t>
-            </a:r>
             <a:endParaRPr lang="en-AU" dirty="0"/>
           </a:p>
         </p:txBody>
@@ -1251,7 +1220,7 @@
               <a:pPr>
                 <a:defRPr/>
               </a:pPr>
-              <a:t>5</a:t>
+              <a:t>4</a:t>
             </a:fld>
             <a:endParaRPr lang="en-US"/>
           </a:p>
@@ -1260,7 +1229,7 @@
     </p:spTree>
     <p:extLst>
       <p:ext uri="{BB962C8B-B14F-4D97-AF65-F5344CB8AC3E}">
-        <p14:creationId xmlns="" xmlns:p14="http://schemas.microsoft.com/office/powerpoint/2010/main" val="308937776"/>
+        <p14:creationId xmlns:p14="http://schemas.microsoft.com/office/powerpoint/2010/main" xmlns="" val="308937776"/>
       </p:ext>
     </p:extLst>
   </p:cSld>
@@ -1446,7 +1415,7 @@
           <a:blip r:embed="rId2">
             <a:extLst>
               <a:ext uri="{28A0092B-C50C-407E-A947-70E740481C1C}">
-                <a14:useLocalDpi xmlns="" xmlns:a14="http://schemas.microsoft.com/office/drawing/2010/main" val="0"/>
+                <a14:useLocalDpi xmlns:a14="http://schemas.microsoft.com/office/drawing/2010/main" xmlns="" val="0"/>
               </a:ext>
             </a:extLst>
           </a:blip>
@@ -1467,7 +1436,7 @@
     </p:spTree>
     <p:extLst>
       <p:ext uri="{BB962C8B-B14F-4D97-AF65-F5344CB8AC3E}">
-        <p14:creationId xmlns="" xmlns:p14="http://schemas.microsoft.com/office/powerpoint/2010/main" val="3800160223"/>
+        <p14:creationId xmlns:p14="http://schemas.microsoft.com/office/powerpoint/2010/main" xmlns="" val="3800160223"/>
       </p:ext>
     </p:extLst>
   </p:cSld>
@@ -1579,7 +1548,7 @@
     </p:spTree>
     <p:extLst>
       <p:ext uri="{BB962C8B-B14F-4D97-AF65-F5344CB8AC3E}">
-        <p14:creationId xmlns="" xmlns:p14="http://schemas.microsoft.com/office/powerpoint/2010/main" val="3738920183"/>
+        <p14:creationId xmlns:p14="http://schemas.microsoft.com/office/powerpoint/2010/main" xmlns="" val="3738920183"/>
       </p:ext>
     </p:extLst>
   </p:cSld>
@@ -1701,7 +1670,7 @@
     </p:spTree>
     <p:extLst>
       <p:ext uri="{BB962C8B-B14F-4D97-AF65-F5344CB8AC3E}">
-        <p14:creationId xmlns="" xmlns:p14="http://schemas.microsoft.com/office/powerpoint/2010/main" val="640238480"/>
+        <p14:creationId xmlns:p14="http://schemas.microsoft.com/office/powerpoint/2010/main" xmlns="" val="640238480"/>
       </p:ext>
     </p:extLst>
   </p:cSld>
@@ -1813,7 +1782,7 @@
     </p:spTree>
     <p:extLst>
       <p:ext uri="{BB962C8B-B14F-4D97-AF65-F5344CB8AC3E}">
-        <p14:creationId xmlns="" xmlns:p14="http://schemas.microsoft.com/office/powerpoint/2010/main" val="147754505"/>
+        <p14:creationId xmlns:p14="http://schemas.microsoft.com/office/powerpoint/2010/main" xmlns="" val="147754505"/>
       </p:ext>
     </p:extLst>
   </p:cSld>
@@ -2001,7 +1970,7 @@
     </p:spTree>
     <p:extLst>
       <p:ext uri="{BB962C8B-B14F-4D97-AF65-F5344CB8AC3E}">
-        <p14:creationId xmlns="" xmlns:p14="http://schemas.microsoft.com/office/powerpoint/2010/main" val="3339288353"/>
+        <p14:creationId xmlns:p14="http://schemas.microsoft.com/office/powerpoint/2010/main" xmlns="" val="3339288353"/>
       </p:ext>
     </p:extLst>
   </p:cSld>
@@ -2231,7 +2200,7 @@
     </p:spTree>
     <p:extLst>
       <p:ext uri="{BB962C8B-B14F-4D97-AF65-F5344CB8AC3E}">
-        <p14:creationId xmlns="" xmlns:p14="http://schemas.microsoft.com/office/powerpoint/2010/main" val="67721704"/>
+        <p14:creationId xmlns:p14="http://schemas.microsoft.com/office/powerpoint/2010/main" xmlns="" val="67721704"/>
       </p:ext>
     </p:extLst>
   </p:cSld>
@@ -2595,7 +2564,7 @@
     </p:spTree>
     <p:extLst>
       <p:ext uri="{BB962C8B-B14F-4D97-AF65-F5344CB8AC3E}">
-        <p14:creationId xmlns="" xmlns:p14="http://schemas.microsoft.com/office/powerpoint/2010/main" val="2604717042"/>
+        <p14:creationId xmlns:p14="http://schemas.microsoft.com/office/powerpoint/2010/main" xmlns="" val="2604717042"/>
       </p:ext>
     </p:extLst>
   </p:cSld>
@@ -2655,7 +2624,7 @@
     </p:spTree>
     <p:extLst>
       <p:ext uri="{BB962C8B-B14F-4D97-AF65-F5344CB8AC3E}">
-        <p14:creationId xmlns="" xmlns:p14="http://schemas.microsoft.com/office/powerpoint/2010/main" val="3279080095"/>
+        <p14:creationId xmlns:p14="http://schemas.microsoft.com/office/powerpoint/2010/main" xmlns="" val="3279080095"/>
       </p:ext>
     </p:extLst>
   </p:cSld>
@@ -2692,7 +2661,7 @@
     </p:spTree>
     <p:extLst>
       <p:ext uri="{BB962C8B-B14F-4D97-AF65-F5344CB8AC3E}">
-        <p14:creationId xmlns="" xmlns:p14="http://schemas.microsoft.com/office/powerpoint/2010/main" val="668508812"/>
+        <p14:creationId xmlns:p14="http://schemas.microsoft.com/office/powerpoint/2010/main" xmlns="" val="668508812"/>
       </p:ext>
     </p:extLst>
   </p:cSld>
@@ -2911,7 +2880,7 @@
     </p:spTree>
     <p:extLst>
       <p:ext uri="{BB962C8B-B14F-4D97-AF65-F5344CB8AC3E}">
-        <p14:creationId xmlns="" xmlns:p14="http://schemas.microsoft.com/office/powerpoint/2010/main" val="2167474801"/>
+        <p14:creationId xmlns:p14="http://schemas.microsoft.com/office/powerpoint/2010/main" xmlns="" val="2167474801"/>
       </p:ext>
     </p:extLst>
   </p:cSld>
@@ -3109,7 +3078,7 @@
     </p:spTree>
     <p:extLst>
       <p:ext uri="{BB962C8B-B14F-4D97-AF65-F5344CB8AC3E}">
-        <p14:creationId xmlns="" xmlns:p14="http://schemas.microsoft.com/office/powerpoint/2010/main" val="161977388"/>
+        <p14:creationId xmlns:p14="http://schemas.microsoft.com/office/powerpoint/2010/main" xmlns="" val="161977388"/>
       </p:ext>
     </p:extLst>
   </p:cSld>
@@ -3172,14 +3141,14 @@
           </a:ln>
           <a:extLst>
             <a:ext uri="{909E8E84-426E-40DD-AFC4-6F175D3DCCD1}">
-              <a14:hiddenFill xmlns="" xmlns:a14="http://schemas.microsoft.com/office/drawing/2010/main">
+              <a14:hiddenFill xmlns:a14="http://schemas.microsoft.com/office/drawing/2010/main" xmlns="">
                 <a:solidFill>
                   <a:srgbClr val="FFFFFF"/>
                 </a:solidFill>
               </a14:hiddenFill>
             </a:ext>
             <a:ext uri="{91240B29-F687-4F45-9708-019B960494DF}">
-              <a14:hiddenLine xmlns="" xmlns:a14="http://schemas.microsoft.com/office/drawing/2010/main" w="9525">
+              <a14:hiddenLine xmlns:a14="http://schemas.microsoft.com/office/drawing/2010/main" xmlns="" w="9525">
                 <a:solidFill>
                   <a:srgbClr val="000000"/>
                 </a:solidFill>
@@ -3231,14 +3200,14 @@
           </a:ln>
           <a:extLst>
             <a:ext uri="{909E8E84-426E-40DD-AFC4-6F175D3DCCD1}">
-              <a14:hiddenFill xmlns="" xmlns:a14="http://schemas.microsoft.com/office/drawing/2010/main">
+              <a14:hiddenFill xmlns:a14="http://schemas.microsoft.com/office/drawing/2010/main" xmlns="">
                 <a:solidFill>
                   <a:srgbClr val="FFFFFF"/>
                 </a:solidFill>
               </a14:hiddenFill>
             </a:ext>
             <a:ext uri="{91240B29-F687-4F45-9708-019B960494DF}">
-              <a14:hiddenLine xmlns="" xmlns:a14="http://schemas.microsoft.com/office/drawing/2010/main" w="9525">
+              <a14:hiddenLine xmlns:a14="http://schemas.microsoft.com/office/drawing/2010/main" xmlns="" w="9525">
                 <a:solidFill>
                   <a:srgbClr val="000000"/>
                 </a:solidFill>
@@ -3343,7 +3312,7 @@
               <a:pPr>
                 <a:defRPr/>
               </a:pPr>
-              <a:t>2/6/2015</a:t>
+              <a:t>2/9/2015</a:t>
             </a:fld>
             <a:endParaRPr lang="en-US"/>
           </a:p>
@@ -3946,8 +3915,32 @@
               <a:rPr lang="en-US" altLang="en-US" sz="2800" dirty="0" smtClean="0"/>
             </a:br>
             <a:r>
+              <a:rPr lang="en-US" altLang="en-US" sz="2800" b="1" dirty="0" smtClean="0">
+                <a:solidFill>
+                  <a:srgbClr val="3333B2"/>
+                </a:solidFill>
+              </a:rPr>
+              <a:t>HIV and periodic presumptive treatment of </a:t>
+            </a:r>
+            <a:r>
+              <a:rPr lang="en-US" altLang="en-US" sz="2800" b="1" dirty="0" smtClean="0">
+                <a:solidFill>
+                  <a:srgbClr val="3333B2"/>
+                </a:solidFill>
+              </a:rPr>
+              <a:t>sexually transmitted infections in </a:t>
+            </a:r>
+            <a:r>
+              <a:rPr lang="en-US" altLang="en-US" sz="2800" b="1" dirty="0" smtClean="0">
+                <a:solidFill>
+                  <a:srgbClr val="3333B2"/>
+                </a:solidFill>
+              </a:rPr>
+              <a:t>Papua New Guinea</a:t>
+            </a:r>
+            <a:r>
               <a:rPr lang="en-US" altLang="en-US" sz="2800" b="1" dirty="0" smtClean="0"/>
-              <a:t>HIV and periodic presumptive treatment of STIs in Papua New Guinea</a:t>
+              <a:t/>
             </a:r>
             <a:br>
               <a:rPr lang="en-US" altLang="en-US" sz="2800" b="1" dirty="0" smtClean="0"/>
@@ -3996,7 +3989,7 @@
           <a:blip r:embed="rId3">
             <a:extLst>
               <a:ext uri="{28A0092B-C50C-407E-A947-70E740481C1C}">
-                <a14:useLocalDpi xmlns="" xmlns:a14="http://schemas.microsoft.com/office/drawing/2010/main" val="0"/>
+                <a14:useLocalDpi xmlns:a14="http://schemas.microsoft.com/office/drawing/2010/main" xmlns="" val="0"/>
               </a:ext>
             </a:extLst>
           </a:blip>
@@ -4018,14 +4011,14 @@
           </a:ln>
           <a:extLst>
             <a:ext uri="{909E8E84-426E-40DD-AFC4-6F175D3DCCD1}">
-              <a14:hiddenFill xmlns="" xmlns:a14="http://schemas.microsoft.com/office/drawing/2010/main">
+              <a14:hiddenFill xmlns:a14="http://schemas.microsoft.com/office/drawing/2010/main" xmlns="">
                 <a:solidFill>
                   <a:srgbClr val="FFFFFF"/>
                 </a:solidFill>
               </a14:hiddenFill>
             </a:ext>
             <a:ext uri="{91240B29-F687-4F45-9708-019B960494DF}">
-              <a14:hiddenLine xmlns="" xmlns:a14="http://schemas.microsoft.com/office/drawing/2010/main" w="9525">
+              <a14:hiddenLine xmlns:a14="http://schemas.microsoft.com/office/drawing/2010/main" xmlns="" w="9525">
                 <a:solidFill>
                   <a:srgbClr val="000000"/>
                 </a:solidFill>
@@ -4119,7 +4112,7 @@
           <a:blip r:embed="rId4">
             <a:extLst>
               <a:ext uri="{28A0092B-C50C-407E-A947-70E740481C1C}">
-                <a14:useLocalDpi xmlns="" xmlns:a14="http://schemas.microsoft.com/office/drawing/2010/main" val="0"/>
+                <a14:useLocalDpi xmlns:a14="http://schemas.microsoft.com/office/drawing/2010/main" xmlns="" val="0"/>
               </a:ext>
             </a:extLst>
           </a:blip>
@@ -4213,6 +4206,30 @@
           <a:chExt cx="0" cy="0"/>
         </a:xfrm>
       </p:grpSpPr>
+      <p:pic>
+        <p:nvPicPr>
+          <p:cNvPr id="6" name="Picture 5" descr="Overall UBSTI scen.png"/>
+          <p:cNvPicPr>
+            <a:picLocks noChangeAspect="1"/>
+          </p:cNvPicPr>
+          <p:nvPr/>
+        </p:nvPicPr>
+        <p:blipFill>
+          <a:blip r:embed="rId2"/>
+          <a:stretch>
+            <a:fillRect/>
+          </a:stretch>
+        </p:blipFill>
+        <p:spPr>
+          <a:xfrm>
+            <a:off x="937597" y="1417638"/>
+            <a:ext cx="7287165" cy="4855063"/>
+          </a:xfrm>
+          <a:prstGeom prst="rect">
+            <a:avLst/>
+          </a:prstGeom>
+        </p:spPr>
+      </p:pic>
       <p:sp>
         <p:nvSpPr>
           <p:cNvPr id="2" name="Title 1"/>
@@ -4230,534 +4247,16 @@
           <a:p>
             <a:r>
               <a:rPr lang="en-AU" dirty="0" smtClean="0"/>
-              <a:t>Prevalence equations (FSW given as example)</a:t>
+              <a:t>STI </a:t>
+            </a:r>
+            <a:r>
+              <a:rPr lang="en-AU" dirty="0" smtClean="0"/>
+              <a:t>results</a:t>
             </a:r>
             <a:endParaRPr lang="en-AU" dirty="0"/>
           </a:p>
         </p:txBody>
       </p:sp>
-      <p:sp>
-        <p:nvSpPr>
-          <p:cNvPr id="3" name="Content Placeholder 2"/>
-          <p:cNvSpPr>
-            <a:spLocks noGrp="1"/>
-          </p:cNvSpPr>
-          <p:nvPr>
-            <p:ph idx="1"/>
-          </p:nvPr>
-        </p:nvSpPr>
-        <p:spPr/>
-        <p:txBody>
-          <a:bodyPr/>
-          <a:lstStyle/>
-          <a:p>
-            <a:pPr>
-              <a:lnSpc>
-                <a:spcPct val="115000"/>
-              </a:lnSpc>
-              <a:spcAft>
-                <a:spcPts val="1000"/>
-              </a:spcAft>
-            </a:pPr>
-            <a:endParaRPr lang="en-AU" dirty="0" smtClean="0">
-              <a:ea typeface="Times New Roman"/>
-              <a:cs typeface="Times New Roman"/>
-            </a:endParaRPr>
-          </a:p>
-          <a:p>
-            <a:endParaRPr lang="en-AU" dirty="0"/>
-          </a:p>
-        </p:txBody>
-      </p:sp>
-      <p:sp>
-        <p:nvSpPr>
-          <p:cNvPr id="6" name="Content Placeholder 2"/>
-          <p:cNvSpPr txBox="1">
-            <a:spLocks/>
-          </p:cNvSpPr>
-          <p:nvPr/>
-        </p:nvSpPr>
-        <p:spPr bwMode="auto">
-          <a:xfrm>
-            <a:off x="609600" y="1752600"/>
-            <a:ext cx="8229600" cy="4525963"/>
-          </a:xfrm>
-          <a:prstGeom prst="rect">
-            <a:avLst/>
-          </a:prstGeom>
-          <a:noFill/>
-          <a:ln>
-            <a:noFill/>
-          </a:ln>
-          <a:extLst>
-            <a:ext uri="{909E8E84-426E-40DD-AFC4-6F175D3DCCD1}">
-              <a14:hiddenFill xmlns="" xmlns:a14="http://schemas.microsoft.com/office/drawing/2010/main">
-                <a:solidFill>
-                  <a:srgbClr val="FFFFFF"/>
-                </a:solidFill>
-              </a14:hiddenFill>
-            </a:ext>
-            <a:ext uri="{91240B29-F687-4F45-9708-019B960494DF}">
-              <a14:hiddenLine xmlns="" xmlns:a14="http://schemas.microsoft.com/office/drawing/2010/main" w="9525">
-                <a:solidFill>
-                  <a:srgbClr val="000000"/>
-                </a:solidFill>
-                <a:miter lim="800000"/>
-                <a:headEnd/>
-                <a:tailEnd/>
-              </a14:hiddenLine>
-            </a:ext>
-          </a:extLst>
-        </p:spPr>
-        <p:txBody>
-          <a:bodyPr vert="horz" wrap="square" lIns="91440" tIns="45720" rIns="91440" bIns="45720" numCol="1" anchor="t" anchorCtr="0" compatLnSpc="1">
-            <a:prstTxWarp prst="textNoShape">
-              <a:avLst/>
-            </a:prstTxWarp>
-          </a:bodyPr>
-          <a:lstStyle/>
-          <a:p>
-            <a:pPr marL="342900" marR="0" lvl="0" indent="-342900" algn="l" defTabSz="457200" rtl="0" eaLnBrk="1" fontAlgn="base" latinLnBrk="0" hangingPunct="1">
-              <a:lnSpc>
-                <a:spcPct val="100000"/>
-              </a:lnSpc>
-              <a:spcBef>
-                <a:spcPct val="20000"/>
-              </a:spcBef>
-              <a:spcAft>
-                <a:spcPct val="0"/>
-              </a:spcAft>
-              <a:buClrTx/>
-              <a:buSzTx/>
-              <a:buFont typeface="Arial" charset="0"/>
-              <a:buChar char="•"/>
-              <a:tabLst/>
-              <a:defRPr/>
-            </a:pPr>
-            <a:endParaRPr lang="en-AU" sz="3200" dirty="0" smtClean="0">
-              <a:latin typeface="+mn-lt"/>
-              <a:cs typeface="+mn-cs"/>
-            </a:endParaRPr>
-          </a:p>
-          <a:p>
-            <a:pPr marL="342900" marR="0" lvl="0" indent="-342900" algn="l" defTabSz="457200" rtl="0" eaLnBrk="1" fontAlgn="base" latinLnBrk="0" hangingPunct="1">
-              <a:lnSpc>
-                <a:spcPct val="100000"/>
-              </a:lnSpc>
-              <a:spcBef>
-                <a:spcPct val="20000"/>
-              </a:spcBef>
-              <a:spcAft>
-                <a:spcPct val="0"/>
-              </a:spcAft>
-              <a:buClrTx/>
-              <a:buSzTx/>
-              <a:buFont typeface="Arial" charset="0"/>
-              <a:buChar char="•"/>
-              <a:tabLst/>
-              <a:defRPr/>
-            </a:pPr>
-            <a:endParaRPr kumimoji="0" lang="en-AU" sz="3200" b="0" i="0" u="none" strike="noStrike" kern="1200" cap="none" spc="0" normalizeH="0" baseline="0" noProof="0" dirty="0" smtClean="0">
-              <a:ln>
-                <a:noFill/>
-              </a:ln>
-              <a:solidFill>
-                <a:schemeClr val="tx1"/>
-              </a:solidFill>
-              <a:effectLst/>
-              <a:uLnTx/>
-              <a:uFillTx/>
-              <a:latin typeface="+mn-lt"/>
-              <a:ea typeface="+mn-ea"/>
-              <a:cs typeface="+mn-cs"/>
-            </a:endParaRPr>
-          </a:p>
-          <a:p>
-            <a:pPr marL="342900" marR="0" lvl="0" indent="-342900" algn="l" defTabSz="457200" rtl="0" eaLnBrk="1" fontAlgn="base" latinLnBrk="0" hangingPunct="1">
-              <a:lnSpc>
-                <a:spcPct val="100000"/>
-              </a:lnSpc>
-              <a:spcBef>
-                <a:spcPct val="20000"/>
-              </a:spcBef>
-              <a:spcAft>
-                <a:spcPct val="0"/>
-              </a:spcAft>
-              <a:buClrTx/>
-              <a:buSzTx/>
-              <a:buFont typeface="Arial" charset="0"/>
-              <a:buChar char="•"/>
-              <a:tabLst/>
-              <a:defRPr/>
-            </a:pPr>
-            <a:endParaRPr lang="en-AU" sz="3200" dirty="0" smtClean="0">
-              <a:latin typeface="+mn-lt"/>
-              <a:cs typeface="+mn-cs"/>
-            </a:endParaRPr>
-          </a:p>
-          <a:p>
-            <a:pPr marL="342900" marR="0" lvl="0" indent="-342900" algn="l" defTabSz="457200" rtl="0" eaLnBrk="1" fontAlgn="base" latinLnBrk="0" hangingPunct="1">
-              <a:lnSpc>
-                <a:spcPct val="100000"/>
-              </a:lnSpc>
-              <a:spcBef>
-                <a:spcPct val="20000"/>
-              </a:spcBef>
-              <a:spcAft>
-                <a:spcPct val="0"/>
-              </a:spcAft>
-              <a:buClrTx/>
-              <a:buSzTx/>
-              <a:tabLst/>
-              <a:defRPr/>
-            </a:pPr>
-            <a:r>
-              <a:rPr lang="en-AU" sz="3200" dirty="0" smtClean="0">
-                <a:latin typeface="+mn-lt"/>
-                <a:cs typeface="+mn-cs"/>
-              </a:rPr>
-              <a:t> 		Treatment and loss rate</a:t>
-            </a:r>
-          </a:p>
-          <a:p>
-            <a:pPr marL="342900" marR="0" lvl="0" indent="-342900" algn="l" defTabSz="457200" rtl="0" eaLnBrk="1" fontAlgn="base" latinLnBrk="0" hangingPunct="1">
-              <a:lnSpc>
-                <a:spcPct val="100000"/>
-              </a:lnSpc>
-              <a:spcBef>
-                <a:spcPct val="20000"/>
-              </a:spcBef>
-              <a:spcAft>
-                <a:spcPct val="0"/>
-              </a:spcAft>
-              <a:buClrTx/>
-              <a:buSzTx/>
-              <a:tabLst/>
-              <a:defRPr/>
-            </a:pPr>
-            <a:r>
-              <a:rPr kumimoji="0" lang="en-AU" sz="3200" b="0" i="0" u="none" strike="noStrike" kern="1200" cap="none" spc="0" normalizeH="0" baseline="0" noProof="0" dirty="0" smtClean="0">
-                <a:ln>
-                  <a:noFill/>
-                </a:ln>
-                <a:solidFill>
-                  <a:schemeClr val="tx1"/>
-                </a:solidFill>
-                <a:effectLst/>
-                <a:uLnTx/>
-                <a:uFillTx/>
-                <a:latin typeface="+mn-lt"/>
-                <a:ea typeface="+mn-ea"/>
-                <a:cs typeface="+mn-cs"/>
-              </a:rPr>
-              <a:t>		Infection rate</a:t>
-            </a:r>
-          </a:p>
-          <a:p>
-            <a:pPr marL="342900" marR="0" lvl="0" indent="-342900" algn="l" defTabSz="457200" rtl="0" eaLnBrk="1" fontAlgn="base" latinLnBrk="0" hangingPunct="1">
-              <a:lnSpc>
-                <a:spcPct val="100000"/>
-              </a:lnSpc>
-              <a:spcBef>
-                <a:spcPct val="20000"/>
-              </a:spcBef>
-              <a:spcAft>
-                <a:spcPct val="0"/>
-              </a:spcAft>
-              <a:buClrTx/>
-              <a:buSzTx/>
-              <a:tabLst/>
-              <a:defRPr/>
-            </a:pPr>
-            <a:r>
-              <a:rPr lang="en-AU" sz="3200" dirty="0" smtClean="0">
-                <a:latin typeface="+mn-lt"/>
-                <a:cs typeface="+mn-cs"/>
-              </a:rPr>
-              <a:t> 	</a:t>
-            </a:r>
-            <a:r>
-              <a:rPr kumimoji="0" lang="en-AU" sz="3200" b="0" i="0" u="none" strike="noStrike" kern="1200" cap="none" spc="0" normalizeH="0" baseline="0" noProof="0" dirty="0" smtClean="0">
-                <a:ln>
-                  <a:noFill/>
-                </a:ln>
-                <a:solidFill>
-                  <a:schemeClr val="tx1"/>
-                </a:solidFill>
-                <a:effectLst/>
-                <a:uLnTx/>
-                <a:uFillTx/>
-                <a:latin typeface="+mn-lt"/>
-                <a:ea typeface="+mn-ea"/>
-                <a:cs typeface="+mn-cs"/>
-              </a:rPr>
-              <a:t>	Maximum infection rate</a:t>
-            </a:r>
-          </a:p>
-          <a:p>
-            <a:pPr marL="342900" marR="0" lvl="0" indent="-342900" algn="l" defTabSz="457200" rtl="0" eaLnBrk="1" fontAlgn="base" latinLnBrk="0" hangingPunct="1">
-              <a:lnSpc>
-                <a:spcPct val="100000"/>
-              </a:lnSpc>
-              <a:spcBef>
-                <a:spcPct val="20000"/>
-              </a:spcBef>
-              <a:spcAft>
-                <a:spcPct val="0"/>
-              </a:spcAft>
-              <a:buClrTx/>
-              <a:buSzTx/>
-              <a:tabLst/>
-              <a:defRPr/>
-            </a:pPr>
-            <a:r>
-              <a:rPr lang="en-AU" sz="3200" dirty="0" smtClean="0">
-                <a:latin typeface="+mn-lt"/>
-                <a:cs typeface="+mn-cs"/>
-              </a:rPr>
-              <a:t>	 </a:t>
-            </a:r>
-            <a:br>
-              <a:rPr lang="en-AU" sz="3200" dirty="0" smtClean="0">
-                <a:latin typeface="+mn-lt"/>
-                <a:cs typeface="+mn-cs"/>
-              </a:rPr>
-            </a:br>
-            <a:r>
-              <a:rPr kumimoji="0" lang="en-AU" sz="3200" b="0" i="0" u="none" strike="noStrike" kern="1200" cap="none" spc="0" normalizeH="0" baseline="0" noProof="0" dirty="0" smtClean="0">
-                <a:ln>
-                  <a:noFill/>
-                </a:ln>
-                <a:solidFill>
-                  <a:schemeClr val="tx1"/>
-                </a:solidFill>
-                <a:effectLst/>
-                <a:uLnTx/>
-                <a:uFillTx/>
-                <a:latin typeface="+mn-lt"/>
-                <a:ea typeface="+mn-ea"/>
-                <a:cs typeface="+mn-cs"/>
-              </a:rPr>
-              <a:t>			I</a:t>
-            </a:r>
-            <a:r>
-              <a:rPr kumimoji="0" lang="en-AU" sz="3200" b="0" i="0" u="none" strike="noStrike" kern="1200" cap="none" spc="0" normalizeH="0" noProof="0" dirty="0" smtClean="0">
-                <a:ln>
-                  <a:noFill/>
-                </a:ln>
-                <a:solidFill>
-                  <a:schemeClr val="tx1"/>
-                </a:solidFill>
-                <a:effectLst/>
-                <a:uLnTx/>
-                <a:uFillTx/>
-                <a:latin typeface="+mn-lt"/>
-                <a:ea typeface="+mn-ea"/>
-                <a:cs typeface="+mn-cs"/>
-              </a:rPr>
-              <a:t>nfection level among males</a:t>
-            </a:r>
-            <a:endParaRPr kumimoji="0" lang="en-AU" sz="3200" b="0" i="0" u="none" strike="noStrike" kern="1200" cap="none" spc="0" normalizeH="0" baseline="0" noProof="0" dirty="0">
-              <a:ln>
-                <a:noFill/>
-              </a:ln>
-              <a:solidFill>
-                <a:schemeClr val="tx1"/>
-              </a:solidFill>
-              <a:effectLst/>
-              <a:uLnTx/>
-              <a:uFillTx/>
-              <a:latin typeface="+mn-lt"/>
-              <a:ea typeface="+mn-ea"/>
-              <a:cs typeface="+mn-cs"/>
-            </a:endParaRPr>
-          </a:p>
-        </p:txBody>
-      </p:sp>
-      <p:pic>
-        <p:nvPicPr>
-          <p:cNvPr id="10" name="Picture 9"/>
-          <p:cNvPicPr/>
-          <p:nvPr/>
-        </p:nvPicPr>
-        <p:blipFill>
-          <a:blip r:embed="rId2"/>
-          <a:srcRect/>
-          <a:stretch>
-            <a:fillRect/>
-          </a:stretch>
-        </p:blipFill>
-        <p:spPr bwMode="auto">
-          <a:xfrm>
-            <a:off x="238441" y="1752600"/>
-            <a:ext cx="8600759" cy="1489410"/>
-          </a:xfrm>
-          <a:prstGeom prst="rect">
-            <a:avLst/>
-          </a:prstGeom>
-          <a:noFill/>
-          <a:ln w="9525">
-            <a:noFill/>
-            <a:miter lim="800000"/>
-            <a:headEnd/>
-            <a:tailEnd/>
-          </a:ln>
-        </p:spPr>
-      </p:pic>
-      <p:pic>
-        <p:nvPicPr>
-          <p:cNvPr id="11" name="Picture 10"/>
-          <p:cNvPicPr>
-            <a:picLocks noChangeAspect="1"/>
-          </p:cNvPicPr>
-          <p:nvPr/>
-        </p:nvPicPr>
-        <p:blipFill>
-          <a:blip r:embed="rId3"/>
-          <a:srcRect l="46180" r="46179" b="30303"/>
-          <a:stretch>
-            <a:fillRect/>
-          </a:stretch>
-        </p:blipFill>
-        <p:spPr bwMode="auto">
-          <a:xfrm>
-            <a:off x="238441" y="3650625"/>
-            <a:ext cx="657185" cy="331164"/>
-          </a:xfrm>
-          <a:prstGeom prst="rect">
-            <a:avLst/>
-          </a:prstGeom>
-          <a:noFill/>
-          <a:ln w="9525">
-            <a:noFill/>
-            <a:miter lim="800000"/>
-            <a:headEnd/>
-            <a:tailEnd/>
-          </a:ln>
-        </p:spPr>
-      </p:pic>
-      <p:pic>
-        <p:nvPicPr>
-          <p:cNvPr id="12" name="Picture 11"/>
-          <p:cNvPicPr/>
-          <p:nvPr/>
-        </p:nvPicPr>
-        <p:blipFill>
-          <a:blip r:embed="rId4"/>
-          <a:srcRect l="46844" t="-9091" r="47342" b="24242"/>
-          <a:stretch>
-            <a:fillRect/>
-          </a:stretch>
-        </p:blipFill>
-        <p:spPr bwMode="auto">
-          <a:xfrm>
-            <a:off x="283783" y="4210050"/>
-            <a:ext cx="500048" cy="403160"/>
-          </a:xfrm>
-          <a:prstGeom prst="rect">
-            <a:avLst/>
-          </a:prstGeom>
-          <a:noFill/>
-          <a:ln w="9525">
-            <a:noFill/>
-            <a:miter lim="800000"/>
-            <a:headEnd/>
-            <a:tailEnd/>
-          </a:ln>
-        </p:spPr>
-      </p:pic>
-      <p:pic>
-        <p:nvPicPr>
-          <p:cNvPr id="13" name="Picture 12"/>
-          <p:cNvPicPr/>
-          <p:nvPr/>
-        </p:nvPicPr>
-        <p:blipFill>
-          <a:blip r:embed="rId5"/>
-          <a:srcRect l="48504" t="3031" r="48174" b="12120"/>
-          <a:stretch>
-            <a:fillRect/>
-          </a:stretch>
-        </p:blipFill>
-        <p:spPr bwMode="auto">
-          <a:xfrm>
-            <a:off x="426972" y="4859954"/>
-            <a:ext cx="285717" cy="403160"/>
-          </a:xfrm>
-          <a:prstGeom prst="rect">
-            <a:avLst/>
-          </a:prstGeom>
-          <a:noFill/>
-          <a:ln w="9525">
-            <a:noFill/>
-            <a:miter lim="800000"/>
-            <a:headEnd/>
-            <a:tailEnd/>
-          </a:ln>
-        </p:spPr>
-      </p:pic>
-      <p:pic>
-        <p:nvPicPr>
-          <p:cNvPr id="14" name="Picture 13"/>
-          <p:cNvPicPr/>
-          <p:nvPr/>
-        </p:nvPicPr>
-        <p:blipFill>
-          <a:blip r:embed="rId6"/>
-          <a:srcRect l="36877" t="-6061" r="37541" b="21212"/>
-          <a:stretch>
-            <a:fillRect/>
-          </a:stretch>
-        </p:blipFill>
-        <p:spPr bwMode="auto">
-          <a:xfrm>
-            <a:off x="426972" y="5381389"/>
-            <a:ext cx="2200247" cy="403160"/>
-          </a:xfrm>
-          <a:prstGeom prst="rect">
-            <a:avLst/>
-          </a:prstGeom>
-          <a:noFill/>
-          <a:ln w="9525">
-            <a:noFill/>
-            <a:miter lim="800000"/>
-            <a:headEnd/>
-            <a:tailEnd/>
-          </a:ln>
-        </p:spPr>
-      </p:pic>
-      <p:pic>
-        <p:nvPicPr>
-          <p:cNvPr id="16" name="Picture 15"/>
-          <p:cNvPicPr/>
-          <p:nvPr/>
-        </p:nvPicPr>
-        <p:blipFill>
-          <a:blip r:embed="rId7"/>
-          <a:srcRect/>
-          <a:stretch>
-            <a:fillRect/>
-          </a:stretch>
-        </p:blipFill>
-        <p:spPr bwMode="auto">
-          <a:xfrm>
-            <a:off x="-2095719" y="1752600"/>
-            <a:ext cx="13297328" cy="1489428"/>
-          </a:xfrm>
-          <a:prstGeom prst="rect">
-            <a:avLst/>
-          </a:prstGeom>
-          <a:solidFill>
-            <a:schemeClr val="bg1"/>
-          </a:solidFill>
-          <a:ln w="9525">
-            <a:noFill/>
-            <a:miter lim="800000"/>
-            <a:headEnd/>
-            <a:tailEnd/>
-          </a:ln>
-        </p:spPr>
-      </p:pic>
     </p:spTree>
   </p:cSld>
   <p:clrMapOvr>
@@ -4790,6 +4289,81 @@
           <a:chExt cx="0" cy="0"/>
         </a:xfrm>
       </p:grpSpPr>
+      <p:pic>
+        <p:nvPicPr>
+          <p:cNvPr id="4" name="Picture 3" descr="rural UBSTI scen.png"/>
+          <p:cNvPicPr>
+            <a:picLocks noChangeAspect="1"/>
+          </p:cNvPicPr>
+          <p:nvPr/>
+        </p:nvPicPr>
+        <p:blipFill>
+          <a:blip r:embed="rId2"/>
+          <a:stretch>
+            <a:fillRect/>
+          </a:stretch>
+        </p:blipFill>
+        <p:spPr>
+          <a:xfrm>
+            <a:off x="457200" y="2615526"/>
+            <a:ext cx="3886488" cy="2589366"/>
+          </a:xfrm>
+          <a:prstGeom prst="rect">
+            <a:avLst/>
+          </a:prstGeom>
+        </p:spPr>
+      </p:pic>
+      <p:pic>
+        <p:nvPicPr>
+          <p:cNvPr id="5" name="Picture 4" descr="urban UBSTI scen.png"/>
+          <p:cNvPicPr>
+            <a:picLocks noChangeAspect="1"/>
+          </p:cNvPicPr>
+          <p:nvPr/>
+        </p:nvPicPr>
+        <p:blipFill>
+          <a:blip r:embed="rId3"/>
+          <a:stretch>
+            <a:fillRect/>
+          </a:stretch>
+        </p:blipFill>
+        <p:spPr>
+          <a:xfrm>
+            <a:off x="4648626" y="2615526"/>
+            <a:ext cx="3886488" cy="2589366"/>
+          </a:xfrm>
+          <a:prstGeom prst="rect">
+            <a:avLst/>
+          </a:prstGeom>
+        </p:spPr>
+      </p:pic>
+      <p:sp>
+        <p:nvSpPr>
+          <p:cNvPr id="7" name="Content Placeholder 2"/>
+          <p:cNvSpPr>
+            <a:spLocks noGrp="1"/>
+          </p:cNvSpPr>
+          <p:nvPr>
+            <p:ph idx="1"/>
+          </p:nvPr>
+        </p:nvSpPr>
+        <p:spPr>
+          <a:xfrm>
+            <a:off x="457200" y="1502928"/>
+            <a:ext cx="8229600" cy="4525963"/>
+          </a:xfrm>
+        </p:spPr>
+        <p:txBody>
+          <a:bodyPr/>
+          <a:lstStyle/>
+          <a:p>
+            <a:endParaRPr lang="en-AU" dirty="0" smtClean="0"/>
+          </a:p>
+          <a:p>
+            <a:endParaRPr lang="en-AU" dirty="0" smtClean="0"/>
+          </a:p>
+        </p:txBody>
+      </p:sp>
       <p:sp>
         <p:nvSpPr>
           <p:cNvPr id="2" name="Title 1"/>
@@ -4807,68 +4381,17 @@
           <a:p>
             <a:r>
               <a:rPr lang="en-AU" dirty="0" smtClean="0"/>
-              <a:t>Intervention description</a:t>
+              <a:t>STI </a:t>
+            </a:r>
+            <a:r>
+              <a:rPr lang="en-AU" dirty="0" smtClean="0"/>
+              <a:t>results – breakdown by region</a:t>
             </a:r>
             <a:endParaRPr lang="en-AU" dirty="0"/>
           </a:p>
         </p:txBody>
       </p:sp>
-      <p:sp>
-        <p:nvSpPr>
-          <p:cNvPr id="3" name="Content Placeholder 2"/>
-          <p:cNvSpPr>
-            <a:spLocks noGrp="1"/>
-          </p:cNvSpPr>
-          <p:nvPr>
-            <p:ph idx="1"/>
-          </p:nvPr>
-        </p:nvSpPr>
-        <p:spPr>
-          <a:xfrm>
-            <a:off x="457200" y="1531620"/>
-            <a:ext cx="8229600" cy="4525963"/>
-          </a:xfrm>
-        </p:spPr>
-        <p:txBody>
-          <a:bodyPr/>
-          <a:lstStyle/>
-          <a:p>
-            <a:r>
-              <a:rPr lang="en-AU" dirty="0" smtClean="0"/>
-              <a:t>PNG population has relatively high willingness to participate in health programs – </a:t>
-            </a:r>
-            <a:r>
-              <a:rPr lang="en-AU" dirty="0" err="1" smtClean="0"/>
-              <a:t>Vallely</a:t>
-            </a:r>
-            <a:r>
-              <a:rPr lang="en-AU" dirty="0" smtClean="0"/>
-              <a:t>, 2014 -&gt; can assume relatively high coverage and retention rates</a:t>
-            </a:r>
-          </a:p>
-          <a:p>
-            <a:r>
-              <a:rPr lang="en-AU" dirty="0" smtClean="0"/>
-              <a:t>4 interventions targeting FSW – two coverage scenarios and two treatment scenarios</a:t>
-            </a:r>
-          </a:p>
-          <a:p>
-            <a:r>
-              <a:rPr lang="en-AU" dirty="0" smtClean="0"/>
-              <a:t>Interventions targeting all females, all males, whole population with half coverage</a:t>
-            </a:r>
-          </a:p>
-          <a:p>
-            <a:endParaRPr lang="en-AU" dirty="0"/>
-          </a:p>
-        </p:txBody>
-      </p:sp>
     </p:spTree>
-    <p:extLst>
-      <p:ext uri="{BB962C8B-B14F-4D97-AF65-F5344CB8AC3E}">
-        <p14:creationId xmlns="" xmlns:p14="http://schemas.microsoft.com/office/powerpoint/2010/main" val="2338958866"/>
-      </p:ext>
-    </p:extLst>
   </p:cSld>
   <p:clrMapOvr>
     <a:masterClrMapping/>
@@ -4900,6 +4423,33 @@
           <a:chExt cx="0" cy="0"/>
         </a:xfrm>
       </p:grpSpPr>
+      <p:pic>
+        <p:nvPicPr>
+          <p:cNvPr id="8" name="Picture 7" descr="HIV scen.png"/>
+          <p:cNvPicPr>
+            <a:picLocks noChangeAspect="1"/>
+          </p:cNvPicPr>
+          <p:nvPr/>
+        </p:nvPicPr>
+        <p:blipFill>
+          <a:blip r:embed="rId2"/>
+          <a:stretch>
+            <a:fillRect/>
+          </a:stretch>
+        </p:blipFill>
+        <p:spPr>
+          <a:xfrm>
+            <a:off x="936000" y="1418400"/>
+            <a:ext cx="7287167" cy="4855064"/>
+          </a:xfrm>
+          <a:prstGeom prst="rect">
+            <a:avLst/>
+          </a:prstGeom>
+          <a:effectLst>
+            <a:softEdge rad="12700"/>
+          </a:effectLst>
+        </p:spPr>
+      </p:pic>
       <p:sp>
         <p:nvSpPr>
           <p:cNvPr id="2" name="Title 1"/>
@@ -4917,339 +4467,16 @@
           <a:p>
             <a:r>
               <a:rPr lang="en-AU" dirty="0" smtClean="0"/>
-              <a:t>Prevalence equations with PPT (FSW)</a:t>
+              <a:t>HIV results</a:t>
             </a:r>
             <a:endParaRPr lang="en-AU" dirty="0"/>
           </a:p>
         </p:txBody>
       </p:sp>
-      <p:sp>
-        <p:nvSpPr>
-          <p:cNvPr id="3" name="Content Placeholder 2"/>
-          <p:cNvSpPr>
-            <a:spLocks noGrp="1"/>
-          </p:cNvSpPr>
-          <p:nvPr>
-            <p:ph idx="1"/>
-          </p:nvPr>
-        </p:nvSpPr>
-        <p:spPr/>
-        <p:txBody>
-          <a:bodyPr/>
-          <a:lstStyle/>
-          <a:p>
-            <a:endParaRPr lang="en-AU" dirty="0" smtClean="0"/>
-          </a:p>
-          <a:p>
-            <a:endParaRPr lang="en-AU" dirty="0" smtClean="0"/>
-          </a:p>
-          <a:p>
-            <a:pPr>
-              <a:buNone/>
-            </a:pPr>
-            <a:r>
-              <a:rPr lang="en-AU" dirty="0" smtClean="0"/>
-              <a:t>	 	PPT rate</a:t>
-            </a:r>
-          </a:p>
-          <a:p>
-            <a:pPr lvl="1"/>
-            <a:r>
-              <a:rPr lang="en-AU" dirty="0" smtClean="0">
-                <a:solidFill>
-                  <a:schemeClr val="bg1">
-                    <a:lumMod val="65000"/>
-                  </a:schemeClr>
-                </a:solidFill>
-              </a:rPr>
-              <a:t>Identical for infected and susceptible</a:t>
-            </a:r>
-          </a:p>
-          <a:p>
-            <a:pPr lvl="1"/>
-            <a:r>
-              <a:rPr lang="en-AU" dirty="0" smtClean="0">
-                <a:solidFill>
-                  <a:schemeClr val="bg1">
-                    <a:lumMod val="65000"/>
-                  </a:schemeClr>
-                </a:solidFill>
-              </a:rPr>
-              <a:t>Calculated as fraction of whole population, but only applied to susceptible or infected</a:t>
-            </a:r>
-          </a:p>
-          <a:p>
-            <a:pPr lvl="1"/>
-            <a:r>
-              <a:rPr lang="en-AU" dirty="0" smtClean="0">
-                <a:solidFill>
-                  <a:schemeClr val="bg1">
-                    <a:lumMod val="65000"/>
-                  </a:schemeClr>
-                </a:solidFill>
-              </a:rPr>
-              <a:t>Constant (</a:t>
-            </a:r>
-            <a:r>
-              <a:rPr lang="en-AU" dirty="0" err="1" smtClean="0">
-                <a:solidFill>
-                  <a:schemeClr val="bg1">
-                    <a:lumMod val="65000"/>
-                  </a:schemeClr>
-                </a:solidFill>
-              </a:rPr>
-              <a:t>memoryless</a:t>
-            </a:r>
-            <a:r>
-              <a:rPr lang="en-AU" dirty="0" smtClean="0">
-                <a:solidFill>
-                  <a:schemeClr val="bg1">
-                    <a:lumMod val="65000"/>
-                  </a:schemeClr>
-                </a:solidFill>
-              </a:rPr>
-              <a:t>) rate</a:t>
-            </a:r>
-          </a:p>
-          <a:p>
-            <a:pPr>
-              <a:buNone/>
-            </a:pPr>
-            <a:r>
-              <a:rPr lang="en-AU" dirty="0" smtClean="0"/>
-              <a:t>		Recovery rate </a:t>
-            </a:r>
-          </a:p>
-          <a:p>
-            <a:pPr lvl="1"/>
-            <a:r>
-              <a:rPr lang="en-AU" dirty="0" smtClean="0">
-                <a:solidFill>
-                  <a:schemeClr val="bg1">
-                    <a:lumMod val="65000"/>
-                  </a:schemeClr>
-                </a:solidFill>
-              </a:rPr>
-              <a:t>1/theta is expected duration of </a:t>
-            </a:r>
-            <a:r>
-              <a:rPr lang="en-AU" dirty="0" smtClean="0">
-                <a:solidFill>
-                  <a:schemeClr val="bg1">
-                    <a:lumMod val="65000"/>
-                  </a:schemeClr>
-                </a:solidFill>
-              </a:rPr>
-              <a:t>protection</a:t>
-            </a:r>
-          </a:p>
-          <a:p>
-            <a:r>
-              <a:rPr lang="en-AU" dirty="0" smtClean="0">
-                <a:solidFill>
-                  <a:schemeClr val="bg1">
-                    <a:lumMod val="65000"/>
-                  </a:schemeClr>
-                </a:solidFill>
-              </a:rPr>
-              <a:t>Infection rate used in calculating      and </a:t>
-            </a:r>
-            <a:endParaRPr lang="en-AU" dirty="0">
-              <a:solidFill>
-                <a:schemeClr val="bg1">
-                  <a:lumMod val="65000"/>
-                </a:schemeClr>
-              </a:solidFill>
-            </a:endParaRPr>
-          </a:p>
-        </p:txBody>
-      </p:sp>
-      <p:pic>
-        <p:nvPicPr>
-          <p:cNvPr id="9" name="Picture 8"/>
-          <p:cNvPicPr/>
-          <p:nvPr/>
-        </p:nvPicPr>
-        <p:blipFill>
-          <a:blip r:embed="rId2"/>
-          <a:srcRect l="49171" r="48945" b="42500"/>
-          <a:stretch>
-            <a:fillRect/>
-          </a:stretch>
-        </p:blipFill>
-        <p:spPr bwMode="auto">
-          <a:xfrm>
-            <a:off x="331939" y="2958170"/>
-            <a:ext cx="250521" cy="273215"/>
-          </a:xfrm>
-          <a:prstGeom prst="rect">
-            <a:avLst/>
-          </a:prstGeom>
-          <a:noFill/>
-          <a:ln w="9525">
-            <a:noFill/>
-            <a:miter lim="800000"/>
-            <a:headEnd/>
-            <a:tailEnd/>
-          </a:ln>
-        </p:spPr>
-      </p:pic>
-      <p:pic>
-        <p:nvPicPr>
-          <p:cNvPr id="10" name="Picture 9"/>
-          <p:cNvPicPr/>
-          <p:nvPr/>
-        </p:nvPicPr>
-        <p:blipFill>
-          <a:blip r:embed="rId3"/>
-          <a:srcRect l="47619" t="-30145" r="46982" b="29585"/>
-          <a:stretch>
-            <a:fillRect/>
-          </a:stretch>
-        </p:blipFill>
-        <p:spPr bwMode="auto">
-          <a:xfrm>
-            <a:off x="225022" y="5385939"/>
-            <a:ext cx="464355" cy="477810"/>
-          </a:xfrm>
-          <a:prstGeom prst="rect">
-            <a:avLst/>
-          </a:prstGeom>
-          <a:noFill/>
-          <a:ln w="9525">
-            <a:noFill/>
-            <a:miter lim="800000"/>
-            <a:headEnd/>
-            <a:tailEnd/>
-          </a:ln>
-        </p:spPr>
-      </p:pic>
-      <p:pic>
-        <p:nvPicPr>
-          <p:cNvPr id="7" name="Picture 6"/>
-          <p:cNvPicPr>
-            <a:picLocks noChangeAspect="1"/>
-          </p:cNvPicPr>
-          <p:nvPr/>
-        </p:nvPicPr>
-        <p:blipFill>
-          <a:blip r:embed="rId4"/>
-          <a:srcRect/>
-          <a:stretch>
-            <a:fillRect/>
-          </a:stretch>
-        </p:blipFill>
-        <p:spPr bwMode="auto">
-          <a:xfrm>
-            <a:off x="331939" y="1600200"/>
-            <a:ext cx="8600759" cy="2081063"/>
-          </a:xfrm>
-          <a:prstGeom prst="rect">
-            <a:avLst/>
-          </a:prstGeom>
-          <a:noFill/>
-          <a:ln w="9525">
-            <a:noFill/>
-            <a:miter lim="800000"/>
-            <a:headEnd/>
-            <a:tailEnd/>
-          </a:ln>
-        </p:spPr>
-      </p:pic>
-      <p:pic>
-        <p:nvPicPr>
-          <p:cNvPr id="11" name="Picture 10"/>
-          <p:cNvPicPr/>
-          <p:nvPr/>
-        </p:nvPicPr>
-        <p:blipFill>
-          <a:blip r:embed="rId5"/>
-          <a:srcRect l="48992" r="49213"/>
-          <a:stretch>
-            <a:fillRect/>
-          </a:stretch>
-        </p:blipFill>
-        <p:spPr bwMode="auto">
-          <a:xfrm>
-            <a:off x="423434" y="6345683"/>
-            <a:ext cx="238688" cy="475155"/>
-          </a:xfrm>
-          <a:prstGeom prst="rect">
-            <a:avLst/>
-          </a:prstGeom>
-          <a:noFill/>
-          <a:ln w="9525">
-            <a:noFill/>
-            <a:miter lim="800000"/>
-            <a:headEnd/>
-            <a:tailEnd/>
-          </a:ln>
-        </p:spPr>
-      </p:pic>
-      <p:pic>
-        <p:nvPicPr>
-          <p:cNvPr id="12" name="Picture 11"/>
-          <p:cNvPicPr/>
-          <p:nvPr/>
-        </p:nvPicPr>
-        <p:blipFill>
-          <a:blip r:embed="rId6"/>
-          <a:srcRect l="48812" r="48855" b="30000"/>
-          <a:stretch>
-            <a:fillRect/>
-          </a:stretch>
-        </p:blipFill>
-        <p:spPr bwMode="auto">
-          <a:xfrm>
-            <a:off x="6350332" y="6525391"/>
-            <a:ext cx="310227" cy="332609"/>
-          </a:xfrm>
-          <a:prstGeom prst="rect">
-            <a:avLst/>
-          </a:prstGeom>
-          <a:noFill/>
-          <a:ln w="9525">
-            <a:noFill/>
-            <a:miter lim="800000"/>
-            <a:headEnd/>
-            <a:tailEnd/>
-          </a:ln>
-        </p:spPr>
-      </p:pic>
-      <p:pic>
-        <p:nvPicPr>
-          <p:cNvPr id="13" name="Picture 12"/>
-          <p:cNvPicPr/>
-          <p:nvPr/>
-        </p:nvPicPr>
-        <p:blipFill>
-          <a:blip r:embed="rId7"/>
-          <a:srcRect r="98062" b="37489"/>
-          <a:stretch>
-            <a:fillRect/>
-          </a:stretch>
-        </p:blipFill>
-        <p:spPr bwMode="auto">
-          <a:xfrm>
-            <a:off x="7693051" y="6560976"/>
-            <a:ext cx="257702" cy="297024"/>
-          </a:xfrm>
-          <a:prstGeom prst="rect">
-            <a:avLst/>
-          </a:prstGeom>
-          <a:noFill/>
-          <a:ln w="9525">
-            <a:noFill/>
-            <a:miter lim="800000"/>
-            <a:headEnd/>
-            <a:tailEnd/>
-          </a:ln>
-        </p:spPr>
-      </p:pic>
     </p:spTree>
     <p:extLst>
       <p:ext uri="{BB962C8B-B14F-4D97-AF65-F5344CB8AC3E}">
-        <p14:creationId xmlns="" xmlns:p14="http://schemas.microsoft.com/office/powerpoint/2010/main" val="3559378867"/>
+        <p14:creationId xmlns:p14="http://schemas.microsoft.com/office/powerpoint/2010/main" xmlns="" val="1917238972"/>
       </p:ext>
     </p:extLst>
   </p:cSld>
@@ -5283,77 +4510,6 @@
           <a:chExt cx="0" cy="0"/>
         </a:xfrm>
       </p:grpSpPr>
-      <p:pic>
-        <p:nvPicPr>
-          <p:cNvPr id="6" name="Picture 5" descr="Overall UBSTI scen.png"/>
-          <p:cNvPicPr>
-            <a:picLocks noChangeAspect="1"/>
-          </p:cNvPicPr>
-          <p:nvPr/>
-        </p:nvPicPr>
-        <p:blipFill>
-          <a:blip r:embed="rId2"/>
-          <a:stretch>
-            <a:fillRect/>
-          </a:stretch>
-        </p:blipFill>
-        <p:spPr>
-          <a:xfrm>
-            <a:off x="937596" y="1417638"/>
-            <a:ext cx="7287167" cy="4855063"/>
-          </a:xfrm>
-          <a:prstGeom prst="rect">
-            <a:avLst/>
-          </a:prstGeom>
-        </p:spPr>
-      </p:pic>
-      <p:sp>
-        <p:nvSpPr>
-          <p:cNvPr id="7" name="Content Placeholder 2"/>
-          <p:cNvSpPr>
-            <a:spLocks noGrp="1"/>
-          </p:cNvSpPr>
-          <p:nvPr>
-            <p:ph idx="1"/>
-          </p:nvPr>
-        </p:nvSpPr>
-        <p:spPr>
-          <a:xfrm>
-            <a:off x="457200" y="1502928"/>
-            <a:ext cx="8229600" cy="4525963"/>
-          </a:xfrm>
-        </p:spPr>
-        <p:txBody>
-          <a:bodyPr/>
-          <a:lstStyle/>
-          <a:p>
-            <a:r>
-              <a:rPr lang="en-AU" dirty="0" smtClean="0"/>
-              <a:t>Overall, there is a moderate decrease in STI levels at high </a:t>
-            </a:r>
-            <a:r>
-              <a:rPr lang="en-AU" dirty="0" err="1" smtClean="0"/>
-              <a:t>coverages</a:t>
-            </a:r>
-            <a:endParaRPr lang="en-AU" dirty="0" smtClean="0"/>
-          </a:p>
-          <a:p>
-            <a:r>
-              <a:rPr lang="en-AU" dirty="0" smtClean="0"/>
-              <a:t>Overall success rate is sensitive to coverage, but 6 PPT sessions per year seem to be enough (this also means that a non-systematic failure rate for treatment is tolerable)</a:t>
-            </a:r>
-          </a:p>
-          <a:p>
-            <a:r>
-              <a:rPr lang="en-AU" dirty="0" smtClean="0"/>
-              <a:t>We are only treating 1.5% of the population</a:t>
-            </a:r>
-          </a:p>
-          <a:p>
-            <a:endParaRPr lang="en-AU" dirty="0" smtClean="0"/>
-          </a:p>
-        </p:txBody>
-      </p:sp>
       <p:sp>
         <p:nvSpPr>
           <p:cNvPr id="2" name="Title 1"/>
@@ -5371,9 +4527,70 @@
           <a:p>
             <a:r>
               <a:rPr lang="en-AU" dirty="0" smtClean="0"/>
-              <a:t>UBSTI results</a:t>
+              <a:t>Interventions into different populations</a:t>
             </a:r>
             <a:endParaRPr lang="en-AU" dirty="0"/>
+          </a:p>
+        </p:txBody>
+      </p:sp>
+      <p:sp>
+        <p:nvSpPr>
+          <p:cNvPr id="3" name="Content Placeholder 2"/>
+          <p:cNvSpPr>
+            <a:spLocks noGrp="1"/>
+          </p:cNvSpPr>
+          <p:nvPr>
+            <p:ph idx="1"/>
+          </p:nvPr>
+        </p:nvSpPr>
+        <p:spPr/>
+        <p:txBody>
+          <a:bodyPr/>
+          <a:lstStyle/>
+          <a:p>
+            <a:r>
+              <a:rPr lang="en-AU" dirty="0" smtClean="0"/>
+              <a:t>Target all males or all females with coverages of 20% or 30%, or target the whole population with coverages 10% or 15%</a:t>
+            </a:r>
+          </a:p>
+          <a:p>
+            <a:r>
+              <a:rPr lang="en-AU" dirty="0" smtClean="0"/>
+              <a:t>Achieve </a:t>
+            </a:r>
+            <a:r>
+              <a:rPr lang="en-AU" dirty="0" smtClean="0"/>
+              <a:t>a similar </a:t>
+            </a:r>
+            <a:r>
+              <a:rPr lang="en-AU" dirty="0" smtClean="0"/>
+              <a:t>effect with 25 times more people treated</a:t>
+            </a:r>
+            <a:endParaRPr lang="en-AU" dirty="0" smtClean="0"/>
+          </a:p>
+          <a:p>
+            <a:r>
+              <a:rPr lang="en-AU" dirty="0" smtClean="0"/>
+              <a:t>Interventions targeting general population more sensitive </a:t>
+            </a:r>
+            <a:r>
+              <a:rPr lang="en-AU" dirty="0" smtClean="0"/>
+              <a:t>to frequency than FSW</a:t>
+            </a:r>
+          </a:p>
+          <a:p>
+            <a:r>
+              <a:rPr lang="en-AU" dirty="0" smtClean="0"/>
+              <a:t>Combined intervention much less </a:t>
+            </a:r>
+            <a:r>
+              <a:rPr lang="en-AU" dirty="0" smtClean="0"/>
+              <a:t>effective than either male or female intervention</a:t>
+            </a:r>
+            <a:endParaRPr lang="en-AU" dirty="0" smtClean="0"/>
+          </a:p>
+          <a:p>
+            <a:endParaRPr lang="en-AU" dirty="0" smtClean="0"/>
           </a:p>
         </p:txBody>
       </p:sp>
@@ -5409,107 +4626,6 @@
           <a:chExt cx="0" cy="0"/>
         </a:xfrm>
       </p:grpSpPr>
-      <p:pic>
-        <p:nvPicPr>
-          <p:cNvPr id="4" name="Picture 3" descr="rural UBSTI scen.png"/>
-          <p:cNvPicPr>
-            <a:picLocks noChangeAspect="1"/>
-          </p:cNvPicPr>
-          <p:nvPr/>
-        </p:nvPicPr>
-        <p:blipFill>
-          <a:blip r:embed="rId2"/>
-          <a:stretch>
-            <a:fillRect/>
-          </a:stretch>
-        </p:blipFill>
-        <p:spPr>
-          <a:xfrm>
-            <a:off x="457200" y="2615526"/>
-            <a:ext cx="3886488" cy="2589367"/>
-          </a:xfrm>
-          <a:prstGeom prst="rect">
-            <a:avLst/>
-          </a:prstGeom>
-        </p:spPr>
-      </p:pic>
-      <p:pic>
-        <p:nvPicPr>
-          <p:cNvPr id="5" name="Picture 4" descr="urban UBSTI scen.png"/>
-          <p:cNvPicPr>
-            <a:picLocks noChangeAspect="1"/>
-          </p:cNvPicPr>
-          <p:nvPr/>
-        </p:nvPicPr>
-        <p:blipFill>
-          <a:blip r:embed="rId3"/>
-          <a:stretch>
-            <a:fillRect/>
-          </a:stretch>
-        </p:blipFill>
-        <p:spPr>
-          <a:xfrm>
-            <a:off x="4648626" y="2615526"/>
-            <a:ext cx="3886488" cy="2589367"/>
-          </a:xfrm>
-          <a:prstGeom prst="rect">
-            <a:avLst/>
-          </a:prstGeom>
-        </p:spPr>
-      </p:pic>
-      <p:sp>
-        <p:nvSpPr>
-          <p:cNvPr id="7" name="Content Placeholder 2"/>
-          <p:cNvSpPr>
-            <a:spLocks noGrp="1"/>
-          </p:cNvSpPr>
-          <p:nvPr>
-            <p:ph idx="1"/>
-          </p:nvPr>
-        </p:nvSpPr>
-        <p:spPr>
-          <a:xfrm>
-            <a:off x="457200" y="1502928"/>
-            <a:ext cx="8229600" cy="4525963"/>
-          </a:xfrm>
-        </p:spPr>
-        <p:txBody>
-          <a:bodyPr/>
-          <a:lstStyle/>
-          <a:p>
-            <a:r>
-              <a:rPr lang="en-AU" dirty="0" smtClean="0"/>
-              <a:t>In rural setting, moderate amount of decrease</a:t>
-            </a:r>
-          </a:p>
-          <a:p>
-            <a:r>
-              <a:rPr lang="en-AU" dirty="0" smtClean="0"/>
-              <a:t>In urban setting, we are essentially wiping out UBSTI</a:t>
-            </a:r>
-          </a:p>
-          <a:p>
-            <a:pPr lvl="1"/>
-            <a:r>
-              <a:rPr lang="en-AU" dirty="0" smtClean="0"/>
-              <a:t>More FSW in urban areas</a:t>
-            </a:r>
-          </a:p>
-          <a:p>
-            <a:pPr lvl="2"/>
-            <a:r>
-              <a:rPr lang="en-AU" dirty="0" smtClean="0"/>
-              <a:t>FSW are more responsible for infection levels in urban areas</a:t>
-            </a:r>
-          </a:p>
-          <a:p>
-            <a:endParaRPr lang="en-AU" dirty="0" smtClean="0"/>
-          </a:p>
-          <a:p>
-            <a:endParaRPr lang="en-AU" dirty="0" smtClean="0"/>
-          </a:p>
-        </p:txBody>
-      </p:sp>
       <p:sp>
         <p:nvSpPr>
           <p:cNvPr id="2" name="Title 1"/>
@@ -5527,9 +4643,188 @@
           <a:p>
             <a:r>
               <a:rPr lang="en-AU" dirty="0" smtClean="0"/>
-              <a:t>UBSTI results – breakdown by region</a:t>
+              <a:t>Limitations and areas for further work</a:t>
             </a:r>
             <a:endParaRPr lang="en-AU" dirty="0"/>
+          </a:p>
+        </p:txBody>
+      </p:sp>
+      <p:sp>
+        <p:nvSpPr>
+          <p:cNvPr id="3" name="Content Placeholder 2"/>
+          <p:cNvSpPr>
+            <a:spLocks noGrp="1"/>
+          </p:cNvSpPr>
+          <p:nvPr>
+            <p:ph idx="1"/>
+          </p:nvPr>
+        </p:nvSpPr>
+        <p:spPr/>
+        <p:txBody>
+          <a:bodyPr/>
+          <a:lstStyle/>
+          <a:p>
+            <a:r>
+              <a:rPr lang="en-AU" dirty="0" smtClean="0"/>
+              <a:t>Model dependent on accuracy of data values and assumptions</a:t>
+            </a:r>
+          </a:p>
+          <a:p>
+            <a:r>
+              <a:rPr lang="en-AU" dirty="0" smtClean="0"/>
+              <a:t>Did not include uncertainty</a:t>
+            </a:r>
+          </a:p>
+          <a:p>
+            <a:r>
+              <a:rPr lang="en-AU" dirty="0" smtClean="0"/>
+              <a:t>Assumed homogenous mixing</a:t>
+            </a:r>
+          </a:p>
+          <a:p>
+            <a:r>
+              <a:rPr lang="en-AU" dirty="0" smtClean="0"/>
+              <a:t>Bridging populations</a:t>
+            </a:r>
+          </a:p>
+          <a:p>
+            <a:r>
+              <a:rPr lang="en-AU" dirty="0" smtClean="0"/>
+              <a:t>Modelling the spread of antibiotic resistance</a:t>
+            </a:r>
+            <a:endParaRPr lang="en-AU" dirty="0" smtClean="0"/>
+          </a:p>
+          <a:p>
+            <a:pPr>
+              <a:buNone/>
+            </a:pPr>
+            <a:endParaRPr lang="en-AU" dirty="0"/>
+          </a:p>
+        </p:txBody>
+      </p:sp>
+      <p:sp>
+        <p:nvSpPr>
+          <p:cNvPr id="4" name="TextBox 3"/>
+          <p:cNvSpPr txBox="1"/>
+          <p:nvPr/>
+        </p:nvSpPr>
+        <p:spPr>
+          <a:xfrm>
+            <a:off x="853942" y="5602240"/>
+            <a:ext cx="7261357" cy="1107996"/>
+          </a:xfrm>
+          <a:prstGeom prst="rect">
+            <a:avLst/>
+          </a:prstGeom>
+          <a:noFill/>
+        </p:spPr>
+        <p:txBody>
+          <a:bodyPr wrap="square" rtlCol="0">
+            <a:spAutoFit/>
+          </a:bodyPr>
+          <a:lstStyle/>
+          <a:p>
+            <a:pPr algn="r"/>
+            <a:r>
+              <a:rPr lang="en-AU" sz="1100" dirty="0" smtClean="0"/>
+              <a:t>The HIV model used comes from </a:t>
+            </a:r>
+            <a:r>
+              <a:rPr lang="en-AU" sz="1100" dirty="0" smtClean="0"/>
+              <a:t>Gray, Richard T.; </a:t>
+            </a:r>
+            <a:r>
+              <a:rPr lang="en-AU" sz="1100" dirty="0" err="1" smtClean="0"/>
+              <a:t>Vallely</a:t>
+            </a:r>
+            <a:r>
+              <a:rPr lang="en-AU" sz="1100" dirty="0" smtClean="0"/>
+              <a:t>, Andrew; Wilson, David P.; </a:t>
+            </a:r>
+            <a:r>
+              <a:rPr lang="en-AU" sz="1100" dirty="0" err="1" smtClean="0"/>
+              <a:t>Kaldor</a:t>
+            </a:r>
+            <a:r>
+              <a:rPr lang="en-AU" sz="1100" dirty="0" smtClean="0"/>
+              <a:t>, John; </a:t>
+            </a:r>
+            <a:r>
+              <a:rPr lang="en-AU" sz="1100" dirty="0" err="1" smtClean="0"/>
+              <a:t>MacLaren</a:t>
+            </a:r>
+            <a:r>
+              <a:rPr lang="en-AU" sz="1100" dirty="0" smtClean="0"/>
+              <a:t>, David; Kelly-</a:t>
+            </a:r>
+            <a:r>
+              <a:rPr lang="en-AU" sz="1100" dirty="0" err="1" smtClean="0"/>
+              <a:t>Hanku</a:t>
+            </a:r>
+            <a:r>
+              <a:rPr lang="en-AU" sz="1100" dirty="0" smtClean="0"/>
+              <a:t>, Angela; </a:t>
+            </a:r>
+            <a:r>
+              <a:rPr lang="en-AU" sz="1100" dirty="0" err="1" smtClean="0"/>
+              <a:t>Siba</a:t>
+            </a:r>
+            <a:r>
+              <a:rPr lang="en-AU" sz="1100" dirty="0" smtClean="0"/>
+              <a:t> ,Peter; Murray, John M. 2014. “Impact </a:t>
+            </a:r>
+            <a:r>
+              <a:rPr lang="en-AU" sz="1100" dirty="0" smtClean="0"/>
+              <a:t>of Male Circumcision on the HIV Epidemic in Papua New Guinea: A Country with Extensive Foreskin Cutting </a:t>
+            </a:r>
+            <a:r>
+              <a:rPr lang="en-AU" sz="1100" dirty="0" smtClean="0"/>
+              <a:t>Practices”, in  </a:t>
+            </a:r>
+            <a:r>
+              <a:rPr lang="en-AU" sz="1100" i="1" dirty="0" err="1" smtClean="0"/>
+              <a:t>PLoS</a:t>
+            </a:r>
+            <a:r>
+              <a:rPr lang="en-AU" sz="1100" i="1" dirty="0" smtClean="0"/>
+              <a:t> ONE</a:t>
+            </a:r>
+            <a:r>
+              <a:rPr lang="en-AU" sz="1100" dirty="0" smtClean="0"/>
+              <a:t>, Vol. 9, Issue 8. </a:t>
+            </a:r>
+          </a:p>
+          <a:p>
+            <a:pPr algn="r"/>
+            <a:r>
+              <a:rPr lang="en-AU" sz="1100" dirty="0" smtClean="0"/>
+              <a:t>All modelling was performed </a:t>
+            </a:r>
+            <a:r>
+              <a:rPr lang="en-AU" sz="1100" dirty="0" smtClean="0"/>
+              <a:t>using  commercial </a:t>
+            </a:r>
+            <a:r>
+              <a:rPr lang="en-AU" sz="1100" dirty="0" smtClean="0"/>
+              <a:t>the software package MATLAB® 8.4 (The </a:t>
+            </a:r>
+            <a:r>
+              <a:rPr lang="en-AU" sz="1100" dirty="0" err="1" smtClean="0"/>
+              <a:t>MathWorks</a:t>
+            </a:r>
+            <a:r>
+              <a:rPr lang="en-AU" sz="1100" dirty="0" smtClean="0"/>
+              <a:t> Inc., 2014).</a:t>
+            </a:r>
+            <a:endParaRPr lang="en-AU" sz="1100" dirty="0" smtClean="0"/>
+          </a:p>
+          <a:p>
+            <a:pPr algn="r"/>
+            <a:endParaRPr lang="en-AU" sz="1100" dirty="0" smtClean="0"/>
+          </a:p>
+          <a:p>
+            <a:pPr algn="r"/>
+            <a:endParaRPr lang="en-AU" sz="1100" dirty="0"/>
           </a:p>
         </p:txBody>
       </p:sp>
@@ -5565,129 +4860,6 @@
           <a:chExt cx="0" cy="0"/>
         </a:xfrm>
       </p:grpSpPr>
-      <p:pic>
-        <p:nvPicPr>
-          <p:cNvPr id="8" name="Picture 7" descr="HIV scen.png"/>
-          <p:cNvPicPr>
-            <a:picLocks noChangeAspect="1"/>
-          </p:cNvPicPr>
-          <p:nvPr/>
-        </p:nvPicPr>
-        <p:blipFill>
-          <a:blip r:embed="rId2"/>
-          <a:stretch>
-            <a:fillRect/>
-          </a:stretch>
-        </p:blipFill>
-        <p:spPr>
-          <a:xfrm>
-            <a:off x="2142945" y="2244827"/>
-            <a:ext cx="4858109" cy="3236708"/>
-          </a:xfrm>
-          <a:prstGeom prst="rect">
-            <a:avLst/>
-          </a:prstGeom>
-          <a:effectLst>
-            <a:softEdge rad="12700"/>
-          </a:effectLst>
-        </p:spPr>
-      </p:pic>
-      <p:sp>
-        <p:nvSpPr>
-          <p:cNvPr id="7" name="Content Placeholder 2"/>
-          <p:cNvSpPr>
-            <a:spLocks noGrp="1"/>
-          </p:cNvSpPr>
-          <p:nvPr>
-            <p:ph idx="1"/>
-          </p:nvPr>
-        </p:nvSpPr>
-        <p:spPr>
-          <a:xfrm>
-            <a:off x="457200" y="1600200"/>
-            <a:ext cx="8229600" cy="4525963"/>
-          </a:xfrm>
-        </p:spPr>
-        <p:txBody>
-          <a:bodyPr/>
-          <a:lstStyle/>
-          <a:p>
-            <a:r>
-              <a:rPr lang="en-AU" dirty="0" smtClean="0">
-                <a:solidFill>
-                  <a:schemeClr val="bg1">
-                    <a:lumMod val="65000"/>
-                  </a:schemeClr>
-                </a:solidFill>
-              </a:rPr>
-              <a:t>Decrease of 4-6%.</a:t>
-            </a:r>
-          </a:p>
-          <a:p>
-            <a:r>
-              <a:rPr lang="en-AU" dirty="0" smtClean="0">
-                <a:solidFill>
-                  <a:schemeClr val="bg1">
-                    <a:lumMod val="65000"/>
-                  </a:schemeClr>
-                </a:solidFill>
-              </a:rPr>
-              <a:t>Fairly low for the size of the project we’re considering</a:t>
-            </a:r>
-          </a:p>
-          <a:p>
-            <a:endParaRPr lang="en-AU" dirty="0" smtClean="0">
-              <a:solidFill>
-                <a:schemeClr val="bg1">
-                  <a:lumMod val="65000"/>
-                </a:schemeClr>
-              </a:solidFill>
-            </a:endParaRPr>
-          </a:p>
-          <a:p>
-            <a:endParaRPr lang="en-AU" dirty="0" smtClean="0">
-              <a:solidFill>
-                <a:schemeClr val="bg1">
-                  <a:lumMod val="65000"/>
-                </a:schemeClr>
-              </a:solidFill>
-            </a:endParaRPr>
-          </a:p>
-          <a:p>
-            <a:endParaRPr lang="en-AU" dirty="0" smtClean="0">
-              <a:solidFill>
-                <a:schemeClr val="bg1">
-                  <a:lumMod val="65000"/>
-                </a:schemeClr>
-              </a:solidFill>
-            </a:endParaRPr>
-          </a:p>
-          <a:p>
-            <a:endParaRPr lang="en-AU" dirty="0" smtClean="0">
-              <a:solidFill>
-                <a:schemeClr val="bg1">
-                  <a:lumMod val="65000"/>
-                </a:schemeClr>
-              </a:solidFill>
-            </a:endParaRPr>
-          </a:p>
-          <a:p>
-            <a:r>
-              <a:rPr lang="en-AU" dirty="0" smtClean="0"/>
-              <a:t>Measure incidence, not prevalence</a:t>
-            </a:r>
-          </a:p>
-          <a:p>
-            <a:endParaRPr lang="en-AU" dirty="0" smtClean="0">
-              <a:solidFill>
-                <a:schemeClr val="bg1">
-                  <a:lumMod val="65000"/>
-                </a:schemeClr>
-              </a:solidFill>
-            </a:endParaRPr>
-          </a:p>
-        </p:txBody>
-      </p:sp>
       <p:sp>
         <p:nvSpPr>
           <p:cNvPr id="2" name="Title 1"/>
@@ -5705,22 +4877,78 @@
           <a:p>
             <a:r>
               <a:rPr lang="en-AU" dirty="0" smtClean="0"/>
-              <a:t>HIV results</a:t>
+              <a:t>Recommendations</a:t>
             </a:r>
             <a:endParaRPr lang="en-AU" dirty="0"/>
           </a:p>
         </p:txBody>
       </p:sp>
+      <p:sp>
+        <p:nvSpPr>
+          <p:cNvPr id="3" name="Content Placeholder 2"/>
+          <p:cNvSpPr>
+            <a:spLocks noGrp="1"/>
+          </p:cNvSpPr>
+          <p:nvPr>
+            <p:ph idx="1"/>
+          </p:nvPr>
+        </p:nvSpPr>
+        <p:spPr/>
+        <p:txBody>
+          <a:bodyPr/>
+          <a:lstStyle/>
+          <a:p>
+            <a:r>
+              <a:rPr lang="en-AU" dirty="0" smtClean="0"/>
+              <a:t>PPT could be effective in PNG in wiping out </a:t>
+            </a:r>
+            <a:r>
+              <a:rPr lang="en-AU" dirty="0" smtClean="0"/>
+              <a:t>some STIs </a:t>
+            </a:r>
+            <a:r>
+              <a:rPr lang="en-AU" dirty="0" smtClean="0"/>
+              <a:t>in urban settings</a:t>
+            </a:r>
+          </a:p>
+          <a:p>
+            <a:r>
+              <a:rPr lang="en-AU" dirty="0" smtClean="0"/>
+              <a:t>PPT has moderate impact on HIV </a:t>
+            </a:r>
+            <a:r>
+              <a:rPr lang="en-AU" dirty="0" smtClean="0"/>
+              <a:t>levels</a:t>
+            </a:r>
+          </a:p>
+          <a:p>
+            <a:r>
+              <a:rPr lang="en-AU" dirty="0" smtClean="0"/>
+              <a:t>A complete model is merited for informing </a:t>
+            </a:r>
+            <a:r>
+              <a:rPr lang="en-AU" smtClean="0"/>
+              <a:t>a potential policy</a:t>
+            </a:r>
+            <a:endParaRPr lang="en-AU" dirty="0" smtClean="0"/>
+          </a:p>
+          <a:p>
+            <a:endParaRPr lang="en-AU" dirty="0"/>
+          </a:p>
+        </p:txBody>
+      </p:sp>
     </p:spTree>
-    <p:extLst>
-      <p:ext uri="{BB962C8B-B14F-4D97-AF65-F5344CB8AC3E}">
-        <p14:creationId xmlns="" xmlns:p14="http://schemas.microsoft.com/office/powerpoint/2010/main" val="1917238972"/>
-      </p:ext>
-    </p:extLst>
   </p:cSld>
   <p:clrMapOvr>
     <a:masterClrMapping/>
   </p:clrMapOvr>
+  <p:timing>
+    <p:tnLst>
+      <p:par>
+        <p:cTn id="1" dur="indefinite" restart="never" nodeType="tmRoot"/>
+      </p:par>
+    </p:tnLst>
+  </p:timing>
 </p:sld>
 </file>
 
@@ -5758,7 +4986,7 @@
           <a:p>
             <a:r>
               <a:rPr lang="en-AU" dirty="0" smtClean="0"/>
-              <a:t>Interventions into different populations</a:t>
+              <a:t>Acknowledgements	</a:t>
             </a:r>
             <a:endParaRPr lang="en-AU" dirty="0"/>
           </a:p>
@@ -5781,53 +5009,45 @@
           <a:p>
             <a:r>
               <a:rPr lang="en-AU" dirty="0" smtClean="0"/>
-              <a:t>These interventions involve 25 times more people than the FSW interventions</a:t>
-            </a:r>
-          </a:p>
-          <a:p>
+              <a:t>I would like to thank the Kirby Institute and the UNSW School of Mathematics for their support for this project, </a:t>
+            </a:r>
+            <a:r>
+              <a:rPr lang="en-US" dirty="0" smtClean="0"/>
+              <a:t>the Department of Education for sponsoring this program,</a:t>
+            </a:r>
             <a:r>
               <a:rPr lang="en-AU" dirty="0" smtClean="0"/>
-              <a:t>May be easier to implement </a:t>
-            </a:r>
-          </a:p>
-          <a:p>
-            <a:pPr lvl="1"/>
-            <a:r>
-              <a:rPr lang="en-AU" dirty="0" smtClean="0">
-                <a:solidFill>
-                  <a:schemeClr val="bg1">
-                    <a:lumMod val="65000"/>
-                  </a:schemeClr>
-                </a:solidFill>
-              </a:rPr>
-              <a:t>Politically more appealing</a:t>
-            </a:r>
-          </a:p>
-          <a:p>
-            <a:pPr lvl="1"/>
-            <a:r>
-              <a:rPr lang="en-AU" dirty="0" smtClean="0">
-                <a:solidFill>
-                  <a:schemeClr val="bg1">
-                    <a:lumMod val="65000"/>
-                  </a:schemeClr>
-                </a:solidFill>
-              </a:rPr>
-              <a:t>Less stigmatisation of FSW as “unclean”</a:t>
-            </a:r>
-          </a:p>
-          <a:p>
-            <a:pPr lvl="1"/>
-            <a:r>
-              <a:rPr lang="en-AU" dirty="0" smtClean="0">
-                <a:solidFill>
-                  <a:schemeClr val="bg1">
-                    <a:lumMod val="65000"/>
-                  </a:schemeClr>
-                </a:solidFill>
-              </a:rPr>
-              <a:t>Reaching a smaller fraction of the whole population is easier than reaching a larger fraction of a sub-population</a:t>
-            </a:r>
+              <a:t>and </a:t>
+            </a:r>
+            <a:r>
+              <a:rPr lang="en-US" dirty="0" smtClean="0"/>
+              <a:t>the Australian Mathematical Sciences Institute for sponsoring and </a:t>
+            </a:r>
+            <a:r>
+              <a:rPr lang="en-US" dirty="0" err="1" smtClean="0"/>
+              <a:t>organising</a:t>
+            </a:r>
+            <a:r>
+              <a:rPr lang="en-US" dirty="0" smtClean="0"/>
+              <a:t> the program. They did all the really hard work to prepare for this event - the </a:t>
+            </a:r>
+            <a:r>
+              <a:rPr lang="en-US" dirty="0" err="1" smtClean="0"/>
+              <a:t>maths</a:t>
+            </a:r>
+            <a:r>
+              <a:rPr lang="en-US" dirty="0" smtClean="0"/>
+              <a:t> is the </a:t>
+            </a:r>
+            <a:r>
+              <a:rPr lang="en-US" dirty="0" smtClean="0"/>
+              <a:t>fun part</a:t>
+            </a:r>
+            <a:r>
+              <a:rPr lang="en-US" dirty="0" smtClean="0"/>
+              <a:t>!</a:t>
+            </a:r>
+            <a:endParaRPr lang="en-AU" dirty="0"/>
           </a:p>
         </p:txBody>
       </p:sp>
@@ -5836,463 +5056,13 @@
   <p:clrMapOvr>
     <a:masterClrMapping/>
   </p:clrMapOvr>
-</p:sld>
-</file>
-
-<file path=ppt/slides/slide17.xml><?xml version="1.0" encoding="utf-8"?>
-<p:sld xmlns:a="http://schemas.openxmlformats.org/drawingml/2006/main" xmlns:r="http://schemas.openxmlformats.org/officeDocument/2006/relationships" xmlns:p="http://schemas.openxmlformats.org/presentationml/2006/main">
-  <p:cSld>
-    <p:spTree>
-      <p:nvGrpSpPr>
-        <p:cNvPr id="1" name=""/>
-        <p:cNvGrpSpPr/>
-        <p:nvPr/>
-      </p:nvGrpSpPr>
-      <p:grpSpPr>
-        <a:xfrm>
-          <a:off x="0" y="0"/>
-          <a:ext cx="0" cy="0"/>
-          <a:chOff x="0" y="0"/>
-          <a:chExt cx="0" cy="0"/>
-        </a:xfrm>
-      </p:grpSpPr>
-      <p:pic>
-        <p:nvPicPr>
-          <p:cNvPr id="4" name="Picture 3" descr="UBSTI allpop.png"/>
-          <p:cNvPicPr>
-            <a:picLocks noChangeAspect="1"/>
-          </p:cNvPicPr>
-          <p:nvPr/>
-        </p:nvPicPr>
-        <p:blipFill>
-          <a:blip r:embed="rId2"/>
-          <a:stretch>
-            <a:fillRect/>
-          </a:stretch>
-        </p:blipFill>
-        <p:spPr>
-          <a:xfrm>
-            <a:off x="6229134" y="1600201"/>
-            <a:ext cx="2914865" cy="1942025"/>
-          </a:xfrm>
-          <a:prstGeom prst="rect">
-            <a:avLst/>
-          </a:prstGeom>
-        </p:spPr>
-      </p:pic>
-      <p:pic>
-        <p:nvPicPr>
-          <p:cNvPr id="5" name="Picture 4" descr="UBSTI females.png"/>
-          <p:cNvPicPr>
-            <a:picLocks noChangeAspect="1"/>
-          </p:cNvPicPr>
-          <p:nvPr/>
-        </p:nvPicPr>
-        <p:blipFill>
-          <a:blip r:embed="rId3"/>
-          <a:stretch>
-            <a:fillRect/>
-          </a:stretch>
-        </p:blipFill>
-        <p:spPr>
-          <a:xfrm>
-            <a:off x="3171807" y="1600201"/>
-            <a:ext cx="2914865" cy="1942025"/>
-          </a:xfrm>
-          <a:prstGeom prst="rect">
-            <a:avLst/>
-          </a:prstGeom>
-        </p:spPr>
-      </p:pic>
-      <p:pic>
-        <p:nvPicPr>
-          <p:cNvPr id="6" name="Picture 5" descr="UBSTI males.png"/>
-          <p:cNvPicPr>
-            <a:picLocks noChangeAspect="1"/>
-          </p:cNvPicPr>
-          <p:nvPr/>
-        </p:nvPicPr>
-        <p:blipFill>
-          <a:blip r:embed="rId4"/>
-          <a:stretch>
-            <a:fillRect/>
-          </a:stretch>
-        </p:blipFill>
-        <p:spPr>
-          <a:xfrm>
-            <a:off x="1" y="1600201"/>
-            <a:ext cx="2914865" cy="1942025"/>
-          </a:xfrm>
-          <a:prstGeom prst="rect">
-            <a:avLst/>
-          </a:prstGeom>
-        </p:spPr>
-      </p:pic>
-      <p:pic>
-        <p:nvPicPr>
-          <p:cNvPr id="7" name="Picture 6" descr="HIV allpop.png"/>
-          <p:cNvPicPr>
-            <a:picLocks noChangeAspect="1"/>
-          </p:cNvPicPr>
-          <p:nvPr/>
-        </p:nvPicPr>
-        <p:blipFill>
-          <a:blip r:embed="rId5"/>
-          <a:stretch>
-            <a:fillRect/>
-          </a:stretch>
-        </p:blipFill>
-        <p:spPr>
-          <a:xfrm>
-            <a:off x="157201" y="3884138"/>
-            <a:ext cx="2914865" cy="1942025"/>
-          </a:xfrm>
-          <a:prstGeom prst="rect">
-            <a:avLst/>
-          </a:prstGeom>
-        </p:spPr>
-      </p:pic>
-      <p:pic>
-        <p:nvPicPr>
-          <p:cNvPr id="8" name="Picture 7" descr="HIV men.png"/>
-          <p:cNvPicPr>
-            <a:picLocks noChangeAspect="1"/>
-          </p:cNvPicPr>
-          <p:nvPr/>
-        </p:nvPicPr>
-        <p:blipFill>
-          <a:blip r:embed="rId6"/>
-          <a:stretch>
-            <a:fillRect/>
-          </a:stretch>
-        </p:blipFill>
-        <p:spPr>
-          <a:xfrm>
-            <a:off x="6229134" y="3884138"/>
-            <a:ext cx="2914865" cy="1942025"/>
-          </a:xfrm>
-          <a:prstGeom prst="rect">
-            <a:avLst/>
-          </a:prstGeom>
-        </p:spPr>
-      </p:pic>
-      <p:pic>
-        <p:nvPicPr>
-          <p:cNvPr id="9" name="Picture 8" descr="HIV women.png"/>
-          <p:cNvPicPr>
-            <a:picLocks noChangeAspect="1"/>
-          </p:cNvPicPr>
-          <p:nvPr/>
-        </p:nvPicPr>
-        <p:blipFill>
-          <a:blip r:embed="rId7"/>
-          <a:stretch>
-            <a:fillRect/>
-          </a:stretch>
-        </p:blipFill>
-        <p:spPr>
-          <a:xfrm>
-            <a:off x="3171807" y="3884138"/>
-            <a:ext cx="2914865" cy="1942025"/>
-          </a:xfrm>
-          <a:prstGeom prst="rect">
-            <a:avLst/>
-          </a:prstGeom>
-        </p:spPr>
-      </p:pic>
-      <p:sp>
-        <p:nvSpPr>
-          <p:cNvPr id="3" name="Content Placeholder 2"/>
-          <p:cNvSpPr>
-            <a:spLocks noGrp="1"/>
-          </p:cNvSpPr>
-          <p:nvPr>
-            <p:ph idx="1"/>
-          </p:nvPr>
-        </p:nvSpPr>
-        <p:spPr/>
-        <p:txBody>
-          <a:bodyPr/>
-          <a:lstStyle/>
-          <a:p>
-            <a:r>
-              <a:rPr lang="en-AU" dirty="0" smtClean="0"/>
-              <a:t>Achieve a similar effect</a:t>
-            </a:r>
-          </a:p>
-          <a:p>
-            <a:r>
-              <a:rPr lang="en-AU" dirty="0" smtClean="0"/>
-              <a:t>Intervention for females has more effect – females have higher prevalence, so more often treatment is effective</a:t>
-            </a:r>
-          </a:p>
-          <a:p>
-            <a:r>
-              <a:rPr lang="en-AU" dirty="0" smtClean="0"/>
-              <a:t>More sensitive to frequency than FSW</a:t>
-            </a:r>
-          </a:p>
-          <a:p>
-            <a:r>
-              <a:rPr lang="en-AU" dirty="0" smtClean="0"/>
-              <a:t>Combined intervention much less effective</a:t>
-            </a:r>
-          </a:p>
-        </p:txBody>
-      </p:sp>
-      <p:sp>
-        <p:nvSpPr>
-          <p:cNvPr id="2" name="Title 1"/>
-          <p:cNvSpPr>
-            <a:spLocks noGrp="1"/>
-          </p:cNvSpPr>
-          <p:nvPr>
-            <p:ph type="title"/>
-          </p:nvPr>
-        </p:nvSpPr>
-        <p:spPr/>
-        <p:txBody>
-          <a:bodyPr/>
-          <a:lstStyle/>
-          <a:p>
-            <a:r>
-              <a:rPr lang="en-AU" dirty="0" smtClean="0"/>
-              <a:t>UBSTI results, interventions into different populations</a:t>
-            </a:r>
-            <a:endParaRPr lang="en-AU" dirty="0"/>
-          </a:p>
-        </p:txBody>
-      </p:sp>
-    </p:spTree>
-    <p:extLst>
-      <p:ext uri="{BB962C8B-B14F-4D97-AF65-F5344CB8AC3E}">
-        <p14:creationId xmlns="" xmlns:p14="http://schemas.microsoft.com/office/powerpoint/2010/main" val="268161953"/>
-      </p:ext>
-    </p:extLst>
-  </p:cSld>
-  <p:clrMapOvr>
-    <a:masterClrMapping/>
-  </p:clrMapOvr>
-</p:sld>
-</file>
-
-<file path=ppt/slides/slide18.xml><?xml version="1.0" encoding="utf-8"?>
-<p:sld xmlns:a="http://schemas.openxmlformats.org/drawingml/2006/main" xmlns:r="http://schemas.openxmlformats.org/officeDocument/2006/relationships" xmlns:p="http://schemas.openxmlformats.org/presentationml/2006/main">
-  <p:cSld>
-    <p:spTree>
-      <p:nvGrpSpPr>
-        <p:cNvPr id="1" name=""/>
-        <p:cNvGrpSpPr/>
-        <p:nvPr/>
-      </p:nvGrpSpPr>
-      <p:grpSpPr>
-        <a:xfrm>
-          <a:off x="0" y="0"/>
-          <a:ext cx="0" cy="0"/>
-          <a:chOff x="0" y="0"/>
-          <a:chExt cx="0" cy="0"/>
-        </a:xfrm>
-      </p:grpSpPr>
-      <p:sp>
-        <p:nvSpPr>
-          <p:cNvPr id="2" name="Title 1"/>
-          <p:cNvSpPr>
-            <a:spLocks noGrp="1"/>
-          </p:cNvSpPr>
-          <p:nvPr>
-            <p:ph type="title"/>
-          </p:nvPr>
-        </p:nvSpPr>
-        <p:spPr/>
-        <p:txBody>
-          <a:bodyPr/>
-          <a:lstStyle/>
-          <a:p>
-            <a:r>
-              <a:rPr lang="en-AU" dirty="0" smtClean="0"/>
-              <a:t>Possible extensions to model</a:t>
-            </a:r>
-            <a:endParaRPr lang="en-AU" dirty="0"/>
-          </a:p>
-        </p:txBody>
-      </p:sp>
-      <p:sp>
-        <p:nvSpPr>
-          <p:cNvPr id="3" name="Content Placeholder 2"/>
-          <p:cNvSpPr>
-            <a:spLocks noGrp="1"/>
-          </p:cNvSpPr>
-          <p:nvPr>
-            <p:ph idx="1"/>
-          </p:nvPr>
-        </p:nvSpPr>
-        <p:spPr/>
-        <p:txBody>
-          <a:bodyPr/>
-          <a:lstStyle/>
-          <a:p>
-            <a:r>
-              <a:rPr lang="en-AU" dirty="0" smtClean="0"/>
-              <a:t>Build integrated model with interaction between USTI and HIV</a:t>
-            </a:r>
-          </a:p>
-          <a:p>
-            <a:r>
-              <a:rPr lang="en-AU" dirty="0" smtClean="0"/>
-              <a:t>Include multiple USTIs</a:t>
-            </a:r>
-          </a:p>
-          <a:p>
-            <a:r>
-              <a:rPr lang="en-AU" dirty="0" smtClean="0"/>
-              <a:t>Include bridging populations</a:t>
-            </a:r>
-          </a:p>
-          <a:p>
-            <a:r>
-              <a:rPr lang="en-AU" dirty="0" smtClean="0"/>
-              <a:t>Include information about disease stages</a:t>
-            </a:r>
-          </a:p>
-          <a:p>
-            <a:r>
-              <a:rPr lang="en-AU" dirty="0" smtClean="0"/>
-              <a:t>Model explicitly for development of resistance</a:t>
-            </a:r>
-          </a:p>
-          <a:p>
-            <a:endParaRPr lang="en-AU" dirty="0"/>
-          </a:p>
-        </p:txBody>
-      </p:sp>
-    </p:spTree>
-  </p:cSld>
-  <p:clrMapOvr>
-    <a:masterClrMapping/>
-  </p:clrMapOvr>
-</p:sld>
-</file>
-
-<file path=ppt/slides/slide19.xml><?xml version="1.0" encoding="utf-8"?>
-<p:sld xmlns:a="http://schemas.openxmlformats.org/drawingml/2006/main" xmlns:r="http://schemas.openxmlformats.org/officeDocument/2006/relationships" xmlns:p="http://schemas.openxmlformats.org/presentationml/2006/main">
-  <p:cSld>
-    <p:spTree>
-      <p:nvGrpSpPr>
-        <p:cNvPr id="1" name=""/>
-        <p:cNvGrpSpPr/>
-        <p:nvPr/>
-      </p:nvGrpSpPr>
-      <p:grpSpPr>
-        <a:xfrm>
-          <a:off x="0" y="0"/>
-          <a:ext cx="0" cy="0"/>
-          <a:chOff x="0" y="0"/>
-          <a:chExt cx="0" cy="0"/>
-        </a:xfrm>
-      </p:grpSpPr>
-      <p:sp>
-        <p:nvSpPr>
-          <p:cNvPr id="2" name="Title 1"/>
-          <p:cNvSpPr>
-            <a:spLocks noGrp="1"/>
-          </p:cNvSpPr>
-          <p:nvPr>
-            <p:ph type="title"/>
-          </p:nvPr>
-        </p:nvSpPr>
-        <p:spPr/>
-        <p:txBody>
-          <a:bodyPr/>
-          <a:lstStyle/>
-          <a:p>
-            <a:r>
-              <a:rPr lang="en-AU" dirty="0"/>
-              <a:t>Possible extensions to model</a:t>
-            </a:r>
-          </a:p>
-        </p:txBody>
-      </p:sp>
-      <p:sp>
-        <p:nvSpPr>
-          <p:cNvPr id="3" name="Content Placeholder 2"/>
-          <p:cNvSpPr>
-            <a:spLocks noGrp="1"/>
-          </p:cNvSpPr>
-          <p:nvPr>
-            <p:ph idx="1"/>
-          </p:nvPr>
-        </p:nvSpPr>
-        <p:spPr/>
-        <p:txBody>
-          <a:bodyPr/>
-          <a:lstStyle/>
-          <a:p>
-            <a:r>
-              <a:rPr lang="en-AU" dirty="0">
-                <a:solidFill>
-                  <a:schemeClr val="bg1">
-                    <a:lumMod val="65000"/>
-                  </a:schemeClr>
-                </a:solidFill>
-              </a:rPr>
-              <a:t>Include death rates, migration, </a:t>
-            </a:r>
-            <a:r>
-              <a:rPr lang="en-AU" dirty="0" smtClean="0">
-                <a:solidFill>
-                  <a:schemeClr val="bg1">
-                    <a:lumMod val="65000"/>
-                  </a:schemeClr>
-                </a:solidFill>
-              </a:rPr>
-              <a:t>regional difference in treatment, condom </a:t>
-            </a:r>
-            <a:r>
-              <a:rPr lang="en-AU" dirty="0">
-                <a:solidFill>
-                  <a:schemeClr val="bg1">
-                    <a:lumMod val="65000"/>
-                  </a:schemeClr>
-                </a:solidFill>
-              </a:rPr>
-              <a:t>use, </a:t>
-            </a:r>
-            <a:r>
-              <a:rPr lang="en-AU" dirty="0" smtClean="0">
-                <a:solidFill>
-                  <a:schemeClr val="bg1">
-                    <a:lumMod val="65000"/>
-                  </a:schemeClr>
-                </a:solidFill>
-              </a:rPr>
-              <a:t>explicit consideration of effect </a:t>
-            </a:r>
-            <a:r>
-              <a:rPr lang="en-AU" dirty="0">
-                <a:solidFill>
-                  <a:schemeClr val="bg1">
-                    <a:lumMod val="65000"/>
-                  </a:schemeClr>
-                </a:solidFill>
-              </a:rPr>
-              <a:t>of mother-to-child transmission and ante-natal care, starting and stopping PPT, starting and stopping sex work, age structure of treatment and effect on age-varying partnerships</a:t>
-            </a:r>
-          </a:p>
-          <a:p>
-            <a:endParaRPr lang="en-AU" dirty="0"/>
-          </a:p>
-        </p:txBody>
-      </p:sp>
-    </p:spTree>
-    <p:extLst>
-      <p:ext uri="{BB962C8B-B14F-4D97-AF65-F5344CB8AC3E}">
-        <p14:creationId xmlns="" xmlns:p14="http://schemas.microsoft.com/office/powerpoint/2010/main" val="3406016916"/>
-      </p:ext>
-    </p:extLst>
-  </p:cSld>
-  <p:clrMapOvr>
-    <a:masterClrMapping/>
-  </p:clrMapOvr>
+  <p:timing>
+    <p:tnLst>
+      <p:par>
+        <p:cTn id="1" dur="indefinite" restart="never" nodeType="tmRoot"/>
+      </p:par>
+    </p:tnLst>
+  </p:timing>
 </p:sld>
 </file>
 
@@ -6330,7 +5100,7 @@
           <a:p>
             <a:r>
               <a:rPr lang="en-AU" dirty="0" smtClean="0"/>
-              <a:t>Talk layout</a:t>
+              <a:t>Project outline</a:t>
             </a:r>
             <a:endParaRPr lang="en-AU" dirty="0"/>
           </a:p>
@@ -6351,50 +5121,122 @@
           <a:bodyPr/>
           <a:lstStyle/>
           <a:p>
+            <a:pPr indent="0">
+              <a:buNone/>
+            </a:pPr>
             <a:r>
               <a:rPr lang="en-AU" dirty="0" smtClean="0"/>
-              <a:t>Title slide</a:t>
-            </a:r>
-          </a:p>
-          <a:p>
-            <a:r>
-              <a:rPr lang="en-AU" dirty="0" smtClean="0"/>
-              <a:t>Introduction</a:t>
-            </a:r>
-          </a:p>
-          <a:p>
-            <a:r>
-              <a:rPr lang="en-AU" dirty="0" smtClean="0"/>
-              <a:t>Model</a:t>
-            </a:r>
-          </a:p>
-          <a:p>
-            <a:r>
-              <a:rPr lang="en-AU" dirty="0" smtClean="0"/>
-              <a:t>Results &amp; discussion</a:t>
-            </a:r>
-          </a:p>
-          <a:p>
-            <a:r>
-              <a:rPr lang="en-AU" dirty="0" smtClean="0"/>
-              <a:t>Conclusions</a:t>
-            </a:r>
-          </a:p>
-          <a:p>
-            <a:r>
-              <a:rPr lang="en-AU" dirty="0" smtClean="0"/>
-              <a:t>Acknowledgements</a:t>
-            </a:r>
-            <a:endParaRPr lang="en-AU" dirty="0"/>
+              <a:t>Modelling project considering HIV in Papua New Guinea, and a possible treatment program called </a:t>
+            </a:r>
+            <a:r>
+              <a:rPr lang="en-AU" i="1" dirty="0" smtClean="0"/>
+              <a:t>periodic presumptive treatment (PPT)</a:t>
+            </a:r>
+          </a:p>
+          <a:p>
+            <a:pPr>
+              <a:buNone/>
+            </a:pPr>
+            <a:endParaRPr lang="en-AU" dirty="0" smtClean="0"/>
+          </a:p>
+        </p:txBody>
+      </p:sp>
+      <p:pic>
+        <p:nvPicPr>
+          <p:cNvPr id="4" name="Picture 2" descr="http://wikitravel.org/upload/shared/7/70/PNG_Regions_map.png"/>
+          <p:cNvPicPr>
+            <a:picLocks noChangeAspect="1" noChangeArrowheads="1"/>
+          </p:cNvPicPr>
+          <p:nvPr/>
+        </p:nvPicPr>
+        <p:blipFill>
+          <a:blip r:embed="rId3">
+            <a:clrChange>
+              <a:clrFrom>
+                <a:srgbClr val="9CCEC9"/>
+              </a:clrFrom>
+              <a:clrTo>
+                <a:srgbClr val="9CCEC9">
+                  <a:alpha val="0"/>
+                </a:srgbClr>
+              </a:clrTo>
+            </a:clrChange>
+          </a:blip>
+          <a:srcRect/>
+          <a:stretch>
+            <a:fillRect/>
+          </a:stretch>
+        </p:blipFill>
+        <p:spPr bwMode="auto">
+          <a:xfrm>
+            <a:off x="2403134" y="3577960"/>
+            <a:ext cx="4774856" cy="2962999"/>
+          </a:xfrm>
+          <a:prstGeom prst="rect">
+            <a:avLst/>
+          </a:prstGeom>
+          <a:noFill/>
+        </p:spPr>
+      </p:pic>
+      <p:sp>
+        <p:nvSpPr>
+          <p:cNvPr id="5" name="TextBox 4"/>
+          <p:cNvSpPr txBox="1"/>
+          <p:nvPr/>
+        </p:nvSpPr>
+        <p:spPr>
+          <a:xfrm>
+            <a:off x="853944" y="5602240"/>
+            <a:ext cx="1549190" cy="938719"/>
+          </a:xfrm>
+          <a:prstGeom prst="rect">
+            <a:avLst/>
+          </a:prstGeom>
+          <a:noFill/>
+        </p:spPr>
+        <p:txBody>
+          <a:bodyPr wrap="square" rtlCol="0">
+            <a:spAutoFit/>
+          </a:bodyPr>
+          <a:lstStyle/>
+          <a:p>
+            <a:pPr algn="r"/>
+            <a:r>
+              <a:rPr lang="en-AU" sz="1100" dirty="0" smtClean="0"/>
+              <a:t>Image credit: </a:t>
+            </a:r>
+            <a:r>
+              <a:rPr lang="en-AU" sz="1100" dirty="0" err="1" smtClean="0"/>
+              <a:t>Burmesedays</a:t>
+            </a:r>
+            <a:r>
+              <a:rPr lang="en-AU" sz="1100" dirty="0" smtClean="0"/>
+              <a:t>, 2010. </a:t>
+            </a:r>
+            <a:r>
+              <a:rPr lang="en-AU" sz="1100" i="1" dirty="0" smtClean="0"/>
+              <a:t>PNG Regions Map.</a:t>
+            </a:r>
+            <a:r>
+              <a:rPr lang="en-AU" sz="1100" dirty="0" smtClean="0"/>
+              <a:t> </a:t>
+            </a:r>
+          </a:p>
+          <a:p>
+            <a:pPr algn="r"/>
+            <a:r>
+              <a:rPr lang="en-AU" sz="1100" dirty="0" smtClean="0"/>
+              <a:t>wikitravel.org/en/ </a:t>
+            </a:r>
+            <a:r>
+              <a:rPr lang="en-AU" sz="1100" dirty="0" err="1" smtClean="0"/>
+              <a:t>Papua_New_Guinea</a:t>
+            </a:r>
+            <a:endParaRPr lang="en-AU" sz="1100" dirty="0"/>
           </a:p>
         </p:txBody>
       </p:sp>
     </p:spTree>
-    <p:extLst>
-      <p:ext uri="{BB962C8B-B14F-4D97-AF65-F5344CB8AC3E}">
-        <p14:creationId xmlns="" xmlns:p14="http://schemas.microsoft.com/office/powerpoint/2010/main" val="2732096210"/>
-      </p:ext>
-    </p:extLst>
   </p:cSld>
   <p:clrMapOvr>
     <a:masterClrMapping/>
@@ -6406,209 +5248,6 @@
       </p:par>
     </p:tnLst>
   </p:timing>
-</p:sld>
-</file>
-
-<file path=ppt/slides/slide20.xml><?xml version="1.0" encoding="utf-8"?>
-<p:sld xmlns:a="http://schemas.openxmlformats.org/drawingml/2006/main" xmlns:r="http://schemas.openxmlformats.org/officeDocument/2006/relationships" xmlns:p="http://schemas.openxmlformats.org/presentationml/2006/main">
-  <p:cSld>
-    <p:spTree>
-      <p:nvGrpSpPr>
-        <p:cNvPr id="1" name=""/>
-        <p:cNvGrpSpPr/>
-        <p:nvPr/>
-      </p:nvGrpSpPr>
-      <p:grpSpPr>
-        <a:xfrm>
-          <a:off x="0" y="0"/>
-          <a:ext cx="0" cy="0"/>
-          <a:chOff x="0" y="0"/>
-          <a:chExt cx="0" cy="0"/>
-        </a:xfrm>
-      </p:grpSpPr>
-      <p:sp>
-        <p:nvSpPr>
-          <p:cNvPr id="2" name="Title 1"/>
-          <p:cNvSpPr>
-            <a:spLocks noGrp="1"/>
-          </p:cNvSpPr>
-          <p:nvPr>
-            <p:ph type="title"/>
-          </p:nvPr>
-        </p:nvSpPr>
-        <p:spPr/>
-        <p:txBody>
-          <a:bodyPr/>
-          <a:lstStyle/>
-          <a:p>
-            <a:r>
-              <a:rPr lang="en-AU" dirty="0" smtClean="0"/>
-              <a:t>Recommendations</a:t>
-            </a:r>
-            <a:endParaRPr lang="en-AU" dirty="0"/>
-          </a:p>
-        </p:txBody>
-      </p:sp>
-      <p:sp>
-        <p:nvSpPr>
-          <p:cNvPr id="3" name="Content Placeholder 2"/>
-          <p:cNvSpPr>
-            <a:spLocks noGrp="1"/>
-          </p:cNvSpPr>
-          <p:nvPr>
-            <p:ph idx="1"/>
-          </p:nvPr>
-        </p:nvSpPr>
-        <p:spPr/>
-        <p:txBody>
-          <a:bodyPr/>
-          <a:lstStyle/>
-          <a:p>
-            <a:r>
-              <a:rPr lang="en-AU" dirty="0" smtClean="0"/>
-              <a:t>PPT could be effective in PNG in wiping out UBSTI in urban settings</a:t>
-            </a:r>
-          </a:p>
-          <a:p>
-            <a:r>
-              <a:rPr lang="en-AU" dirty="0" smtClean="0"/>
-              <a:t>PPT has moderate impact on HIV levels</a:t>
-            </a:r>
-          </a:p>
-          <a:p>
-            <a:pPr lvl="1"/>
-            <a:r>
-              <a:rPr lang="en-AU" dirty="0" smtClean="0">
-                <a:solidFill>
-                  <a:schemeClr val="bg1">
-                    <a:lumMod val="65000"/>
-                  </a:schemeClr>
-                </a:solidFill>
-              </a:rPr>
-              <a:t>Likely there are more effective ways to reduce HIV if this is only objective, but certainly provides additional benefit if trying to lower UBSTIs already</a:t>
-            </a:r>
-          </a:p>
-          <a:p>
-            <a:r>
-              <a:rPr lang="en-AU" dirty="0" smtClean="0"/>
-              <a:t>Could combine PPT with rapid tests for those UBSTIs for which there is a moderate failure rate</a:t>
-            </a:r>
-          </a:p>
-          <a:p>
-            <a:r>
-              <a:rPr lang="en-AU" dirty="0" smtClean="0"/>
-              <a:t>Complete model is justified</a:t>
-            </a:r>
-          </a:p>
-          <a:p>
-            <a:endParaRPr lang="en-AU" dirty="0"/>
-          </a:p>
-        </p:txBody>
-      </p:sp>
-    </p:spTree>
-  </p:cSld>
-  <p:clrMapOvr>
-    <a:masterClrMapping/>
-  </p:clrMapOvr>
-</p:sld>
-</file>
-
-<file path=ppt/slides/slide21.xml><?xml version="1.0" encoding="utf-8"?>
-<p:sld xmlns:a="http://schemas.openxmlformats.org/drawingml/2006/main" xmlns:r="http://schemas.openxmlformats.org/officeDocument/2006/relationships" xmlns:p="http://schemas.openxmlformats.org/presentationml/2006/main">
-  <p:cSld>
-    <p:spTree>
-      <p:nvGrpSpPr>
-        <p:cNvPr id="1" name=""/>
-        <p:cNvGrpSpPr/>
-        <p:nvPr/>
-      </p:nvGrpSpPr>
-      <p:grpSpPr>
-        <a:xfrm>
-          <a:off x="0" y="0"/>
-          <a:ext cx="0" cy="0"/>
-          <a:chOff x="0" y="0"/>
-          <a:chExt cx="0" cy="0"/>
-        </a:xfrm>
-      </p:grpSpPr>
-      <p:sp>
-        <p:nvSpPr>
-          <p:cNvPr id="2" name="Title 1"/>
-          <p:cNvSpPr>
-            <a:spLocks noGrp="1"/>
-          </p:cNvSpPr>
-          <p:nvPr>
-            <p:ph type="title"/>
-          </p:nvPr>
-        </p:nvSpPr>
-        <p:spPr/>
-        <p:txBody>
-          <a:bodyPr/>
-          <a:lstStyle/>
-          <a:p>
-            <a:r>
-              <a:rPr lang="en-AU" dirty="0" smtClean="0"/>
-              <a:t>Acknowledgements	</a:t>
-            </a:r>
-            <a:endParaRPr lang="en-AU" dirty="0"/>
-          </a:p>
-        </p:txBody>
-      </p:sp>
-      <p:sp>
-        <p:nvSpPr>
-          <p:cNvPr id="3" name="Content Placeholder 2"/>
-          <p:cNvSpPr>
-            <a:spLocks noGrp="1"/>
-          </p:cNvSpPr>
-          <p:nvPr>
-            <p:ph idx="1"/>
-          </p:nvPr>
-        </p:nvSpPr>
-        <p:spPr/>
-        <p:txBody>
-          <a:bodyPr/>
-          <a:lstStyle/>
-          <a:p>
-            <a:r>
-              <a:rPr lang="en-AU" dirty="0" smtClean="0"/>
-              <a:t>I would like to thank the Kirby Institute and the UNSW School of Mathematics for their support for this project, </a:t>
-            </a:r>
-            <a:r>
-              <a:rPr lang="en-US" dirty="0" smtClean="0"/>
-              <a:t>the Department of Education for sponsoring this program,</a:t>
-            </a:r>
-            <a:r>
-              <a:rPr lang="en-AU" dirty="0" smtClean="0"/>
-              <a:t>and </a:t>
-            </a:r>
-            <a:r>
-              <a:rPr lang="en-US" dirty="0" smtClean="0"/>
-              <a:t>the Australian Mathematical Sciences Institute for sponsoring and </a:t>
-            </a:r>
-            <a:r>
-              <a:rPr lang="en-US" dirty="0" err="1" smtClean="0"/>
-              <a:t>organising</a:t>
-            </a:r>
-            <a:r>
-              <a:rPr lang="en-US" dirty="0" smtClean="0"/>
-              <a:t> the program. They did all the really hard work to prepare for this event - the </a:t>
-            </a:r>
-            <a:r>
-              <a:rPr lang="en-US" dirty="0" err="1" smtClean="0"/>
-              <a:t>maths</a:t>
-            </a:r>
-            <a:r>
-              <a:rPr lang="en-US" dirty="0" smtClean="0"/>
-              <a:t> is the easy part!</a:t>
-            </a:r>
-            <a:endParaRPr lang="en-AU" dirty="0"/>
-          </a:p>
-        </p:txBody>
-      </p:sp>
-    </p:spTree>
-  </p:cSld>
-  <p:clrMapOvr>
-    <a:masterClrMapping/>
-  </p:clrMapOvr>
 </p:sld>
 </file>
 
@@ -6646,7 +5285,7 @@
           <a:p>
             <a:r>
               <a:rPr lang="en-AU" dirty="0" smtClean="0"/>
-              <a:t>Intro</a:t>
+              <a:t>STIs and HIV</a:t>
             </a:r>
             <a:endParaRPr lang="en-AU" dirty="0"/>
           </a:p>
@@ -6669,46 +5308,162 @@
           <a:p>
             <a:r>
               <a:rPr lang="en-AU" dirty="0" smtClean="0"/>
-              <a:t>This is PNG</a:t>
+              <a:t>STIs and HIV</a:t>
+            </a:r>
+          </a:p>
+          <a:p>
+            <a:r>
+              <a:rPr lang="en-AU" dirty="0" smtClean="0"/>
+              <a:t>Levels of STIs</a:t>
             </a:r>
           </a:p>
           <a:p>
             <a:pPr lvl="1"/>
             <a:r>
               <a:rPr lang="en-AU" dirty="0" smtClean="0"/>
-              <a:t>Location, size</a:t>
-            </a:r>
-          </a:p>
-          <a:p>
-            <a:pPr lvl="1"/>
+              <a:t>Syphilis: males 5.03, females 7.86, female sex workers (FSW) 31.14</a:t>
+            </a:r>
+          </a:p>
+          <a:p>
             <a:r>
               <a:rPr lang="en-AU" dirty="0" smtClean="0"/>
-              <a:t>HIV level</a:t>
-            </a:r>
-          </a:p>
-          <a:p>
-            <a:r>
-              <a:rPr lang="en-AU" dirty="0" smtClean="0"/>
-              <a:t>HIV</a:t>
-            </a:r>
-          </a:p>
-          <a:p>
-            <a:pPr lvl="1"/>
-            <a:r>
-              <a:rPr lang="en-AU" dirty="0" smtClean="0"/>
-              <a:t>Uncurable, but can be suppressed</a:t>
-            </a:r>
-          </a:p>
-          <a:p>
-            <a:pPr lvl="1"/>
-            <a:r>
-              <a:rPr lang="en-AU" dirty="0" smtClean="0"/>
-              <a:t>HIV death rate</a:t>
-            </a:r>
-          </a:p>
-          <a:p>
-            <a:pPr lvl="1"/>
-            <a:endParaRPr lang="en-AU" dirty="0" smtClean="0"/>
+              <a:t>Asymptomatic STIs</a:t>
+            </a:r>
+            <a:endParaRPr lang="en-AU" dirty="0"/>
+          </a:p>
+        </p:txBody>
+      </p:sp>
+      <p:sp>
+        <p:nvSpPr>
+          <p:cNvPr id="4" name="TextBox 3"/>
+          <p:cNvSpPr txBox="1"/>
+          <p:nvPr/>
+        </p:nvSpPr>
+        <p:spPr>
+          <a:xfrm>
+            <a:off x="853943" y="5602240"/>
+            <a:ext cx="6899407" cy="769441"/>
+          </a:xfrm>
+          <a:prstGeom prst="rect">
+            <a:avLst/>
+          </a:prstGeom>
+          <a:noFill/>
+        </p:spPr>
+        <p:txBody>
+          <a:bodyPr wrap="square" rtlCol="0">
+            <a:spAutoFit/>
+          </a:bodyPr>
+          <a:lstStyle/>
+          <a:p>
+            <a:pPr algn="r"/>
+            <a:r>
+              <a:rPr lang="en-AU" sz="1100" dirty="0" smtClean="0"/>
+              <a:t>Source</a:t>
+            </a:r>
+            <a:r>
+              <a:rPr lang="en-AU" sz="1100" dirty="0" smtClean="0"/>
+              <a:t>: </a:t>
+            </a:r>
+            <a:r>
+              <a:rPr lang="en-AU" sz="1100" dirty="0" err="1" smtClean="0"/>
+              <a:t>Vallely</a:t>
+            </a:r>
+            <a:r>
+              <a:rPr lang="en-AU" sz="1100" dirty="0" smtClean="0"/>
+              <a:t>, </a:t>
+            </a:r>
+            <a:r>
+              <a:rPr lang="en-AU" sz="1100" dirty="0" smtClean="0"/>
+              <a:t>Andrew; </a:t>
+            </a:r>
+            <a:r>
+              <a:rPr lang="en-AU" sz="1100" dirty="0" smtClean="0"/>
+              <a:t>Page, Andrew; Dias, Shannon; </a:t>
+            </a:r>
+            <a:r>
+              <a:rPr lang="en-AU" sz="1100" dirty="0" err="1" smtClean="0"/>
+              <a:t>Siba</a:t>
+            </a:r>
+            <a:r>
+              <a:rPr lang="en-AU" sz="1100" dirty="0" smtClean="0"/>
+              <a:t>, Peter; </a:t>
+            </a:r>
+            <a:r>
+              <a:rPr lang="en-AU" sz="1100" dirty="0" err="1" smtClean="0"/>
+              <a:t>Lupiwa</a:t>
+            </a:r>
+            <a:r>
+              <a:rPr lang="en-AU" sz="1100" dirty="0" smtClean="0"/>
+              <a:t>, Tony; Law, Greg; </a:t>
+            </a:r>
+            <a:r>
+              <a:rPr lang="en-AU" sz="1100" dirty="0" err="1" smtClean="0"/>
+              <a:t>Millan</a:t>
+            </a:r>
+            <a:r>
+              <a:rPr lang="en-AU" sz="1100" dirty="0" smtClean="0"/>
+              <a:t>, John; </a:t>
+            </a:r>
+            <a:r>
+              <a:rPr lang="en-AU" sz="1100" dirty="0" smtClean="0"/>
+              <a:t>Wilson, David </a:t>
+            </a:r>
+            <a:r>
+              <a:rPr lang="en-AU" sz="1100" dirty="0" smtClean="0"/>
+              <a:t>P.; Murray, John M.; </a:t>
+            </a:r>
+            <a:r>
+              <a:rPr lang="en-AU" sz="1100" dirty="0" err="1" smtClean="0"/>
+              <a:t>Toole</a:t>
+            </a:r>
+            <a:r>
+              <a:rPr lang="en-AU" sz="1100" dirty="0" smtClean="0"/>
+              <a:t>, Michael; </a:t>
+            </a:r>
+            <a:r>
+              <a:rPr lang="en-AU" sz="1100" dirty="0" err="1" smtClean="0"/>
+              <a:t>Kaldor</a:t>
+            </a:r>
+            <a:r>
+              <a:rPr lang="en-AU" sz="1100" dirty="0" smtClean="0"/>
+              <a:t>, John M</a:t>
+            </a:r>
+            <a:r>
+              <a:rPr lang="en-AU" sz="1100" dirty="0" smtClean="0"/>
+              <a:t>. 2010</a:t>
+            </a:r>
+            <a:r>
+              <a:rPr lang="en-AU" sz="1100" dirty="0" smtClean="0"/>
+              <a:t>. “The Prevalence of Sexually </a:t>
+            </a:r>
+            <a:r>
+              <a:rPr lang="en-AU" sz="1100" dirty="0" smtClean="0"/>
+              <a:t>Transmitted Infections </a:t>
+            </a:r>
+            <a:r>
+              <a:rPr lang="en-AU" sz="1100" dirty="0" smtClean="0"/>
+              <a:t>in Papua New Guinea: A Systematic Review and </a:t>
+            </a:r>
+            <a:r>
+              <a:rPr lang="en-AU" sz="1100" dirty="0" smtClean="0"/>
+              <a:t>Meta-Analysis”, in  </a:t>
+            </a:r>
+            <a:r>
+              <a:rPr lang="en-AU" sz="1100" i="1" dirty="0" err="1" smtClean="0"/>
+              <a:t>PLoS</a:t>
+            </a:r>
+            <a:r>
+              <a:rPr lang="en-AU" sz="1100" i="1" dirty="0" smtClean="0"/>
+              <a:t> ONE</a:t>
+            </a:r>
+            <a:r>
+              <a:rPr lang="en-AU" sz="1100" dirty="0" smtClean="0"/>
+              <a:t>, Vol. 5 Issue 12</a:t>
+            </a:r>
+          </a:p>
+          <a:p>
+            <a:pPr algn="r"/>
+            <a:endParaRPr lang="en-AU" sz="1100" dirty="0"/>
           </a:p>
         </p:txBody>
       </p:sp>
@@ -6761,7 +5516,11 @@
           <a:p>
             <a:r>
               <a:rPr lang="en-AU" dirty="0" smtClean="0"/>
-              <a:t>Ulcerating STIs and HIV</a:t>
+              <a:t>Periodic presumptive </a:t>
+            </a:r>
+            <a:r>
+              <a:rPr lang="en-AU" dirty="0" smtClean="0"/>
+              <a:t>treatment (PPT)</a:t>
             </a:r>
             <a:endParaRPr lang="en-AU" dirty="0"/>
           </a:p>
@@ -6784,98 +5543,25 @@
           <a:p>
             <a:r>
               <a:rPr lang="en-AU" dirty="0" smtClean="0"/>
-              <a:t>Some STIs make people more likely to receive or transmit HIV</a:t>
-            </a:r>
-          </a:p>
-          <a:p>
-            <a:r>
-              <a:rPr lang="en-AU" i="1" dirty="0" smtClean="0"/>
-              <a:t>Ulcerating STIs</a:t>
+              <a:t>Why PPT</a:t>
             </a:r>
           </a:p>
           <a:p>
             <a:r>
               <a:rPr lang="en-AU" dirty="0" smtClean="0"/>
-              <a:t>Main ulcerating STIs in PNG</a:t>
-            </a:r>
-          </a:p>
-          <a:p>
-            <a:pPr lvl="1"/>
-            <a:r>
-              <a:rPr lang="en-AU" dirty="0" smtClean="0">
-                <a:solidFill>
-                  <a:schemeClr val="bg1">
-                    <a:lumMod val="65000"/>
-                  </a:schemeClr>
-                </a:solidFill>
-              </a:rPr>
-              <a:t>Viral </a:t>
-            </a:r>
-            <a:r>
-              <a:rPr lang="en-AU" dirty="0" err="1" smtClean="0">
-                <a:solidFill>
-                  <a:schemeClr val="bg1">
-                    <a:lumMod val="65000"/>
-                  </a:schemeClr>
-                </a:solidFill>
-              </a:rPr>
-              <a:t>vs</a:t>
-            </a:r>
-            <a:r>
-              <a:rPr lang="en-AU" dirty="0" smtClean="0">
-                <a:solidFill>
-                  <a:schemeClr val="bg1">
-                    <a:lumMod val="65000"/>
-                  </a:schemeClr>
-                </a:solidFill>
-              </a:rPr>
-              <a:t> bacterial</a:t>
-            </a:r>
-          </a:p>
-          <a:p>
-            <a:pPr lvl="1"/>
-            <a:r>
-              <a:rPr lang="en-AU" dirty="0" smtClean="0">
-                <a:solidFill>
-                  <a:schemeClr val="bg1">
-                    <a:lumMod val="65000"/>
-                  </a:schemeClr>
-                </a:solidFill>
-              </a:rPr>
-              <a:t>Syphilis, yaws, </a:t>
-            </a:r>
-            <a:r>
-              <a:rPr lang="en-AU" dirty="0" err="1" smtClean="0">
-                <a:solidFill>
-                  <a:schemeClr val="bg1">
-                    <a:lumMod val="65000"/>
-                  </a:schemeClr>
-                </a:solidFill>
-              </a:rPr>
-              <a:t>chancroid</a:t>
-            </a:r>
-            <a:r>
-              <a:rPr lang="en-AU" dirty="0" smtClean="0">
-                <a:solidFill>
-                  <a:schemeClr val="bg1">
-                    <a:lumMod val="65000"/>
-                  </a:schemeClr>
-                </a:solidFill>
-              </a:rPr>
-              <a:t> </a:t>
-            </a:r>
+              <a:t>What is PPT</a:t>
+            </a:r>
+            <a:endParaRPr lang="en-AU" dirty="0" smtClean="0"/>
           </a:p>
           <a:p>
             <a:r>
               <a:rPr lang="en-AU" dirty="0" smtClean="0"/>
-              <a:t>How big is this effect</a:t>
-            </a:r>
-          </a:p>
-          <a:p>
-            <a:r>
-              <a:rPr lang="en-AU" dirty="0" smtClean="0"/>
-              <a:t>Some ulcerating STIs often don’t have symptoms</a:t>
-            </a:r>
+              <a:t>Past experiences</a:t>
+            </a:r>
+            <a:endParaRPr lang="en-AU" dirty="0" smtClean="0"/>
+          </a:p>
+          <a:p>
+            <a:endParaRPr lang="en-AU" dirty="0" smtClean="0"/>
           </a:p>
           <a:p>
             <a:endParaRPr lang="en-AU" dirty="0"/>
@@ -6924,14 +5610,19 @@
             <p:ph type="title"/>
           </p:nvPr>
         </p:nvSpPr>
-        <p:spPr/>
+        <p:spPr>
+          <a:xfrm>
+            <a:off x="457200" y="282195"/>
+            <a:ext cx="8229600" cy="1143000"/>
+          </a:xfrm>
+        </p:spPr>
         <p:txBody>
           <a:bodyPr/>
           <a:lstStyle/>
           <a:p>
             <a:r>
               <a:rPr lang="en-AU" dirty="0" smtClean="0"/>
-              <a:t>Periodic presumptive treatment</a:t>
+              <a:t>Model approach</a:t>
             </a:r>
             <a:endParaRPr lang="en-AU" dirty="0"/>
           </a:p>
@@ -6954,110 +5645,19 @@
           <a:p>
             <a:r>
               <a:rPr lang="en-AU" dirty="0" smtClean="0"/>
-              <a:t>How it works</a:t>
-            </a:r>
-          </a:p>
-          <a:p>
-            <a:pPr lvl="1"/>
-            <a:r>
-              <a:rPr lang="en-AU" dirty="0" smtClean="0">
-                <a:solidFill>
-                  <a:schemeClr val="bg1">
-                    <a:lumMod val="65000"/>
-                  </a:schemeClr>
-                </a:solidFill>
-              </a:rPr>
-              <a:t>‘Presumptive’</a:t>
-            </a:r>
-          </a:p>
-          <a:p>
-            <a:pPr lvl="1"/>
-            <a:r>
-              <a:rPr lang="en-AU" dirty="0" smtClean="0">
-                <a:solidFill>
-                  <a:schemeClr val="bg1">
-                    <a:lumMod val="65000"/>
-                  </a:schemeClr>
-                </a:solidFill>
-              </a:rPr>
-              <a:t>‘Periodic’</a:t>
-            </a:r>
-          </a:p>
-          <a:p>
-            <a:pPr lvl="1"/>
-            <a:r>
-              <a:rPr lang="en-AU" dirty="0" smtClean="0">
-                <a:solidFill>
-                  <a:schemeClr val="bg1">
-                    <a:lumMod val="65000"/>
-                  </a:schemeClr>
-                </a:solidFill>
-              </a:rPr>
-              <a:t>Feedback</a:t>
+              <a:t>Build a model for STIs</a:t>
             </a:r>
           </a:p>
           <a:p>
             <a:r>
               <a:rPr lang="en-AU" dirty="0" smtClean="0"/>
-              <a:t>Problems</a:t>
-            </a:r>
-            <a:endParaRPr lang="en-AU" dirty="0" smtClean="0">
-              <a:solidFill>
-                <a:schemeClr val="bg1">
-                  <a:lumMod val="65000"/>
-                </a:schemeClr>
-              </a:solidFill>
-            </a:endParaRPr>
-          </a:p>
-          <a:p>
-            <a:pPr lvl="1"/>
-            <a:r>
-              <a:rPr lang="en-AU" dirty="0" smtClean="0">
-                <a:solidFill>
-                  <a:schemeClr val="bg1">
-                    <a:lumMod val="65000"/>
-                  </a:schemeClr>
-                </a:solidFill>
-              </a:rPr>
-              <a:t>Expensive</a:t>
-            </a:r>
-          </a:p>
-          <a:p>
-            <a:pPr lvl="1"/>
-            <a:r>
-              <a:rPr lang="en-AU" dirty="0" smtClean="0">
-                <a:solidFill>
-                  <a:schemeClr val="bg1">
-                    <a:lumMod val="65000"/>
-                  </a:schemeClr>
-                </a:solidFill>
-              </a:rPr>
-              <a:t>Risk of drug-resistant bacteria</a:t>
-            </a:r>
-          </a:p>
-          <a:p>
+              <a:t>Feed into existing model for </a:t>
+            </a:r>
             <a:r>
               <a:rPr lang="en-AU" dirty="0" smtClean="0"/>
-              <a:t>Stop-gap measure</a:t>
-            </a:r>
-          </a:p>
-          <a:p>
-            <a:r>
-              <a:rPr lang="en-AU" dirty="0" smtClean="0"/>
-              <a:t>HIV never observed to fall</a:t>
-            </a:r>
-          </a:p>
-          <a:p>
-            <a:r>
-              <a:rPr lang="en-AU" dirty="0" smtClean="0"/>
-              <a:t>We need to build a model</a:t>
-            </a:r>
-          </a:p>
-          <a:p>
+              <a:t>HIV</a:t>
+            </a:r>
             <a:endParaRPr lang="en-AU" dirty="0" smtClean="0"/>
-          </a:p>
-          <a:p>
-            <a:endParaRPr lang="en-AU" dirty="0"/>
           </a:p>
         </p:txBody>
       </p:sp>
@@ -7110,7 +5710,7 @@
           <a:p>
             <a:r>
               <a:rPr lang="en-AU" dirty="0" smtClean="0"/>
-              <a:t>PNG HIV Model</a:t>
+              <a:t>Description of calibration stage</a:t>
             </a:r>
             <a:endParaRPr lang="en-AU" dirty="0"/>
           </a:p>
@@ -7133,21 +5733,46 @@
           <a:p>
             <a:r>
               <a:rPr lang="en-AU" dirty="0" smtClean="0"/>
-              <a:t>Discrete, compartmental, deterministic homogenous mixing model to simulate HIV transmission</a:t>
+              <a:t>Two model runs (urban, rural)</a:t>
             </a:r>
           </a:p>
           <a:p>
             <a:r>
               <a:rPr lang="en-AU" dirty="0" smtClean="0"/>
-              <a:t>One input is USTI levels in each population – these are constant for the calibration period, but the model also allows for projections with different USTI levels</a:t>
-            </a:r>
-          </a:p>
-          <a:p>
+              <a:t>Sub-populations (general females, FSW, general males, MSMW)</a:t>
+            </a:r>
             <a:endParaRPr lang="en-AU" dirty="0"/>
           </a:p>
+          <a:p>
+            <a:r>
+              <a:rPr lang="en-AU" dirty="0" smtClean="0"/>
+              <a:t>Proportions susceptible and infected</a:t>
+            </a:r>
+            <a:endParaRPr lang="en-AU" dirty="0" smtClean="0"/>
+          </a:p>
+          <a:p>
+            <a:r>
+              <a:rPr lang="en-AU" dirty="0" smtClean="0"/>
+              <a:t>Calibrated to equilibrium</a:t>
+            </a:r>
+            <a:endParaRPr lang="en-AU" dirty="0" smtClean="0"/>
+          </a:p>
+          <a:p>
+            <a:pPr lvl="1"/>
+            <a:endParaRPr lang="en-AU" dirty="0" smtClean="0"/>
+          </a:p>
+          <a:p>
+            <a:pPr lvl="1"/>
+            <a:endParaRPr lang="en-AU" dirty="0"/>
+          </a:p>
         </p:txBody>
       </p:sp>
     </p:spTree>
+    <p:extLst>
+      <p:ext uri="{BB962C8B-B14F-4D97-AF65-F5344CB8AC3E}">
+        <p14:creationId xmlns:p14="http://schemas.microsoft.com/office/powerpoint/2010/main" xmlns="" val="1702900212"/>
+      </p:ext>
+    </p:extLst>
   </p:cSld>
   <p:clrMapOvr>
     <a:masterClrMapping/>
@@ -7179,6 +5804,763 @@
           <a:chExt cx="0" cy="0"/>
         </a:xfrm>
       </p:grpSpPr>
+      <p:pic>
+        <p:nvPicPr>
+          <p:cNvPr id="13316" name="Picture 1"/>
+          <p:cNvPicPr>
+            <a:picLocks noChangeAspect="1" noChangeArrowheads="1"/>
+          </p:cNvPicPr>
+          <p:nvPr/>
+        </p:nvPicPr>
+        <p:blipFill>
+          <a:blip r:embed="rId2"/>
+          <a:srcRect/>
+          <a:stretch>
+            <a:fillRect/>
+          </a:stretch>
+        </p:blipFill>
+        <p:spPr bwMode="auto">
+          <a:xfrm>
+            <a:off x="-3406396" y="1648220"/>
+            <a:ext cx="15956793" cy="1787314"/>
+          </a:xfrm>
+          <a:prstGeom prst="rect">
+            <a:avLst/>
+          </a:prstGeom>
+          <a:solidFill>
+            <a:schemeClr val="bg1"/>
+          </a:solidFill>
+        </p:spPr>
+      </p:pic>
+      <p:pic>
+        <p:nvPicPr>
+          <p:cNvPr id="13315" name="Picture 2"/>
+          <p:cNvPicPr>
+            <a:picLocks noChangeAspect="1" noChangeArrowheads="1"/>
+          </p:cNvPicPr>
+          <p:nvPr/>
+        </p:nvPicPr>
+        <p:blipFill>
+          <a:blip r:embed="rId3"/>
+          <a:srcRect/>
+          <a:stretch>
+            <a:fillRect/>
+          </a:stretch>
+        </p:blipFill>
+        <p:spPr bwMode="auto">
+          <a:xfrm>
+            <a:off x="-3406396" y="1648220"/>
+            <a:ext cx="15956793" cy="1787314"/>
+          </a:xfrm>
+          <a:prstGeom prst="rect">
+            <a:avLst/>
+          </a:prstGeom>
+          <a:solidFill>
+            <a:schemeClr val="bg1"/>
+          </a:solidFill>
+        </p:spPr>
+      </p:pic>
+      <p:pic>
+        <p:nvPicPr>
+          <p:cNvPr id="13314" name="Picture 4"/>
+          <p:cNvPicPr>
+            <a:picLocks noChangeAspect="1" noChangeArrowheads="1"/>
+          </p:cNvPicPr>
+          <p:nvPr/>
+        </p:nvPicPr>
+        <p:blipFill>
+          <a:blip r:embed="rId4"/>
+          <a:srcRect/>
+          <a:stretch>
+            <a:fillRect/>
+          </a:stretch>
+        </p:blipFill>
+        <p:spPr bwMode="auto">
+          <a:xfrm>
+            <a:off x="-588455" y="1648238"/>
+            <a:ext cx="10320910" cy="1787292"/>
+          </a:xfrm>
+          <a:prstGeom prst="rect">
+            <a:avLst/>
+          </a:prstGeom>
+          <a:solidFill>
+            <a:schemeClr val="bg1"/>
+          </a:solidFill>
+        </p:spPr>
+      </p:pic>
+      <p:pic>
+        <p:nvPicPr>
+          <p:cNvPr id="13313" name="Picture 5"/>
+          <p:cNvPicPr>
+            <a:picLocks noChangeAspect="1" noChangeArrowheads="1"/>
+          </p:cNvPicPr>
+          <p:nvPr/>
+        </p:nvPicPr>
+        <p:blipFill>
+          <a:blip r:embed="rId5"/>
+          <a:srcRect/>
+          <a:stretch>
+            <a:fillRect/>
+          </a:stretch>
+        </p:blipFill>
+        <p:spPr bwMode="auto">
+          <a:xfrm>
+            <a:off x="-3406396" y="1648220"/>
+            <a:ext cx="15956793" cy="1787314"/>
+          </a:xfrm>
+          <a:prstGeom prst="rect">
+            <a:avLst/>
+          </a:prstGeom>
+          <a:solidFill>
+            <a:schemeClr val="bg1"/>
+          </a:solidFill>
+        </p:spPr>
+      </p:pic>
+      <p:sp>
+        <p:nvSpPr>
+          <p:cNvPr id="3" name="Content Placeholder 2"/>
+          <p:cNvSpPr>
+            <a:spLocks noGrp="1"/>
+          </p:cNvSpPr>
+          <p:nvPr>
+            <p:ph idx="1"/>
+          </p:nvPr>
+        </p:nvSpPr>
+        <p:spPr/>
+        <p:txBody>
+          <a:bodyPr/>
+          <a:lstStyle/>
+          <a:p>
+            <a:pPr>
+              <a:lnSpc>
+                <a:spcPct val="115000"/>
+              </a:lnSpc>
+              <a:spcAft>
+                <a:spcPts val="1000"/>
+              </a:spcAft>
+            </a:pPr>
+            <a:endParaRPr lang="en-AU" dirty="0" smtClean="0">
+              <a:ea typeface="Times New Roman"/>
+              <a:cs typeface="Times New Roman"/>
+            </a:endParaRPr>
+          </a:p>
+          <a:p>
+            <a:endParaRPr lang="en-AU" dirty="0"/>
+          </a:p>
+        </p:txBody>
+      </p:sp>
+      <p:sp>
+        <p:nvSpPr>
+          <p:cNvPr id="6" name="Content Placeholder 2"/>
+          <p:cNvSpPr txBox="1">
+            <a:spLocks/>
+          </p:cNvSpPr>
+          <p:nvPr/>
+        </p:nvSpPr>
+        <p:spPr bwMode="auto">
+          <a:xfrm>
+            <a:off x="609600" y="1752600"/>
+            <a:ext cx="8229600" cy="4525963"/>
+          </a:xfrm>
+          <a:prstGeom prst="rect">
+            <a:avLst/>
+          </a:prstGeom>
+          <a:noFill/>
+          <a:ln>
+            <a:noFill/>
+          </a:ln>
+          <a:extLst>
+            <a:ext uri="{909E8E84-426E-40DD-AFC4-6F175D3DCCD1}">
+              <a14:hiddenFill xmlns:a14="http://schemas.microsoft.com/office/drawing/2010/main" xmlns="">
+                <a:solidFill>
+                  <a:srgbClr val="FFFFFF"/>
+                </a:solidFill>
+              </a14:hiddenFill>
+            </a:ext>
+            <a:ext uri="{91240B29-F687-4F45-9708-019B960494DF}">
+              <a14:hiddenLine xmlns:a14="http://schemas.microsoft.com/office/drawing/2010/main" xmlns="" w="9525">
+                <a:solidFill>
+                  <a:srgbClr val="000000"/>
+                </a:solidFill>
+                <a:miter lim="800000"/>
+                <a:headEnd/>
+                <a:tailEnd/>
+              </a14:hiddenLine>
+            </a:ext>
+          </a:extLst>
+        </p:spPr>
+        <p:txBody>
+          <a:bodyPr vert="horz" wrap="square" lIns="91440" tIns="45720" rIns="91440" bIns="45720" numCol="1" anchor="t" anchorCtr="0" compatLnSpc="1">
+            <a:prstTxWarp prst="textNoShape">
+              <a:avLst/>
+            </a:prstTxWarp>
+          </a:bodyPr>
+          <a:lstStyle/>
+          <a:p>
+            <a:pPr marL="342900" marR="0" lvl="0" indent="-342900" algn="l" defTabSz="457200" rtl="0" eaLnBrk="1" fontAlgn="base" latinLnBrk="0" hangingPunct="1">
+              <a:lnSpc>
+                <a:spcPct val="100000"/>
+              </a:lnSpc>
+              <a:spcBef>
+                <a:spcPct val="20000"/>
+              </a:spcBef>
+              <a:spcAft>
+                <a:spcPct val="0"/>
+              </a:spcAft>
+              <a:buClrTx/>
+              <a:buSzTx/>
+              <a:buFont typeface="Arial" charset="0"/>
+              <a:buChar char="•"/>
+              <a:tabLst/>
+              <a:defRPr/>
+            </a:pPr>
+            <a:endParaRPr lang="en-AU" sz="3200" dirty="0" smtClean="0">
+              <a:latin typeface="+mn-lt"/>
+              <a:cs typeface="+mn-cs"/>
+            </a:endParaRPr>
+          </a:p>
+          <a:p>
+            <a:pPr marL="342900" marR="0" lvl="0" indent="-342900" algn="l" defTabSz="457200" rtl="0" eaLnBrk="1" fontAlgn="base" latinLnBrk="0" hangingPunct="1">
+              <a:lnSpc>
+                <a:spcPct val="100000"/>
+              </a:lnSpc>
+              <a:spcBef>
+                <a:spcPct val="20000"/>
+              </a:spcBef>
+              <a:spcAft>
+                <a:spcPct val="0"/>
+              </a:spcAft>
+              <a:buClrTx/>
+              <a:buSzTx/>
+              <a:buFont typeface="Arial" charset="0"/>
+              <a:buChar char="•"/>
+              <a:tabLst/>
+              <a:defRPr/>
+            </a:pPr>
+            <a:endParaRPr kumimoji="0" lang="en-AU" sz="3200" b="0" i="0" u="none" strike="noStrike" kern="1200" cap="none" spc="0" normalizeH="0" baseline="0" noProof="0" dirty="0" smtClean="0">
+              <a:ln>
+                <a:noFill/>
+              </a:ln>
+              <a:solidFill>
+                <a:schemeClr val="tx1"/>
+              </a:solidFill>
+              <a:effectLst/>
+              <a:uLnTx/>
+              <a:uFillTx/>
+              <a:latin typeface="+mn-lt"/>
+              <a:ea typeface="+mn-ea"/>
+              <a:cs typeface="+mn-cs"/>
+            </a:endParaRPr>
+          </a:p>
+          <a:p>
+            <a:pPr marL="342900" marR="0" lvl="0" indent="-342900" algn="l" defTabSz="457200" rtl="0" eaLnBrk="1" fontAlgn="base" latinLnBrk="0" hangingPunct="1">
+              <a:lnSpc>
+                <a:spcPct val="100000"/>
+              </a:lnSpc>
+              <a:spcBef>
+                <a:spcPct val="20000"/>
+              </a:spcBef>
+              <a:spcAft>
+                <a:spcPct val="0"/>
+              </a:spcAft>
+              <a:buClrTx/>
+              <a:buSzTx/>
+              <a:buFont typeface="Arial" charset="0"/>
+              <a:buChar char="•"/>
+              <a:tabLst/>
+              <a:defRPr/>
+            </a:pPr>
+            <a:endParaRPr lang="en-AU" sz="3200" dirty="0" smtClean="0">
+              <a:latin typeface="+mn-lt"/>
+              <a:cs typeface="+mn-cs"/>
+            </a:endParaRPr>
+          </a:p>
+          <a:p>
+            <a:pPr marL="342900" marR="0" lvl="0" indent="-342900" algn="l" defTabSz="457200" rtl="0" eaLnBrk="1" fontAlgn="base" latinLnBrk="0" hangingPunct="1">
+              <a:lnSpc>
+                <a:spcPct val="100000"/>
+              </a:lnSpc>
+              <a:spcBef>
+                <a:spcPct val="20000"/>
+              </a:spcBef>
+              <a:spcAft>
+                <a:spcPct val="0"/>
+              </a:spcAft>
+              <a:buClrTx/>
+              <a:buSzTx/>
+              <a:tabLst/>
+              <a:defRPr/>
+            </a:pPr>
+            <a:r>
+              <a:rPr lang="en-AU" sz="3200" dirty="0" smtClean="0">
+                <a:latin typeface="+mn-lt"/>
+                <a:cs typeface="+mn-cs"/>
+              </a:rPr>
+              <a:t> 	</a:t>
+            </a:r>
+            <a:r>
+              <a:rPr kumimoji="0" lang="en-AU" sz="3200" b="0" i="0" u="none" strike="noStrike" kern="1200" cap="none" spc="0" normalizeH="0" baseline="0" noProof="0" dirty="0" smtClean="0">
+                <a:ln>
+                  <a:noFill/>
+                </a:ln>
+                <a:solidFill>
+                  <a:schemeClr val="tx1"/>
+                </a:solidFill>
+                <a:effectLst/>
+                <a:uLnTx/>
+                <a:uFillTx/>
+                <a:latin typeface="+mn-lt"/>
+                <a:ea typeface="+mn-ea"/>
+                <a:cs typeface="+mn-cs"/>
+              </a:rPr>
+              <a:t>	Infection </a:t>
+            </a:r>
+            <a:r>
+              <a:rPr kumimoji="0" lang="en-AU" sz="3200" b="0" i="0" u="none" strike="noStrike" kern="1200" cap="none" spc="0" normalizeH="0" baseline="0" noProof="0" dirty="0" smtClean="0">
+                <a:ln>
+                  <a:noFill/>
+                </a:ln>
+                <a:solidFill>
+                  <a:schemeClr val="tx1"/>
+                </a:solidFill>
+                <a:effectLst/>
+                <a:uLnTx/>
+                <a:uFillTx/>
+                <a:latin typeface="+mn-lt"/>
+                <a:ea typeface="+mn-ea"/>
+                <a:cs typeface="+mn-cs"/>
+              </a:rPr>
+              <a:t>rate</a:t>
+            </a:r>
+          </a:p>
+          <a:p>
+            <a:pPr marL="342900" marR="0" lvl="0" indent="-342900" algn="l" defTabSz="457200" rtl="0" eaLnBrk="1" fontAlgn="base" latinLnBrk="0" hangingPunct="1">
+              <a:lnSpc>
+                <a:spcPct val="100000"/>
+              </a:lnSpc>
+              <a:spcBef>
+                <a:spcPct val="20000"/>
+              </a:spcBef>
+              <a:spcAft>
+                <a:spcPct val="0"/>
+              </a:spcAft>
+              <a:buClrTx/>
+              <a:buSzTx/>
+              <a:tabLst/>
+              <a:defRPr/>
+            </a:pPr>
+            <a:r>
+              <a:rPr lang="en-AU" sz="3200" dirty="0" smtClean="0">
+                <a:latin typeface="+mn-lt"/>
+                <a:cs typeface="+mn-cs"/>
+              </a:rPr>
+              <a:t>	</a:t>
+            </a:r>
+            <a:r>
+              <a:rPr lang="en-AU" sz="3200" dirty="0" smtClean="0">
+                <a:latin typeface="+mn-lt"/>
+                <a:cs typeface="+mn-cs"/>
+              </a:rPr>
+              <a:t>	Treatment </a:t>
+            </a:r>
+            <a:r>
+              <a:rPr lang="en-AU" sz="3200" dirty="0" smtClean="0">
+                <a:latin typeface="+mn-lt"/>
+                <a:cs typeface="+mn-cs"/>
+              </a:rPr>
+              <a:t>and loss rate</a:t>
+            </a:r>
+            <a:endParaRPr kumimoji="0" lang="en-AU" sz="3200" b="0" i="0" u="none" strike="noStrike" kern="1200" cap="none" spc="0" normalizeH="0" baseline="0" noProof="0" dirty="0" smtClean="0">
+              <a:ln>
+                <a:noFill/>
+              </a:ln>
+              <a:solidFill>
+                <a:schemeClr val="tx1"/>
+              </a:solidFill>
+              <a:effectLst/>
+              <a:uLnTx/>
+              <a:uFillTx/>
+              <a:latin typeface="+mn-lt"/>
+              <a:ea typeface="+mn-ea"/>
+              <a:cs typeface="+mn-cs"/>
+            </a:endParaRPr>
+          </a:p>
+          <a:p>
+            <a:pPr marL="342900" marR="0" lvl="0" indent="-342900" algn="l" defTabSz="457200" rtl="0" eaLnBrk="1" fontAlgn="base" latinLnBrk="0" hangingPunct="1">
+              <a:lnSpc>
+                <a:spcPct val="100000"/>
+              </a:lnSpc>
+              <a:spcBef>
+                <a:spcPct val="20000"/>
+              </a:spcBef>
+              <a:spcAft>
+                <a:spcPct val="0"/>
+              </a:spcAft>
+              <a:buClrTx/>
+              <a:buSzTx/>
+              <a:tabLst/>
+              <a:defRPr/>
+            </a:pPr>
+            <a:r>
+              <a:rPr lang="en-AU" sz="3200" dirty="0" smtClean="0">
+                <a:latin typeface="+mn-lt"/>
+                <a:cs typeface="+mn-cs"/>
+              </a:rPr>
+              <a:t> 	</a:t>
+            </a:r>
+            <a:r>
+              <a:rPr kumimoji="0" lang="en-AU" sz="3200" b="0" i="0" u="none" strike="noStrike" kern="1200" cap="none" spc="0" normalizeH="0" baseline="0" noProof="0" dirty="0" smtClean="0">
+                <a:ln>
+                  <a:noFill/>
+                </a:ln>
+                <a:solidFill>
+                  <a:schemeClr val="tx1"/>
+                </a:solidFill>
+                <a:effectLst/>
+                <a:uLnTx/>
+                <a:uFillTx/>
+                <a:latin typeface="+mn-lt"/>
+                <a:ea typeface="+mn-ea"/>
+                <a:cs typeface="+mn-cs"/>
+              </a:rPr>
+              <a:t>	Maximum infection rate</a:t>
+            </a:r>
+          </a:p>
+          <a:p>
+            <a:pPr marL="342900" marR="0" lvl="0" indent="-342900" algn="l" defTabSz="457200" rtl="0" eaLnBrk="1" fontAlgn="base" latinLnBrk="0" hangingPunct="1">
+              <a:lnSpc>
+                <a:spcPct val="100000"/>
+              </a:lnSpc>
+              <a:spcBef>
+                <a:spcPct val="20000"/>
+              </a:spcBef>
+              <a:spcAft>
+                <a:spcPct val="0"/>
+              </a:spcAft>
+              <a:buClrTx/>
+              <a:buSzTx/>
+              <a:tabLst/>
+              <a:defRPr/>
+            </a:pPr>
+            <a:r>
+              <a:rPr lang="en-AU" sz="3200" dirty="0" smtClean="0">
+                <a:latin typeface="+mn-lt"/>
+                <a:cs typeface="+mn-cs"/>
+              </a:rPr>
+              <a:t>	 </a:t>
+            </a:r>
+            <a:br>
+              <a:rPr lang="en-AU" sz="3200" dirty="0" smtClean="0">
+                <a:latin typeface="+mn-lt"/>
+                <a:cs typeface="+mn-cs"/>
+              </a:rPr>
+            </a:br>
+            <a:r>
+              <a:rPr kumimoji="0" lang="en-AU" sz="3200" b="0" i="0" u="none" strike="noStrike" kern="1200" cap="none" spc="0" normalizeH="0" baseline="0" noProof="0" dirty="0" smtClean="0">
+                <a:ln>
+                  <a:noFill/>
+                </a:ln>
+                <a:solidFill>
+                  <a:schemeClr val="tx1"/>
+                </a:solidFill>
+                <a:effectLst/>
+                <a:uLnTx/>
+                <a:uFillTx/>
+                <a:latin typeface="+mn-lt"/>
+                <a:ea typeface="+mn-ea"/>
+                <a:cs typeface="+mn-cs"/>
+              </a:rPr>
+              <a:t>			I</a:t>
+            </a:r>
+            <a:r>
+              <a:rPr kumimoji="0" lang="en-AU" sz="3200" b="0" i="0" u="none" strike="noStrike" kern="1200" cap="none" spc="0" normalizeH="0" noProof="0" dirty="0" smtClean="0">
+                <a:ln>
+                  <a:noFill/>
+                </a:ln>
+                <a:solidFill>
+                  <a:schemeClr val="tx1"/>
+                </a:solidFill>
+                <a:effectLst/>
+                <a:uLnTx/>
+                <a:uFillTx/>
+                <a:latin typeface="+mn-lt"/>
+                <a:ea typeface="+mn-ea"/>
+                <a:cs typeface="+mn-cs"/>
+              </a:rPr>
+              <a:t>nfection level among males</a:t>
+            </a:r>
+            <a:endParaRPr kumimoji="0" lang="en-AU" sz="3200" b="0" i="0" u="none" strike="noStrike" kern="1200" cap="none" spc="0" normalizeH="0" baseline="0" noProof="0" dirty="0">
+              <a:ln>
+                <a:noFill/>
+              </a:ln>
+              <a:solidFill>
+                <a:schemeClr val="tx1"/>
+              </a:solidFill>
+              <a:effectLst/>
+              <a:uLnTx/>
+              <a:uFillTx/>
+              <a:latin typeface="+mn-lt"/>
+              <a:ea typeface="+mn-ea"/>
+              <a:cs typeface="+mn-cs"/>
+            </a:endParaRPr>
+          </a:p>
+        </p:txBody>
+      </p:sp>
+      <p:pic>
+        <p:nvPicPr>
+          <p:cNvPr id="11" name="Picture 10"/>
+          <p:cNvPicPr>
+            <a:picLocks noChangeAspect="1"/>
+          </p:cNvPicPr>
+          <p:nvPr/>
+        </p:nvPicPr>
+        <p:blipFill>
+          <a:blip r:embed="rId6"/>
+          <a:srcRect l="46180" r="46179" b="30303"/>
+          <a:stretch>
+            <a:fillRect/>
+          </a:stretch>
+        </p:blipFill>
+        <p:spPr bwMode="auto">
+          <a:xfrm>
+            <a:off x="215289" y="4296444"/>
+            <a:ext cx="788621" cy="397397"/>
+          </a:xfrm>
+          <a:prstGeom prst="rect">
+            <a:avLst/>
+          </a:prstGeom>
+          <a:noFill/>
+          <a:ln w="9525">
+            <a:noFill/>
+            <a:miter lim="800000"/>
+            <a:headEnd/>
+            <a:tailEnd/>
+          </a:ln>
+        </p:spPr>
+      </p:pic>
+      <p:pic>
+        <p:nvPicPr>
+          <p:cNvPr id="13" name="Picture 12"/>
+          <p:cNvPicPr>
+            <a:picLocks noChangeAspect="1"/>
+          </p:cNvPicPr>
+          <p:nvPr/>
+        </p:nvPicPr>
+        <p:blipFill>
+          <a:blip r:embed="rId7"/>
+          <a:srcRect l="48504" t="3031" r="48174" b="12120"/>
+          <a:stretch>
+            <a:fillRect/>
+          </a:stretch>
+        </p:blipFill>
+        <p:spPr bwMode="auto">
+          <a:xfrm>
+            <a:off x="426971" y="4859954"/>
+            <a:ext cx="342860" cy="483791"/>
+          </a:xfrm>
+          <a:prstGeom prst="rect">
+            <a:avLst/>
+          </a:prstGeom>
+          <a:noFill/>
+          <a:ln w="9525">
+            <a:noFill/>
+            <a:miter lim="800000"/>
+            <a:headEnd/>
+            <a:tailEnd/>
+          </a:ln>
+        </p:spPr>
+      </p:pic>
+      <p:pic>
+        <p:nvPicPr>
+          <p:cNvPr id="15" name="Picture 14"/>
+          <p:cNvPicPr>
+            <a:picLocks noChangeAspect="1"/>
+          </p:cNvPicPr>
+          <p:nvPr/>
+        </p:nvPicPr>
+        <p:blipFill>
+          <a:blip r:embed="rId8" cstate="print"/>
+          <a:srcRect/>
+          <a:stretch>
+            <a:fillRect/>
+          </a:stretch>
+        </p:blipFill>
+        <p:spPr bwMode="auto">
+          <a:xfrm>
+            <a:off x="-6224338" y="5485949"/>
+            <a:ext cx="15956793" cy="570186"/>
+          </a:xfrm>
+          <a:prstGeom prst="rect">
+            <a:avLst/>
+          </a:prstGeom>
+          <a:noFill/>
+          <a:ln w="9525">
+            <a:noFill/>
+            <a:miter lim="800000"/>
+            <a:headEnd/>
+            <a:tailEnd/>
+          </a:ln>
+        </p:spPr>
+      </p:pic>
+      <p:sp>
+        <p:nvSpPr>
+          <p:cNvPr id="13318" name="Rectangle 6"/>
+          <p:cNvSpPr>
+            <a:spLocks noChangeArrowheads="1"/>
+          </p:cNvSpPr>
+          <p:nvPr/>
+        </p:nvSpPr>
+        <p:spPr bwMode="auto">
+          <a:xfrm>
+            <a:off x="0" y="2638820"/>
+            <a:ext cx="9144000" cy="0"/>
+          </a:xfrm>
+          <a:prstGeom prst="rect">
+            <a:avLst/>
+          </a:prstGeom>
+          <a:solidFill>
+            <a:schemeClr val="bg1"/>
+          </a:solidFill>
+          <a:ln w="9525">
+            <a:noFill/>
+            <a:miter lim="800000"/>
+            <a:headEnd/>
+            <a:tailEnd/>
+          </a:ln>
+          <a:effectLst/>
+        </p:spPr>
+        <p:txBody>
+          <a:bodyPr vert="horz" wrap="none" lIns="91440" tIns="45720" rIns="91440" bIns="45720" numCol="1" anchor="ctr" anchorCtr="0" compatLnSpc="1">
+            <a:prstTxWarp prst="textNoShape">
+              <a:avLst/>
+            </a:prstTxWarp>
+            <a:spAutoFit/>
+          </a:bodyPr>
+          <a:lstStyle/>
+          <a:p>
+            <a:pPr marL="0" marR="0" lvl="0" indent="0" algn="l" defTabSz="914400" rtl="0" eaLnBrk="1" fontAlgn="base" latinLnBrk="0" hangingPunct="1">
+              <a:lnSpc>
+                <a:spcPct val="100000"/>
+              </a:lnSpc>
+              <a:spcBef>
+                <a:spcPct val="0"/>
+              </a:spcBef>
+              <a:spcAft>
+                <a:spcPct val="0"/>
+              </a:spcAft>
+              <a:buClrTx/>
+              <a:buSzTx/>
+              <a:buFontTx/>
+              <a:buNone/>
+              <a:tabLst/>
+            </a:pPr>
+            <a:endParaRPr kumimoji="0" lang="en-US" sz="1800" b="0" i="0" u="none" strike="noStrike" cap="none" normalizeH="0" baseline="0" smtClean="0">
+              <a:ln>
+                <a:noFill/>
+              </a:ln>
+              <a:solidFill>
+                <a:schemeClr val="tx1"/>
+              </a:solidFill>
+              <a:effectLst/>
+              <a:latin typeface="Arial" pitchFamily="34" charset="0"/>
+              <a:cs typeface="Arial" pitchFamily="34" charset="0"/>
+            </a:endParaRPr>
+          </a:p>
+        </p:txBody>
+      </p:sp>
+      <p:sp>
+        <p:nvSpPr>
+          <p:cNvPr id="13319" name="Rectangle 7"/>
+          <p:cNvSpPr>
+            <a:spLocks noChangeArrowheads="1"/>
+          </p:cNvSpPr>
+          <p:nvPr/>
+        </p:nvSpPr>
+        <p:spPr bwMode="auto">
+          <a:xfrm>
+            <a:off x="0" y="4419600"/>
+            <a:ext cx="9144000" cy="0"/>
+          </a:xfrm>
+          <a:prstGeom prst="rect">
+            <a:avLst/>
+          </a:prstGeom>
+          <a:noFill/>
+          <a:ln w="9525">
+            <a:noFill/>
+            <a:miter lim="800000"/>
+            <a:headEnd/>
+            <a:tailEnd/>
+          </a:ln>
+          <a:effectLst/>
+        </p:spPr>
+        <p:txBody>
+          <a:bodyPr vert="horz" wrap="none" lIns="91440" tIns="45720" rIns="91440" bIns="45720" numCol="1" anchor="ctr" anchorCtr="0" compatLnSpc="1">
+            <a:prstTxWarp prst="textNoShape">
+              <a:avLst/>
+            </a:prstTxWarp>
+            <a:spAutoFit/>
+          </a:bodyPr>
+          <a:lstStyle/>
+          <a:p>
+            <a:pPr marL="0" marR="0" lvl="0" indent="0" algn="l" defTabSz="914400" rtl="0" eaLnBrk="1" fontAlgn="base" latinLnBrk="0" hangingPunct="1">
+              <a:lnSpc>
+                <a:spcPct val="100000"/>
+              </a:lnSpc>
+              <a:spcBef>
+                <a:spcPct val="0"/>
+              </a:spcBef>
+              <a:spcAft>
+                <a:spcPct val="0"/>
+              </a:spcAft>
+              <a:buClrTx/>
+              <a:buSzTx/>
+              <a:buFontTx/>
+              <a:buNone/>
+              <a:tabLst/>
+            </a:pPr>
+            <a:r>
+              <a:rPr kumimoji="0" lang="en-AU" sz="1100" b="0" i="0" u="none" strike="noStrike" cap="none" normalizeH="0" baseline="0" smtClean="0">
+                <a:ln>
+                  <a:noFill/>
+                </a:ln>
+                <a:solidFill>
+                  <a:schemeClr val="tx1"/>
+                </a:solidFill>
+                <a:effectLst/>
+                <a:latin typeface="Calibri" pitchFamily="34" charset="0"/>
+                <a:ea typeface="Times New Roman" pitchFamily="18" charset="0"/>
+                <a:cs typeface="Calibri" pitchFamily="34" charset="0"/>
+              </a:rPr>
+              <a:t> </a:t>
+            </a:r>
+            <a:r>
+              <a:rPr kumimoji="0" lang="en-AU" sz="600" b="0" i="0" u="none" strike="noStrike" cap="none" normalizeH="0" baseline="0" smtClean="0">
+                <a:ln>
+                  <a:noFill/>
+                </a:ln>
+                <a:solidFill>
+                  <a:schemeClr val="tx1"/>
+                </a:solidFill>
+                <a:effectLst/>
+                <a:latin typeface="Arial" pitchFamily="34" charset="0"/>
+                <a:cs typeface="Arial" pitchFamily="34" charset="0"/>
+              </a:rPr>
+              <a:t> </a:t>
+            </a:r>
+            <a:endParaRPr kumimoji="0" lang="en-AU" sz="1800" b="0" i="0" u="none" strike="noStrike" cap="none" normalizeH="0" baseline="0" smtClean="0">
+              <a:ln>
+                <a:noFill/>
+              </a:ln>
+              <a:solidFill>
+                <a:schemeClr val="tx1"/>
+              </a:solidFill>
+              <a:effectLst/>
+              <a:latin typeface="Arial" pitchFamily="34" charset="0"/>
+              <a:cs typeface="Arial" pitchFamily="34" charset="0"/>
+            </a:endParaRPr>
+          </a:p>
+        </p:txBody>
+      </p:sp>
       <p:sp>
         <p:nvSpPr>
           <p:cNvPr id="2" name="Title 1"/>
@@ -7189,19 +6571,180 @@
             <p:ph type="title"/>
           </p:nvPr>
         </p:nvSpPr>
+        <p:spPr/>
+        <p:txBody>
+          <a:bodyPr/>
+          <a:lstStyle/>
+          <a:p>
+            <a:r>
+              <a:rPr lang="en-AU" dirty="0" smtClean="0"/>
+              <a:t>Prevalence </a:t>
+            </a:r>
+            <a:r>
+              <a:rPr lang="en-AU" dirty="0" smtClean="0"/>
+              <a:t>equations</a:t>
+            </a:r>
+            <a:endParaRPr lang="en-AU" dirty="0"/>
+          </a:p>
+        </p:txBody>
+      </p:sp>
+      <p:sp>
+        <p:nvSpPr>
+          <p:cNvPr id="19" name="TextBox 18"/>
+          <p:cNvSpPr txBox="1"/>
+          <p:nvPr/>
+        </p:nvSpPr>
         <p:spPr>
           <a:xfrm>
-            <a:off x="457200" y="282195"/>
-            <a:ext cx="8229600" cy="1143000"/>
+            <a:off x="3238500" y="1130300"/>
+            <a:ext cx="2209800" cy="461665"/>
           </a:xfrm>
+          <a:prstGeom prst="rect">
+            <a:avLst/>
+          </a:prstGeom>
+          <a:solidFill>
+            <a:schemeClr val="bg1"/>
+          </a:solidFill>
         </p:spPr>
         <p:txBody>
-          <a:bodyPr/>
+          <a:bodyPr wrap="square" rtlCol="0">
+            <a:spAutoFit/>
+          </a:bodyPr>
           <a:lstStyle/>
           <a:p>
+            <a:pPr algn="ctr"/>
+            <a:r>
+              <a:rPr lang="en-AU" sz="2400" dirty="0" smtClean="0"/>
+              <a:t>FSW</a:t>
+            </a:r>
+            <a:endParaRPr lang="en-AU" sz="2400" dirty="0"/>
+          </a:p>
+        </p:txBody>
+      </p:sp>
+      <p:sp>
+        <p:nvSpPr>
+          <p:cNvPr id="20" name="TextBox 19"/>
+          <p:cNvSpPr txBox="1"/>
+          <p:nvPr/>
+        </p:nvSpPr>
+        <p:spPr>
+          <a:xfrm>
+            <a:off x="3238500" y="1135755"/>
+            <a:ext cx="2209800" cy="461665"/>
+          </a:xfrm>
+          <a:prstGeom prst="rect">
+            <a:avLst/>
+          </a:prstGeom>
+          <a:solidFill>
+            <a:schemeClr val="bg1"/>
+          </a:solidFill>
+        </p:spPr>
+        <p:txBody>
+          <a:bodyPr wrap="square" rtlCol="0">
+            <a:spAutoFit/>
+          </a:bodyPr>
+          <a:lstStyle/>
+          <a:p>
+            <a:pPr algn="ctr"/>
+            <a:r>
+              <a:rPr lang="en-AU" sz="2400" dirty="0" smtClean="0"/>
+              <a:t>General females</a:t>
+            </a:r>
+            <a:endParaRPr lang="en-AU" sz="2400" dirty="0"/>
+          </a:p>
+        </p:txBody>
+      </p:sp>
+      <p:sp>
+        <p:nvSpPr>
+          <p:cNvPr id="21" name="TextBox 20"/>
+          <p:cNvSpPr txBox="1"/>
+          <p:nvPr/>
+        </p:nvSpPr>
+        <p:spPr>
+          <a:xfrm>
+            <a:off x="3238500" y="1141210"/>
+            <a:ext cx="2209800" cy="461665"/>
+          </a:xfrm>
+          <a:prstGeom prst="rect">
+            <a:avLst/>
+          </a:prstGeom>
+          <a:solidFill>
+            <a:schemeClr val="bg1"/>
+          </a:solidFill>
+        </p:spPr>
+        <p:txBody>
+          <a:bodyPr wrap="square" rtlCol="0">
+            <a:spAutoFit/>
+          </a:bodyPr>
+          <a:lstStyle/>
+          <a:p>
+            <a:pPr algn="ctr"/>
+            <a:r>
+              <a:rPr lang="en-AU" sz="2400" dirty="0" smtClean="0"/>
+              <a:t>General males</a:t>
+            </a:r>
+            <a:endParaRPr lang="en-AU" sz="2400" dirty="0"/>
+          </a:p>
+        </p:txBody>
+      </p:sp>
+      <p:sp>
+        <p:nvSpPr>
+          <p:cNvPr id="22" name="TextBox 21"/>
+          <p:cNvSpPr txBox="1"/>
+          <p:nvPr/>
+        </p:nvSpPr>
+        <p:spPr>
+          <a:xfrm>
+            <a:off x="3238500" y="1146665"/>
+            <a:ext cx="2209800" cy="461665"/>
+          </a:xfrm>
+          <a:prstGeom prst="rect">
+            <a:avLst/>
+          </a:prstGeom>
+          <a:solidFill>
+            <a:schemeClr val="bg1"/>
+          </a:solidFill>
+        </p:spPr>
+        <p:txBody>
+          <a:bodyPr wrap="square" rtlCol="0">
+            <a:spAutoFit/>
+          </a:bodyPr>
+          <a:lstStyle/>
+          <a:p>
+            <a:pPr algn="ctr"/>
+            <a:r>
+              <a:rPr lang="en-AU" sz="2400" dirty="0" smtClean="0"/>
+              <a:t>MSMW</a:t>
+            </a:r>
+            <a:endParaRPr lang="en-AU" sz="2400" dirty="0"/>
+          </a:p>
+        </p:txBody>
+      </p:sp>
+      <p:sp>
+        <p:nvSpPr>
+          <p:cNvPr id="23" name="TextBox 22"/>
+          <p:cNvSpPr txBox="1"/>
+          <p:nvPr/>
+        </p:nvSpPr>
+        <p:spPr>
+          <a:xfrm>
+            <a:off x="457200" y="1648238"/>
+            <a:ext cx="2438400" cy="369332"/>
+          </a:xfrm>
+          <a:prstGeom prst="rect">
+            <a:avLst/>
+          </a:prstGeom>
+          <a:noFill/>
+        </p:spPr>
+        <p:txBody>
+          <a:bodyPr wrap="square" rtlCol="0">
+            <a:spAutoFit/>
+          </a:bodyPr>
+          <a:lstStyle/>
+          <a:p>
             <a:r>
               <a:rPr lang="en-AU" dirty="0" smtClean="0"/>
-              <a:t>Model approach</a:t>
+              <a:t>Susceptible proportion:</a:t>
             </a:r>
             <a:endParaRPr lang="en-AU" dirty="0"/>
           </a:p>
@@ -7209,77 +6752,453 @@
       </p:sp>
       <p:sp>
         <p:nvSpPr>
-          <p:cNvPr id="3" name="Content Placeholder 2"/>
-          <p:cNvSpPr>
-            <a:spLocks noGrp="1"/>
-          </p:cNvSpPr>
-          <p:nvPr>
-            <p:ph idx="1"/>
-          </p:nvPr>
-        </p:nvSpPr>
-        <p:spPr/>
-        <p:txBody>
-          <a:bodyPr/>
+          <p:cNvPr id="24" name="TextBox 23"/>
+          <p:cNvSpPr txBox="1"/>
+          <p:nvPr/>
+        </p:nvSpPr>
+        <p:spPr>
+          <a:xfrm>
+            <a:off x="457200" y="2218688"/>
+            <a:ext cx="2438400" cy="369332"/>
+          </a:xfrm>
+          <a:prstGeom prst="rect">
+            <a:avLst/>
+          </a:prstGeom>
+          <a:noFill/>
+        </p:spPr>
+        <p:txBody>
+          <a:bodyPr wrap="square" rtlCol="0">
+            <a:spAutoFit/>
+          </a:bodyPr>
           <a:lstStyle/>
           <a:p>
-            <a:pPr lvl="1"/>
-            <a:r>
-              <a:rPr lang="en-AU" dirty="0" smtClean="0">
-                <a:solidFill>
-                  <a:schemeClr val="bg1">
-                    <a:lumMod val="65000"/>
-                  </a:schemeClr>
-                </a:solidFill>
-              </a:rPr>
-              <a:t>Build a model for STIs</a:t>
-            </a:r>
-          </a:p>
-          <a:p>
-            <a:pPr lvl="1"/>
-            <a:r>
-              <a:rPr lang="en-AU" dirty="0" smtClean="0">
-                <a:solidFill>
-                  <a:schemeClr val="bg1">
-                    <a:lumMod val="65000"/>
-                  </a:schemeClr>
-                </a:solidFill>
-              </a:rPr>
-              <a:t>Feed into existing model for HIV</a:t>
-            </a:r>
-          </a:p>
-          <a:p>
-            <a:pPr lvl="1"/>
-            <a:r>
-              <a:rPr lang="en-AU" dirty="0" smtClean="0">
-                <a:solidFill>
-                  <a:schemeClr val="bg1">
-                    <a:lumMod val="65000"/>
-                  </a:schemeClr>
-                </a:solidFill>
-              </a:rPr>
-              <a:t>Bulk of my work went into simple model for STIs</a:t>
-            </a:r>
-            <a:endParaRPr lang="en-AU" dirty="0">
-              <a:solidFill>
-                <a:schemeClr val="bg1">
-                  <a:lumMod val="65000"/>
-                </a:schemeClr>
-              </a:solidFill>
-            </a:endParaRPr>
-          </a:p>
-        </p:txBody>
-      </p:sp>
+            <a:r>
+              <a:rPr lang="en-AU" dirty="0" smtClean="0"/>
+              <a:t>Infected proportion:</a:t>
+            </a:r>
+            <a:endParaRPr lang="en-AU" dirty="0"/>
+          </a:p>
+        </p:txBody>
+      </p:sp>
+      <p:sp>
+        <p:nvSpPr>
+          <p:cNvPr id="25" name="TextBox 24"/>
+          <p:cNvSpPr txBox="1"/>
+          <p:nvPr/>
+        </p:nvSpPr>
+        <p:spPr>
+          <a:xfrm>
+            <a:off x="457200" y="2789138"/>
+            <a:ext cx="2438400" cy="369332"/>
+          </a:xfrm>
+          <a:prstGeom prst="rect">
+            <a:avLst/>
+          </a:prstGeom>
+          <a:noFill/>
+        </p:spPr>
+        <p:txBody>
+          <a:bodyPr wrap="square" rtlCol="0">
+            <a:spAutoFit/>
+          </a:bodyPr>
+          <a:lstStyle/>
+          <a:p>
+            <a:r>
+              <a:rPr lang="en-AU" dirty="0" smtClean="0"/>
+              <a:t>Infection rate:</a:t>
+            </a:r>
+            <a:endParaRPr lang="en-AU" dirty="0"/>
+          </a:p>
+        </p:txBody>
+      </p:sp>
+      <p:pic>
+        <p:nvPicPr>
+          <p:cNvPr id="26" name="Picture 25"/>
+          <p:cNvPicPr>
+            <a:picLocks noChangeAspect="1"/>
+          </p:cNvPicPr>
+          <p:nvPr/>
+        </p:nvPicPr>
+        <p:blipFill>
+          <a:blip r:embed="rId9"/>
+          <a:srcRect l="47772" r="47772" b="19913"/>
+          <a:stretch>
+            <a:fillRect/>
+          </a:stretch>
+        </p:blipFill>
+        <p:spPr bwMode="auto">
+          <a:xfrm>
+            <a:off x="292876" y="3683599"/>
+            <a:ext cx="711034" cy="456646"/>
+          </a:xfrm>
+          <a:prstGeom prst="rect">
+            <a:avLst/>
+          </a:prstGeom>
+          <a:noFill/>
+          <a:ln w="9525">
+            <a:noFill/>
+            <a:miter lim="800000"/>
+            <a:headEnd/>
+            <a:tailEnd/>
+          </a:ln>
+        </p:spPr>
+      </p:pic>
     </p:spTree>
   </p:cSld>
   <p:clrMapOvr>
     <a:masterClrMapping/>
   </p:clrMapOvr>
+  <p:transition>
+    <p:cut/>
+  </p:transition>
   <p:timing>
     <p:tnLst>
       <p:par>
-        <p:cTn id="1" dur="indefinite" restart="never" nodeType="tmRoot"/>
+        <p:cTn id="1" dur="indefinite" restart="never" nodeType="tmRoot">
+          <p:childTnLst>
+            <p:seq concurrent="1" nextAc="seek">
+              <p:cTn id="2" dur="indefinite" nodeType="mainSeq">
+                <p:childTnLst>
+                  <p:par>
+                    <p:cTn id="3" fill="hold">
+                      <p:stCondLst>
+                        <p:cond delay="indefinite"/>
+                      </p:stCondLst>
+                      <p:childTnLst>
+                        <p:par>
+                          <p:cTn id="4" fill="hold">
+                            <p:stCondLst>
+                              <p:cond delay="0"/>
+                            </p:stCondLst>
+                            <p:childTnLst>
+                              <p:par>
+                                <p:cTn id="5" presetID="1" presetClass="entr" presetSubtype="0" fill="hold" nodeType="clickEffect">
+                                  <p:stCondLst>
+                                    <p:cond delay="0"/>
+                                  </p:stCondLst>
+                                  <p:childTnLst>
+                                    <p:set>
+                                      <p:cBhvr>
+                                        <p:cTn id="6" dur="1" fill="hold">
+                                          <p:stCondLst>
+                                            <p:cond delay="0"/>
+                                          </p:stCondLst>
+                                        </p:cTn>
+                                        <p:tgtEl>
+                                          <p:spTgt spid="13315"/>
+                                        </p:tgtEl>
+                                        <p:attrNameLst>
+                                          <p:attrName>style.visibility</p:attrName>
+                                        </p:attrNameLst>
+                                      </p:cBhvr>
+                                      <p:to>
+                                        <p:strVal val="visible"/>
+                                      </p:to>
+                                    </p:set>
+                                  </p:childTnLst>
+                                </p:cTn>
+                              </p:par>
+                              <p:par>
+                                <p:cTn id="7" presetID="1" presetClass="entr" presetSubtype="0" fill="hold" grpId="0" nodeType="withEffect">
+                                  <p:stCondLst>
+                                    <p:cond delay="0"/>
+                                  </p:stCondLst>
+                                  <p:childTnLst>
+                                    <p:set>
+                                      <p:cBhvr>
+                                        <p:cTn id="8" dur="1" fill="hold">
+                                          <p:stCondLst>
+                                            <p:cond delay="0"/>
+                                          </p:stCondLst>
+                                        </p:cTn>
+                                        <p:tgtEl>
+                                          <p:spTgt spid="20">
+                                            <p:bg/>
+                                          </p:spTgt>
+                                        </p:tgtEl>
+                                        <p:attrNameLst>
+                                          <p:attrName>style.visibility</p:attrName>
+                                        </p:attrNameLst>
+                                      </p:cBhvr>
+                                      <p:to>
+                                        <p:strVal val="visible"/>
+                                      </p:to>
+                                    </p:set>
+                                  </p:childTnLst>
+                                </p:cTn>
+                              </p:par>
+                              <p:par>
+                                <p:cTn id="9" presetID="1" presetClass="entr" presetSubtype="0" fill="hold" grpId="0" nodeType="withEffect">
+                                  <p:stCondLst>
+                                    <p:cond delay="0"/>
+                                  </p:stCondLst>
+                                  <p:childTnLst>
+                                    <p:set>
+                                      <p:cBhvr>
+                                        <p:cTn id="10" dur="1" fill="hold">
+                                          <p:stCondLst>
+                                            <p:cond delay="0"/>
+                                          </p:stCondLst>
+                                        </p:cTn>
+                                        <p:tgtEl>
+                                          <p:spTgt spid="20">
+                                            <p:txEl>
+                                              <p:pRg st="0" end="0"/>
+                                            </p:txEl>
+                                          </p:spTgt>
+                                        </p:tgtEl>
+                                        <p:attrNameLst>
+                                          <p:attrName>style.visibility</p:attrName>
+                                        </p:attrNameLst>
+                                      </p:cBhvr>
+                                      <p:to>
+                                        <p:strVal val="visible"/>
+                                      </p:to>
+                                    </p:set>
+                                  </p:childTnLst>
+                                </p:cTn>
+                              </p:par>
+                            </p:childTnLst>
+                          </p:cTn>
+                        </p:par>
+                      </p:childTnLst>
+                    </p:cTn>
+                  </p:par>
+                  <p:par>
+                    <p:cTn id="11" fill="hold">
+                      <p:stCondLst>
+                        <p:cond delay="indefinite"/>
+                      </p:stCondLst>
+                      <p:childTnLst>
+                        <p:par>
+                          <p:cTn id="12" fill="hold">
+                            <p:stCondLst>
+                              <p:cond delay="0"/>
+                            </p:stCondLst>
+                            <p:childTnLst>
+                              <p:par>
+                                <p:cTn id="13" presetID="1" presetClass="entr" presetSubtype="0" fill="hold" nodeType="clickEffect">
+                                  <p:stCondLst>
+                                    <p:cond delay="0"/>
+                                  </p:stCondLst>
+                                  <p:childTnLst>
+                                    <p:set>
+                                      <p:cBhvr>
+                                        <p:cTn id="14" dur="1" fill="hold">
+                                          <p:stCondLst>
+                                            <p:cond delay="0"/>
+                                          </p:stCondLst>
+                                        </p:cTn>
+                                        <p:tgtEl>
+                                          <p:spTgt spid="13314"/>
+                                        </p:tgtEl>
+                                        <p:attrNameLst>
+                                          <p:attrName>style.visibility</p:attrName>
+                                        </p:attrNameLst>
+                                      </p:cBhvr>
+                                      <p:to>
+                                        <p:strVal val="visible"/>
+                                      </p:to>
+                                    </p:set>
+                                  </p:childTnLst>
+                                </p:cTn>
+                              </p:par>
+                              <p:par>
+                                <p:cTn id="15" presetID="1" presetClass="entr" presetSubtype="0" fill="hold" grpId="0" nodeType="withEffect">
+                                  <p:stCondLst>
+                                    <p:cond delay="0"/>
+                                  </p:stCondLst>
+                                  <p:childTnLst>
+                                    <p:set>
+                                      <p:cBhvr>
+                                        <p:cTn id="16" dur="1" fill="hold">
+                                          <p:stCondLst>
+                                            <p:cond delay="0"/>
+                                          </p:stCondLst>
+                                        </p:cTn>
+                                        <p:tgtEl>
+                                          <p:spTgt spid="21">
+                                            <p:bg/>
+                                          </p:spTgt>
+                                        </p:tgtEl>
+                                        <p:attrNameLst>
+                                          <p:attrName>style.visibility</p:attrName>
+                                        </p:attrNameLst>
+                                      </p:cBhvr>
+                                      <p:to>
+                                        <p:strVal val="visible"/>
+                                      </p:to>
+                                    </p:set>
+                                  </p:childTnLst>
+                                </p:cTn>
+                              </p:par>
+                              <p:par>
+                                <p:cTn id="17" presetID="1" presetClass="entr" presetSubtype="0" fill="hold" grpId="0" nodeType="withEffect">
+                                  <p:stCondLst>
+                                    <p:cond delay="0"/>
+                                  </p:stCondLst>
+                                  <p:childTnLst>
+                                    <p:set>
+                                      <p:cBhvr>
+                                        <p:cTn id="18" dur="1" fill="hold">
+                                          <p:stCondLst>
+                                            <p:cond delay="0"/>
+                                          </p:stCondLst>
+                                        </p:cTn>
+                                        <p:tgtEl>
+                                          <p:spTgt spid="21">
+                                            <p:txEl>
+                                              <p:pRg st="0" end="0"/>
+                                            </p:txEl>
+                                          </p:spTgt>
+                                        </p:tgtEl>
+                                        <p:attrNameLst>
+                                          <p:attrName>style.visibility</p:attrName>
+                                        </p:attrNameLst>
+                                      </p:cBhvr>
+                                      <p:to>
+                                        <p:strVal val="visible"/>
+                                      </p:to>
+                                    </p:set>
+                                  </p:childTnLst>
+                                </p:cTn>
+                              </p:par>
+                            </p:childTnLst>
+                          </p:cTn>
+                        </p:par>
+                      </p:childTnLst>
+                    </p:cTn>
+                  </p:par>
+                  <p:par>
+                    <p:cTn id="19" fill="hold">
+                      <p:stCondLst>
+                        <p:cond delay="indefinite"/>
+                      </p:stCondLst>
+                      <p:childTnLst>
+                        <p:par>
+                          <p:cTn id="20" fill="hold">
+                            <p:stCondLst>
+                              <p:cond delay="0"/>
+                            </p:stCondLst>
+                            <p:childTnLst>
+                              <p:par>
+                                <p:cTn id="21" presetID="1" presetClass="entr" presetSubtype="0" fill="hold" nodeType="clickEffect">
+                                  <p:stCondLst>
+                                    <p:cond delay="0"/>
+                                  </p:stCondLst>
+                                  <p:childTnLst>
+                                    <p:set>
+                                      <p:cBhvr>
+                                        <p:cTn id="22" dur="1" fill="hold">
+                                          <p:stCondLst>
+                                            <p:cond delay="0"/>
+                                          </p:stCondLst>
+                                        </p:cTn>
+                                        <p:tgtEl>
+                                          <p:spTgt spid="13313"/>
+                                        </p:tgtEl>
+                                        <p:attrNameLst>
+                                          <p:attrName>style.visibility</p:attrName>
+                                        </p:attrNameLst>
+                                      </p:cBhvr>
+                                      <p:to>
+                                        <p:strVal val="visible"/>
+                                      </p:to>
+                                    </p:set>
+                                  </p:childTnLst>
+                                </p:cTn>
+                              </p:par>
+                              <p:par>
+                                <p:cTn id="23" presetID="1" presetClass="entr" presetSubtype="0" fill="hold" grpId="0" nodeType="withEffect">
+                                  <p:stCondLst>
+                                    <p:cond delay="0"/>
+                                  </p:stCondLst>
+                                  <p:childTnLst>
+                                    <p:set>
+                                      <p:cBhvr>
+                                        <p:cTn id="24" dur="1" fill="hold">
+                                          <p:stCondLst>
+                                            <p:cond delay="0"/>
+                                          </p:stCondLst>
+                                        </p:cTn>
+                                        <p:tgtEl>
+                                          <p:spTgt spid="22">
+                                            <p:bg/>
+                                          </p:spTgt>
+                                        </p:tgtEl>
+                                        <p:attrNameLst>
+                                          <p:attrName>style.visibility</p:attrName>
+                                        </p:attrNameLst>
+                                      </p:cBhvr>
+                                      <p:to>
+                                        <p:strVal val="visible"/>
+                                      </p:to>
+                                    </p:set>
+                                  </p:childTnLst>
+                                </p:cTn>
+                              </p:par>
+                              <p:par>
+                                <p:cTn id="25" presetID="1" presetClass="entr" presetSubtype="0" fill="hold" grpId="0" nodeType="withEffect">
+                                  <p:stCondLst>
+                                    <p:cond delay="0"/>
+                                  </p:stCondLst>
+                                  <p:childTnLst>
+                                    <p:set>
+                                      <p:cBhvr>
+                                        <p:cTn id="26" dur="1" fill="hold">
+                                          <p:stCondLst>
+                                            <p:cond delay="0"/>
+                                          </p:stCondLst>
+                                        </p:cTn>
+                                        <p:tgtEl>
+                                          <p:spTgt spid="22">
+                                            <p:txEl>
+                                              <p:pRg st="0" end="0"/>
+                                            </p:txEl>
+                                          </p:spTgt>
+                                        </p:tgtEl>
+                                        <p:attrNameLst>
+                                          <p:attrName>style.visibility</p:attrName>
+                                        </p:attrNameLst>
+                                      </p:cBhvr>
+                                      <p:to>
+                                        <p:strVal val="visible"/>
+                                      </p:to>
+                                    </p:set>
+                                  </p:childTnLst>
+                                </p:cTn>
+                              </p:par>
+                            </p:childTnLst>
+                          </p:cTn>
+                        </p:par>
+                      </p:childTnLst>
+                    </p:cTn>
+                  </p:par>
+                </p:childTnLst>
+              </p:cTn>
+              <p:prevCondLst>
+                <p:cond evt="onPrev" delay="0">
+                  <p:tgtEl>
+                    <p:sldTgt/>
+                  </p:tgtEl>
+                </p:cond>
+              </p:prevCondLst>
+              <p:nextCondLst>
+                <p:cond evt="onNext" delay="0">
+                  <p:tgtEl>
+                    <p:sldTgt/>
+                  </p:tgtEl>
+                </p:cond>
+              </p:nextCondLst>
+            </p:seq>
+          </p:childTnLst>
+        </p:cTn>
       </p:par>
     </p:tnLst>
+    <p:bldLst>
+      <p:bldP spid="20" grpId="0" build="allAtOnce" animBg="1"/>
+      <p:bldP spid="21" grpId="0" build="allAtOnce" animBg="1"/>
+      <p:bldP spid="22" grpId="0" build="allAtOnce" animBg="1"/>
+    </p:bldLst>
   </p:timing>
 </p:sld>
 </file>
@@ -7318,7 +7237,7 @@
           <a:p>
             <a:r>
               <a:rPr lang="en-AU" dirty="0" smtClean="0"/>
-              <a:t>Description of calibration stage</a:t>
+              <a:t>Intervention description</a:t>
             </a:r>
             <a:endParaRPr lang="en-AU" dirty="0"/>
           </a:p>
@@ -7334,85 +7253,49 @@
             <p:ph idx="1"/>
           </p:nvPr>
         </p:nvSpPr>
-        <p:spPr/>
+        <p:spPr>
+          <a:xfrm>
+            <a:off x="457200" y="1531620"/>
+            <a:ext cx="8229600" cy="4525963"/>
+          </a:xfrm>
+        </p:spPr>
         <p:txBody>
           <a:bodyPr/>
           <a:lstStyle/>
           <a:p>
             <a:r>
               <a:rPr lang="en-AU" dirty="0" smtClean="0"/>
-              <a:t>Demographic</a:t>
-            </a:r>
-            <a:endParaRPr lang="en-AU" dirty="0"/>
+              <a:t>Structure of intervention scenarios</a:t>
+            </a:r>
           </a:p>
           <a:p>
             <a:pPr lvl="1"/>
             <a:r>
-              <a:rPr lang="en-AU" dirty="0"/>
-              <a:t>86% in rural areas, 14% in urban areas</a:t>
+              <a:rPr lang="en-AU" dirty="0" smtClean="0"/>
+              <a:t>Frequency (6 visits/year, 12 visits/year)</a:t>
             </a:r>
           </a:p>
           <a:p>
             <a:pPr lvl="1"/>
             <a:r>
-              <a:rPr lang="en-AU" dirty="0"/>
-              <a:t>1% of rural women are FSW, 5% of urban women</a:t>
-            </a:r>
-          </a:p>
-          <a:p>
-            <a:pPr lvl="1"/>
-            <a:r>
-              <a:rPr lang="en-AU" dirty="0"/>
-              <a:t>4%/6% of rural/urban men are MSMW</a:t>
-            </a:r>
-          </a:p>
-          <a:p>
-            <a:r>
               <a:rPr lang="en-AU" dirty="0" smtClean="0"/>
-              <a:t>UBSTIs in around 4% of population</a:t>
-            </a:r>
-          </a:p>
-          <a:p>
-            <a:pPr lvl="1"/>
-            <a:r>
-              <a:rPr lang="en-AU" dirty="0"/>
-              <a:t>1</a:t>
-            </a:r>
+              <a:t>Coverage (50% FSWs, 75% FSWs)</a:t>
+            </a:r>
+          </a:p>
+          <a:p>
             <a:r>
               <a:rPr lang="en-AU" dirty="0" smtClean="0"/>
-              <a:t>% lower in men than in women</a:t>
-            </a:r>
-          </a:p>
-          <a:p>
-            <a:pPr lvl="1"/>
+              <a:t>Will-receive-treatment and will-never-receive-treatment</a:t>
+            </a:r>
+          </a:p>
+          <a:p>
             <a:r>
               <a:rPr lang="en-AU" dirty="0" smtClean="0"/>
-              <a:t>15%-16% in FSW</a:t>
-            </a:r>
-          </a:p>
-          <a:p>
-            <a:pPr lvl="1"/>
-            <a:r>
-              <a:rPr lang="en-AU" dirty="0"/>
-              <a:t>1</a:t>
-            </a:r>
-            <a:r>
-              <a:rPr lang="en-AU" dirty="0" smtClean="0"/>
-              <a:t>% higher in rural areas</a:t>
-            </a:r>
-          </a:p>
-          <a:p>
-            <a:r>
-              <a:rPr lang="en-AU" dirty="0" smtClean="0"/>
-              <a:t>Calibrated model by assuming UBSTIs are in equilibrium</a:t>
-            </a:r>
-          </a:p>
-          <a:p>
-            <a:pPr lvl="1"/>
+              <a:t>Proportion protected by PPT</a:t>
+            </a:r>
             <a:endParaRPr lang="en-AU" dirty="0" smtClean="0"/>
           </a:p>
           <a:p>
-            <a:pPr lvl="1"/>
             <a:endParaRPr lang="en-AU" dirty="0"/>
           </a:p>
         </p:txBody>
@@ -7420,7 +7303,7 @@
     </p:spTree>
     <p:extLst>
       <p:ext uri="{BB962C8B-B14F-4D97-AF65-F5344CB8AC3E}">
-        <p14:creationId xmlns="" xmlns:p14="http://schemas.microsoft.com/office/powerpoint/2010/main" val="1702900212"/>
+        <p14:creationId xmlns:p14="http://schemas.microsoft.com/office/powerpoint/2010/main" xmlns="" val="2338958866"/>
       </p:ext>
     </p:extLst>
   </p:cSld>
@@ -7471,7 +7354,11 @@
           <a:p>
             <a:r>
               <a:rPr lang="en-AU" dirty="0" smtClean="0"/>
-              <a:t>Model – no PPT</a:t>
+              <a:t>Prevalence equations with </a:t>
+            </a:r>
+            <a:r>
+              <a:rPr lang="en-AU" dirty="0" smtClean="0"/>
+              <a:t>PPT</a:t>
             </a:r>
             <a:endParaRPr lang="en-AU" dirty="0"/>
           </a:p>
@@ -7492,15 +7379,63 @@
           <a:bodyPr/>
           <a:lstStyle/>
           <a:p>
+            <a:endParaRPr lang="en-AU" dirty="0" smtClean="0"/>
+          </a:p>
+          <a:p>
+            <a:endParaRPr lang="en-AU" dirty="0" smtClean="0"/>
+          </a:p>
+          <a:p>
+            <a:pPr>
+              <a:buNone/>
+            </a:pPr>
             <a:r>
               <a:rPr lang="en-AU" dirty="0" smtClean="0"/>
-              <a:t>Separate rural and urban model runs</a:t>
-            </a:r>
-          </a:p>
-          <a:p>
+              <a:t>	 	</a:t>
+            </a:r>
+            <a:endParaRPr lang="en-AU" dirty="0" smtClean="0"/>
+          </a:p>
+          <a:p>
+            <a:pPr>
+              <a:buNone/>
+            </a:pPr>
             <a:r>
               <a:rPr lang="en-AU" dirty="0" smtClean="0"/>
-              <a:t>Susceptible and infected proportions for each population</a:t>
+              <a:t>		PPT rate</a:t>
+            </a:r>
+          </a:p>
+          <a:p>
+            <a:pPr>
+              <a:buNone/>
+            </a:pPr>
+            <a:r>
+              <a:rPr lang="en-AU" dirty="0" smtClean="0"/>
+              <a:t>		Recovery rate </a:t>
+            </a:r>
+            <a:endParaRPr lang="en-AU" dirty="0" smtClean="0"/>
+          </a:p>
+          <a:p>
+            <a:pPr>
+              <a:buNone/>
+            </a:pPr>
+            <a:endParaRPr lang="en-AU" dirty="0" smtClean="0">
+              <a:solidFill>
+                <a:schemeClr val="bg1">
+                  <a:lumMod val="65000"/>
+                </a:schemeClr>
+              </a:solidFill>
+            </a:endParaRPr>
+          </a:p>
+          <a:p>
+            <a:pPr>
+              <a:buNone/>
+            </a:pPr>
+            <a:r>
+              <a:rPr lang="en-AU" dirty="0" smtClean="0"/>
+              <a:t>	 	Infection </a:t>
+            </a:r>
+            <a:r>
+              <a:rPr lang="en-AU" dirty="0" smtClean="0"/>
+              <a:t>rate used in calculating      and </a:t>
             </a:r>
             <a:endParaRPr lang="en-AU" dirty="0"/>
           </a:p>
@@ -7508,12 +7443,174 @@
       </p:sp>
       <p:pic>
         <p:nvPicPr>
-          <p:cNvPr id="14" name="Picture 13"/>
-          <p:cNvPicPr/>
+          <p:cNvPr id="9" name="Picture 8"/>
+          <p:cNvPicPr>
+            <a:picLocks noChangeAspect="1"/>
+          </p:cNvPicPr>
           <p:nvPr/>
         </p:nvPicPr>
         <p:blipFill>
           <a:blip r:embed="rId2"/>
+          <a:srcRect l="49171" r="48945" b="42500"/>
+          <a:stretch>
+            <a:fillRect/>
+          </a:stretch>
+        </p:blipFill>
+        <p:spPr bwMode="auto">
+          <a:xfrm>
+            <a:off x="331939" y="3489062"/>
+            <a:ext cx="300625" cy="327857"/>
+          </a:xfrm>
+          <a:prstGeom prst="rect">
+            <a:avLst/>
+          </a:prstGeom>
+          <a:noFill/>
+          <a:ln w="9525">
+            <a:noFill/>
+            <a:miter lim="800000"/>
+            <a:headEnd/>
+            <a:tailEnd/>
+          </a:ln>
+        </p:spPr>
+      </p:pic>
+      <p:pic>
+        <p:nvPicPr>
+          <p:cNvPr id="10" name="Picture 9"/>
+          <p:cNvPicPr>
+            <a:picLocks noChangeAspect="1"/>
+          </p:cNvPicPr>
+          <p:nvPr/>
+        </p:nvPicPr>
+        <p:blipFill>
+          <a:blip r:embed="rId3"/>
+          <a:srcRect l="47619" t="-30145" r="46982" b="29585"/>
+          <a:stretch>
+            <a:fillRect/>
+          </a:stretch>
+        </p:blipFill>
+        <p:spPr bwMode="auto">
+          <a:xfrm>
+            <a:off x="225021" y="3913594"/>
+            <a:ext cx="557226" cy="573372"/>
+          </a:xfrm>
+          <a:prstGeom prst="rect">
+            <a:avLst/>
+          </a:prstGeom>
+          <a:noFill/>
+          <a:ln w="9525">
+            <a:noFill/>
+            <a:miter lim="800000"/>
+            <a:headEnd/>
+            <a:tailEnd/>
+          </a:ln>
+        </p:spPr>
+      </p:pic>
+      <p:pic>
+        <p:nvPicPr>
+          <p:cNvPr id="11" name="Picture 10"/>
+          <p:cNvPicPr>
+            <a:picLocks noChangeAspect="1"/>
+          </p:cNvPicPr>
+          <p:nvPr/>
+        </p:nvPicPr>
+        <p:blipFill>
+          <a:blip r:embed="rId4"/>
+          <a:srcRect l="48992" r="49213"/>
+          <a:stretch>
+            <a:fillRect/>
+          </a:stretch>
+        </p:blipFill>
+        <p:spPr bwMode="auto">
+          <a:xfrm>
+            <a:off x="304090" y="5261349"/>
+            <a:ext cx="286425" cy="570186"/>
+          </a:xfrm>
+          <a:prstGeom prst="rect">
+            <a:avLst/>
+          </a:prstGeom>
+          <a:noFill/>
+          <a:ln w="9525">
+            <a:noFill/>
+            <a:miter lim="800000"/>
+            <a:headEnd/>
+            <a:tailEnd/>
+          </a:ln>
+        </p:spPr>
+      </p:pic>
+      <p:pic>
+        <p:nvPicPr>
+          <p:cNvPr id="12" name="Picture 11"/>
+          <p:cNvPicPr>
+            <a:picLocks noChangeAspect="1"/>
+          </p:cNvPicPr>
+          <p:nvPr/>
+        </p:nvPicPr>
+        <p:blipFill>
+          <a:blip r:embed="rId5"/>
+          <a:srcRect l="48812" r="48855" b="30000"/>
+          <a:stretch>
+            <a:fillRect/>
+          </a:stretch>
+        </p:blipFill>
+        <p:spPr bwMode="auto">
+          <a:xfrm>
+            <a:off x="6429752" y="5261348"/>
+            <a:ext cx="372272" cy="399130"/>
+          </a:xfrm>
+          <a:prstGeom prst="rect">
+            <a:avLst/>
+          </a:prstGeom>
+          <a:noFill/>
+          <a:ln w="9525">
+            <a:noFill/>
+            <a:miter lim="800000"/>
+            <a:headEnd/>
+            <a:tailEnd/>
+          </a:ln>
+        </p:spPr>
+      </p:pic>
+      <p:pic>
+        <p:nvPicPr>
+          <p:cNvPr id="13" name="Picture 12"/>
+          <p:cNvPicPr>
+            <a:picLocks noChangeAspect="1"/>
+          </p:cNvPicPr>
+          <p:nvPr/>
+        </p:nvPicPr>
+        <p:blipFill>
+          <a:blip r:embed="rId6"/>
+          <a:srcRect r="98062" b="37489"/>
+          <a:stretch>
+            <a:fillRect/>
+          </a:stretch>
+        </p:blipFill>
+        <p:spPr bwMode="auto">
+          <a:xfrm>
+            <a:off x="7640030" y="5261349"/>
+            <a:ext cx="309242" cy="356429"/>
+          </a:xfrm>
+          <a:prstGeom prst="rect">
+            <a:avLst/>
+          </a:prstGeom>
+          <a:noFill/>
+          <a:ln w="9525">
+            <a:noFill/>
+            <a:miter lim="800000"/>
+            <a:headEnd/>
+            <a:tailEnd/>
+          </a:ln>
+        </p:spPr>
+      </p:pic>
+      <p:pic>
+        <p:nvPicPr>
+          <p:cNvPr id="14" name="Picture 13"/>
+          <p:cNvPicPr>
+            <a:picLocks noChangeAspect="1"/>
+          </p:cNvPicPr>
+          <p:nvPr/>
+        </p:nvPicPr>
+        <p:blipFill>
+          <a:blip r:embed="rId7"/>
           <a:srcRect/>
           <a:stretch>
             <a:fillRect/>
@@ -7521,8 +7618,40 @@
         </p:blipFill>
         <p:spPr bwMode="auto">
           <a:xfrm>
-            <a:off x="1706245" y="3590756"/>
-            <a:ext cx="5731510" cy="2986465"/>
+            <a:off x="-3406396" y="1417638"/>
+            <a:ext cx="15956793" cy="1916154"/>
+          </a:xfrm>
+          <a:prstGeom prst="rect">
+            <a:avLst/>
+          </a:prstGeom>
+          <a:noFill/>
+          <a:ln w="9525">
+            <a:noFill/>
+            <a:miter lim="800000"/>
+            <a:headEnd/>
+            <a:tailEnd/>
+          </a:ln>
+        </p:spPr>
+      </p:pic>
+      <p:pic>
+        <p:nvPicPr>
+          <p:cNvPr id="15" name="Picture 14"/>
+          <p:cNvPicPr>
+            <a:picLocks noChangeAspect="1"/>
+          </p:cNvPicPr>
+          <p:nvPr/>
+        </p:nvPicPr>
+        <p:blipFill>
+          <a:blip r:embed="rId8"/>
+          <a:srcRect/>
+          <a:stretch>
+            <a:fillRect/>
+          </a:stretch>
+        </p:blipFill>
+        <p:spPr bwMode="auto">
+          <a:xfrm>
+            <a:off x="-3406396" y="4583894"/>
+            <a:ext cx="15956793" cy="583893"/>
           </a:xfrm>
           <a:prstGeom prst="rect">
             <a:avLst/>
@@ -7537,6 +7666,11 @@
         </p:spPr>
       </p:pic>
     </p:spTree>
+    <p:extLst>
+      <p:ext uri="{BB962C8B-B14F-4D97-AF65-F5344CB8AC3E}">
+        <p14:creationId xmlns:p14="http://schemas.microsoft.com/office/powerpoint/2010/main" xmlns="" val="3559378867"/>
+      </p:ext>
+    </p:extLst>
   </p:cSld>
   <p:clrMapOvr>
     <a:masterClrMapping/>

--- a/Christopher Rock HIV and PPT.pptx
+++ b/Christopher Rock HIV and PPT.pptx
@@ -157,7 +157,7 @@
   </p:defaultTextStyle>
   <p:extLst>
     <p:ext uri="{EFAFB233-063F-42B5-8137-9DF3F51BA10A}">
-      <p15:sldGuideLst xmlns:p15="http://schemas.microsoft.com/office/powerpoint/2012/main" xmlns="">
+      <p15:sldGuideLst xmlns="" xmlns:p15="http://schemas.microsoft.com/office/powerpoint/2012/main">
         <p15:guide id="1" orient="horz" pos="2160">
           <p15:clr>
             <a:srgbClr val="A4A3A4"/>
@@ -179,7 +179,7 @@
   <p:cmAuthor id="1" name="ANDREW RROCK" initials="AR" lastIdx="2" clrIdx="0">
     <p:extLst>
       <p:ext uri="{19B8F6BF-5375-455C-9EA6-DF929625EA0E}">
-        <p15:presenceInfo xmlns:p15="http://schemas.microsoft.com/office/powerpoint/2012/main" xmlns="" userId="83463212d2c3e3b2" providerId="Windows Live"/>
+        <p15:presenceInfo xmlns="" xmlns:p15="http://schemas.microsoft.com/office/powerpoint/2012/main" userId="83463212d2c3e3b2" providerId="Windows Live"/>
       </p:ext>
     </p:extLst>
   </p:cmAuthor>
@@ -270,7 +270,7 @@
             <a:fld id="{03DA4704-8DA1-4170-90C7-2D83FD4FF6F0}" type="datetimeFigureOut">
               <a:rPr lang="en-AU" smtClean="0"/>
               <a:pPr/>
-              <a:t>9/02/2015</a:t>
+              <a:t>16/02/2015</a:t>
             </a:fld>
             <a:endParaRPr lang="en-AU"/>
           </a:p>
@@ -458,7 +458,7 @@
               <a:pPr>
                 <a:defRPr/>
               </a:pPr>
-              <a:t>2/9/2015</a:t>
+              <a:t>2/16/2015</a:t>
             </a:fld>
             <a:endParaRPr lang="en-US"/>
           </a:p>
@@ -654,7 +654,7 @@
     </p:spTree>
     <p:extLst>
       <p:ext uri="{BB962C8B-B14F-4D97-AF65-F5344CB8AC3E}">
-        <p14:creationId xmlns:p14="http://schemas.microsoft.com/office/powerpoint/2010/main" xmlns="" val="3759880435"/>
+        <p14:creationId xmlns="" xmlns:p14="http://schemas.microsoft.com/office/powerpoint/2010/main" val="3759880435"/>
       </p:ext>
     </p:extLst>
   </p:cSld>
@@ -823,7 +823,7 @@
           </a:ln>
           <a:extLst>
             <a:ext uri="{909E8E84-426E-40DD-AFC4-6F175D3DCCD1}">
-              <a14:hiddenFill xmlns:a14="http://schemas.microsoft.com/office/drawing/2010/main" xmlns="">
+              <a14:hiddenFill xmlns="" xmlns:a14="http://schemas.microsoft.com/office/drawing/2010/main">
                 <a:solidFill>
                   <a:srgbClr val="FFFFFF"/>
                 </a:solidFill>
@@ -846,14 +846,14 @@
           <a:noFill/>
           <a:extLst>
             <a:ext uri="{909E8E84-426E-40DD-AFC4-6F175D3DCCD1}">
-              <a14:hiddenFill xmlns:a14="http://schemas.microsoft.com/office/drawing/2010/main" xmlns="">
+              <a14:hiddenFill xmlns="" xmlns:a14="http://schemas.microsoft.com/office/drawing/2010/main">
                 <a:solidFill>
                   <a:srgbClr val="FFFFFF"/>
                 </a:solidFill>
               </a14:hiddenFill>
             </a:ext>
             <a:ext uri="{91240B29-F687-4F45-9708-019B960494DF}">
-              <a14:hiddenLine xmlns:a14="http://schemas.microsoft.com/office/drawing/2010/main" xmlns="" w="9525">
+              <a14:hiddenLine xmlns="" xmlns:a14="http://schemas.microsoft.com/office/drawing/2010/main" w="9525">
                 <a:solidFill>
                   <a:srgbClr val="000000"/>
                 </a:solidFill>
@@ -895,14 +895,14 @@
           <a:noFill/>
           <a:extLst>
             <a:ext uri="{909E8E84-426E-40DD-AFC4-6F175D3DCCD1}">
-              <a14:hiddenFill xmlns:a14="http://schemas.microsoft.com/office/drawing/2010/main" xmlns="">
+              <a14:hiddenFill xmlns="" xmlns:a14="http://schemas.microsoft.com/office/drawing/2010/main">
                 <a:solidFill>
                   <a:srgbClr val="FFFFFF"/>
                 </a:solidFill>
               </a14:hiddenFill>
             </a:ext>
             <a:ext uri="{91240B29-F687-4F45-9708-019B960494DF}">
-              <a14:hiddenLine xmlns:a14="http://schemas.microsoft.com/office/drawing/2010/main" xmlns="" w="9525">
+              <a14:hiddenLine xmlns="" xmlns:a14="http://schemas.microsoft.com/office/drawing/2010/main" w="9525">
                 <a:solidFill>
                   <a:srgbClr val="000000"/>
                 </a:solidFill>
@@ -1045,7 +1045,7 @@
     </p:spTree>
     <p:extLst>
       <p:ext uri="{BB962C8B-B14F-4D97-AF65-F5344CB8AC3E}">
-        <p14:creationId xmlns:p14="http://schemas.microsoft.com/office/powerpoint/2010/main" xmlns="" val="2413671815"/>
+        <p14:creationId xmlns="" xmlns:p14="http://schemas.microsoft.com/office/powerpoint/2010/main" val="2413671815"/>
       </p:ext>
     </p:extLst>
   </p:cSld>
@@ -1137,7 +1137,7 @@
     </p:spTree>
     <p:extLst>
       <p:ext uri="{BB962C8B-B14F-4D97-AF65-F5344CB8AC3E}">
-        <p14:creationId xmlns:p14="http://schemas.microsoft.com/office/powerpoint/2010/main" xmlns="" val="1047893265"/>
+        <p14:creationId xmlns="" xmlns:p14="http://schemas.microsoft.com/office/powerpoint/2010/main" val="1047893265"/>
       </p:ext>
     </p:extLst>
   </p:cSld>
@@ -1229,7 +1229,7 @@
     </p:spTree>
     <p:extLst>
       <p:ext uri="{BB962C8B-B14F-4D97-AF65-F5344CB8AC3E}">
-        <p14:creationId xmlns:p14="http://schemas.microsoft.com/office/powerpoint/2010/main" xmlns="" val="308937776"/>
+        <p14:creationId xmlns="" xmlns:p14="http://schemas.microsoft.com/office/powerpoint/2010/main" val="308937776"/>
       </p:ext>
     </p:extLst>
   </p:cSld>
@@ -1415,7 +1415,7 @@
           <a:blip r:embed="rId2">
             <a:extLst>
               <a:ext uri="{28A0092B-C50C-407E-A947-70E740481C1C}">
-                <a14:useLocalDpi xmlns:a14="http://schemas.microsoft.com/office/drawing/2010/main" xmlns="" val="0"/>
+                <a14:useLocalDpi xmlns="" xmlns:a14="http://schemas.microsoft.com/office/drawing/2010/main" val="0"/>
               </a:ext>
             </a:extLst>
           </a:blip>
@@ -1436,7 +1436,7 @@
     </p:spTree>
     <p:extLst>
       <p:ext uri="{BB962C8B-B14F-4D97-AF65-F5344CB8AC3E}">
-        <p14:creationId xmlns:p14="http://schemas.microsoft.com/office/powerpoint/2010/main" xmlns="" val="3800160223"/>
+        <p14:creationId xmlns="" xmlns:p14="http://schemas.microsoft.com/office/powerpoint/2010/main" val="3800160223"/>
       </p:ext>
     </p:extLst>
   </p:cSld>
@@ -1548,7 +1548,7 @@
     </p:spTree>
     <p:extLst>
       <p:ext uri="{BB962C8B-B14F-4D97-AF65-F5344CB8AC3E}">
-        <p14:creationId xmlns:p14="http://schemas.microsoft.com/office/powerpoint/2010/main" xmlns="" val="3738920183"/>
+        <p14:creationId xmlns="" xmlns:p14="http://schemas.microsoft.com/office/powerpoint/2010/main" val="3738920183"/>
       </p:ext>
     </p:extLst>
   </p:cSld>
@@ -1670,7 +1670,7 @@
     </p:spTree>
     <p:extLst>
       <p:ext uri="{BB962C8B-B14F-4D97-AF65-F5344CB8AC3E}">
-        <p14:creationId xmlns:p14="http://schemas.microsoft.com/office/powerpoint/2010/main" xmlns="" val="640238480"/>
+        <p14:creationId xmlns="" xmlns:p14="http://schemas.microsoft.com/office/powerpoint/2010/main" val="640238480"/>
       </p:ext>
     </p:extLst>
   </p:cSld>
@@ -1782,7 +1782,7 @@
     </p:spTree>
     <p:extLst>
       <p:ext uri="{BB962C8B-B14F-4D97-AF65-F5344CB8AC3E}">
-        <p14:creationId xmlns:p14="http://schemas.microsoft.com/office/powerpoint/2010/main" xmlns="" val="147754505"/>
+        <p14:creationId xmlns="" xmlns:p14="http://schemas.microsoft.com/office/powerpoint/2010/main" val="147754505"/>
       </p:ext>
     </p:extLst>
   </p:cSld>
@@ -1970,7 +1970,7 @@
     </p:spTree>
     <p:extLst>
       <p:ext uri="{BB962C8B-B14F-4D97-AF65-F5344CB8AC3E}">
-        <p14:creationId xmlns:p14="http://schemas.microsoft.com/office/powerpoint/2010/main" xmlns="" val="3339288353"/>
+        <p14:creationId xmlns="" xmlns:p14="http://schemas.microsoft.com/office/powerpoint/2010/main" val="3339288353"/>
       </p:ext>
     </p:extLst>
   </p:cSld>
@@ -2200,7 +2200,7 @@
     </p:spTree>
     <p:extLst>
       <p:ext uri="{BB962C8B-B14F-4D97-AF65-F5344CB8AC3E}">
-        <p14:creationId xmlns:p14="http://schemas.microsoft.com/office/powerpoint/2010/main" xmlns="" val="67721704"/>
+        <p14:creationId xmlns="" xmlns:p14="http://schemas.microsoft.com/office/powerpoint/2010/main" val="67721704"/>
       </p:ext>
     </p:extLst>
   </p:cSld>
@@ -2564,7 +2564,7 @@
     </p:spTree>
     <p:extLst>
       <p:ext uri="{BB962C8B-B14F-4D97-AF65-F5344CB8AC3E}">
-        <p14:creationId xmlns:p14="http://schemas.microsoft.com/office/powerpoint/2010/main" xmlns="" val="2604717042"/>
+        <p14:creationId xmlns="" xmlns:p14="http://schemas.microsoft.com/office/powerpoint/2010/main" val="2604717042"/>
       </p:ext>
     </p:extLst>
   </p:cSld>
@@ -2624,7 +2624,7 @@
     </p:spTree>
     <p:extLst>
       <p:ext uri="{BB962C8B-B14F-4D97-AF65-F5344CB8AC3E}">
-        <p14:creationId xmlns:p14="http://schemas.microsoft.com/office/powerpoint/2010/main" xmlns="" val="3279080095"/>
+        <p14:creationId xmlns="" xmlns:p14="http://schemas.microsoft.com/office/powerpoint/2010/main" val="3279080095"/>
       </p:ext>
     </p:extLst>
   </p:cSld>
@@ -2661,7 +2661,7 @@
     </p:spTree>
     <p:extLst>
       <p:ext uri="{BB962C8B-B14F-4D97-AF65-F5344CB8AC3E}">
-        <p14:creationId xmlns:p14="http://schemas.microsoft.com/office/powerpoint/2010/main" xmlns="" val="668508812"/>
+        <p14:creationId xmlns="" xmlns:p14="http://schemas.microsoft.com/office/powerpoint/2010/main" val="668508812"/>
       </p:ext>
     </p:extLst>
   </p:cSld>
@@ -2880,7 +2880,7 @@
     </p:spTree>
     <p:extLst>
       <p:ext uri="{BB962C8B-B14F-4D97-AF65-F5344CB8AC3E}">
-        <p14:creationId xmlns:p14="http://schemas.microsoft.com/office/powerpoint/2010/main" xmlns="" val="2167474801"/>
+        <p14:creationId xmlns="" xmlns:p14="http://schemas.microsoft.com/office/powerpoint/2010/main" val="2167474801"/>
       </p:ext>
     </p:extLst>
   </p:cSld>
@@ -3078,7 +3078,7 @@
     </p:spTree>
     <p:extLst>
       <p:ext uri="{BB962C8B-B14F-4D97-AF65-F5344CB8AC3E}">
-        <p14:creationId xmlns:p14="http://schemas.microsoft.com/office/powerpoint/2010/main" xmlns="" val="161977388"/>
+        <p14:creationId xmlns="" xmlns:p14="http://schemas.microsoft.com/office/powerpoint/2010/main" val="161977388"/>
       </p:ext>
     </p:extLst>
   </p:cSld>
@@ -3141,14 +3141,14 @@
           </a:ln>
           <a:extLst>
             <a:ext uri="{909E8E84-426E-40DD-AFC4-6F175D3DCCD1}">
-              <a14:hiddenFill xmlns:a14="http://schemas.microsoft.com/office/drawing/2010/main" xmlns="">
+              <a14:hiddenFill xmlns="" xmlns:a14="http://schemas.microsoft.com/office/drawing/2010/main">
                 <a:solidFill>
                   <a:srgbClr val="FFFFFF"/>
                 </a:solidFill>
               </a14:hiddenFill>
             </a:ext>
             <a:ext uri="{91240B29-F687-4F45-9708-019B960494DF}">
-              <a14:hiddenLine xmlns:a14="http://schemas.microsoft.com/office/drawing/2010/main" xmlns="" w="9525">
+              <a14:hiddenLine xmlns="" xmlns:a14="http://schemas.microsoft.com/office/drawing/2010/main" w="9525">
                 <a:solidFill>
                   <a:srgbClr val="000000"/>
                 </a:solidFill>
@@ -3200,14 +3200,14 @@
           </a:ln>
           <a:extLst>
             <a:ext uri="{909E8E84-426E-40DD-AFC4-6F175D3DCCD1}">
-              <a14:hiddenFill xmlns:a14="http://schemas.microsoft.com/office/drawing/2010/main" xmlns="">
+              <a14:hiddenFill xmlns="" xmlns:a14="http://schemas.microsoft.com/office/drawing/2010/main">
                 <a:solidFill>
                   <a:srgbClr val="FFFFFF"/>
                 </a:solidFill>
               </a14:hiddenFill>
             </a:ext>
             <a:ext uri="{91240B29-F687-4F45-9708-019B960494DF}">
-              <a14:hiddenLine xmlns:a14="http://schemas.microsoft.com/office/drawing/2010/main" xmlns="" w="9525">
+              <a14:hiddenLine xmlns="" xmlns:a14="http://schemas.microsoft.com/office/drawing/2010/main" w="9525">
                 <a:solidFill>
                   <a:srgbClr val="000000"/>
                 </a:solidFill>
@@ -3312,7 +3312,7 @@
               <a:pPr>
                 <a:defRPr/>
               </a:pPr>
-              <a:t>2/9/2015</a:t>
+              <a:t>2/16/2015</a:t>
             </a:fld>
             <a:endParaRPr lang="en-US"/>
           </a:p>
@@ -3920,23 +3920,7 @@
                   <a:srgbClr val="3333B2"/>
                 </a:solidFill>
               </a:rPr>
-              <a:t>HIV and periodic presumptive treatment of </a:t>
-            </a:r>
-            <a:r>
-              <a:rPr lang="en-US" altLang="en-US" sz="2800" b="1" dirty="0" smtClean="0">
-                <a:solidFill>
-                  <a:srgbClr val="3333B2"/>
-                </a:solidFill>
-              </a:rPr>
-              <a:t>sexually transmitted infections in </a:t>
-            </a:r>
-            <a:r>
-              <a:rPr lang="en-US" altLang="en-US" sz="2800" b="1" dirty="0" smtClean="0">
-                <a:solidFill>
-                  <a:srgbClr val="3333B2"/>
-                </a:solidFill>
-              </a:rPr>
-              <a:t>Papua New Guinea</a:t>
+              <a:t>HIV and periodic presumptive treatment of sexually transmitted infections in Papua New Guinea</a:t>
             </a:r>
             <a:r>
               <a:rPr lang="en-US" altLang="en-US" sz="2800" b="1" dirty="0" smtClean="0"/>
@@ -3989,7 +3973,7 @@
           <a:blip r:embed="rId3">
             <a:extLst>
               <a:ext uri="{28A0092B-C50C-407E-A947-70E740481C1C}">
-                <a14:useLocalDpi xmlns:a14="http://schemas.microsoft.com/office/drawing/2010/main" xmlns="" val="0"/>
+                <a14:useLocalDpi xmlns="" xmlns:a14="http://schemas.microsoft.com/office/drawing/2010/main" val="0"/>
               </a:ext>
             </a:extLst>
           </a:blip>
@@ -4011,14 +3995,14 @@
           </a:ln>
           <a:extLst>
             <a:ext uri="{909E8E84-426E-40DD-AFC4-6F175D3DCCD1}">
-              <a14:hiddenFill xmlns:a14="http://schemas.microsoft.com/office/drawing/2010/main" xmlns="">
+              <a14:hiddenFill xmlns="" xmlns:a14="http://schemas.microsoft.com/office/drawing/2010/main">
                 <a:solidFill>
                   <a:srgbClr val="FFFFFF"/>
                 </a:solidFill>
               </a14:hiddenFill>
             </a:ext>
             <a:ext uri="{91240B29-F687-4F45-9708-019B960494DF}">
-              <a14:hiddenLine xmlns:a14="http://schemas.microsoft.com/office/drawing/2010/main" xmlns="" w="9525">
+              <a14:hiddenLine xmlns="" xmlns:a14="http://schemas.microsoft.com/office/drawing/2010/main" w="9525">
                 <a:solidFill>
                   <a:srgbClr val="000000"/>
                 </a:solidFill>
@@ -4112,7 +4096,7 @@
           <a:blip r:embed="rId4">
             <a:extLst>
               <a:ext uri="{28A0092B-C50C-407E-A947-70E740481C1C}">
-                <a14:useLocalDpi xmlns:a14="http://schemas.microsoft.com/office/drawing/2010/main" xmlns="" val="0"/>
+                <a14:useLocalDpi xmlns="" xmlns:a14="http://schemas.microsoft.com/office/drawing/2010/main" val="0"/>
               </a:ext>
             </a:extLst>
           </a:blip>
@@ -4247,11 +4231,7 @@
           <a:p>
             <a:r>
               <a:rPr lang="en-AU" dirty="0" smtClean="0"/>
-              <a:t>STI </a:t>
-            </a:r>
-            <a:r>
-              <a:rPr lang="en-AU" dirty="0" smtClean="0"/>
-              <a:t>results</a:t>
+              <a:t>STI results</a:t>
             </a:r>
             <a:endParaRPr lang="en-AU" dirty="0"/>
           </a:p>
@@ -4381,11 +4361,7 @@
           <a:p>
             <a:r>
               <a:rPr lang="en-AU" dirty="0" smtClean="0"/>
-              <a:t>STI </a:t>
-            </a:r>
-            <a:r>
-              <a:rPr lang="en-AU" dirty="0" smtClean="0"/>
-              <a:t>results – breakdown by region</a:t>
+              <a:t>STI results – breakdown by region</a:t>
             </a:r>
             <a:endParaRPr lang="en-AU" dirty="0"/>
           </a:p>
@@ -4476,7 +4452,7 @@
     </p:spTree>
     <p:extLst>
       <p:ext uri="{BB962C8B-B14F-4D97-AF65-F5344CB8AC3E}">
-        <p14:creationId xmlns:p14="http://schemas.microsoft.com/office/powerpoint/2010/main" xmlns="" val="1917238972"/>
+        <p14:creationId xmlns="" xmlns:p14="http://schemas.microsoft.com/office/powerpoint/2010/main" val="1917238972"/>
       </p:ext>
     </p:extLst>
   </p:cSld>
@@ -4556,38 +4532,20 @@
           <a:p>
             <a:r>
               <a:rPr lang="en-AU" dirty="0" smtClean="0"/>
-              <a:t>Achieve </a:t>
-            </a:r>
+              <a:t>Achieve a similar effect with 25 times more people treated</a:t>
+            </a:r>
+          </a:p>
+          <a:p>
             <a:r>
               <a:rPr lang="en-AU" dirty="0" smtClean="0"/>
-              <a:t>a similar </a:t>
-            </a:r>
+              <a:t>Interventions targeting general population more sensitive to frequency than FSW</a:t>
+            </a:r>
+          </a:p>
+          <a:p>
             <a:r>
               <a:rPr lang="en-AU" dirty="0" smtClean="0"/>
-              <a:t>effect with 25 times more people treated</a:t>
-            </a:r>
-            <a:endParaRPr lang="en-AU" dirty="0" smtClean="0"/>
-          </a:p>
-          <a:p>
-            <a:r>
-              <a:rPr lang="en-AU" dirty="0" smtClean="0"/>
-              <a:t>Interventions targeting general population more sensitive </a:t>
-            </a:r>
-            <a:r>
-              <a:rPr lang="en-AU" dirty="0" smtClean="0"/>
-              <a:t>to frequency than FSW</a:t>
-            </a:r>
-          </a:p>
-          <a:p>
-            <a:r>
-              <a:rPr lang="en-AU" dirty="0" smtClean="0"/>
-              <a:t>Combined intervention much less </a:t>
-            </a:r>
-            <a:r>
-              <a:rPr lang="en-AU" dirty="0" smtClean="0"/>
-              <a:t>effective than either male or female intervention</a:t>
-            </a:r>
-            <a:endParaRPr lang="en-AU" dirty="0" smtClean="0"/>
+              <a:t>Combined intervention much less effective than either male or female intervention</a:t>
+            </a:r>
           </a:p>
           <a:p>
             <a:endParaRPr lang="en-AU" dirty="0" smtClean="0"/>
@@ -4692,7 +4650,6 @@
               <a:rPr lang="en-AU" dirty="0" smtClean="0"/>
               <a:t>Modelling the spread of antibiotic resistance</a:t>
             </a:r>
-            <a:endParaRPr lang="en-AU" dirty="0" smtClean="0"/>
           </a:p>
           <a:p>
             <a:pPr>
@@ -4727,11 +4684,7 @@
             <a:pPr algn="r"/>
             <a:r>
               <a:rPr lang="en-AU" sz="1100" dirty="0" smtClean="0"/>
-              <a:t>The HIV model used comes from </a:t>
-            </a:r>
-            <a:r>
-              <a:rPr lang="en-AU" sz="1100" dirty="0" smtClean="0"/>
-              <a:t>Gray, Richard T.; </a:t>
+              <a:t>The HIV model used comes from Gray, Richard T.; </a:t>
             </a:r>
             <a:r>
               <a:rPr lang="en-AU" sz="1100" dirty="0" err="1" smtClean="0"/>
@@ -4771,15 +4724,7 @@
             </a:r>
             <a:r>
               <a:rPr lang="en-AU" sz="1100" dirty="0" smtClean="0"/>
-              <a:t> ,Peter; Murray, John M. 2014. “Impact </a:t>
-            </a:r>
-            <a:r>
-              <a:rPr lang="en-AU" sz="1100" dirty="0" smtClean="0"/>
-              <a:t>of Male Circumcision on the HIV Epidemic in Papua New Guinea: A Country with Extensive Foreskin Cutting </a:t>
-            </a:r>
-            <a:r>
-              <a:rPr lang="en-AU" sz="1100" dirty="0" smtClean="0"/>
-              <a:t>Practices”, in  </a:t>
+              <a:t> ,Peter; Murray, John M. 2014. “Impact of Male Circumcision on the HIV Epidemic in Papua New Guinea: A Country with Extensive Foreskin Cutting Practices”, in  </a:t>
             </a:r>
             <a:r>
               <a:rPr lang="en-AU" sz="1100" i="1" dirty="0" err="1" smtClean="0"/>
@@ -4798,15 +4743,7 @@
             <a:pPr algn="r"/>
             <a:r>
               <a:rPr lang="en-AU" sz="1100" dirty="0" smtClean="0"/>
-              <a:t>All modelling was performed </a:t>
-            </a:r>
-            <a:r>
-              <a:rPr lang="en-AU" sz="1100" dirty="0" smtClean="0"/>
-              <a:t>using  commercial </a:t>
-            </a:r>
-            <a:r>
-              <a:rPr lang="en-AU" sz="1100" dirty="0" smtClean="0"/>
-              <a:t>the software package MATLAB® 8.4 (The </a:t>
+              <a:t>All modelling was performed using  commercial the software package MATLAB® 8.4 (The </a:t>
             </a:r>
             <a:r>
               <a:rPr lang="en-AU" sz="1100" dirty="0" err="1" smtClean="0"/>
@@ -4816,7 +4753,6 @@
               <a:rPr lang="en-AU" sz="1100" dirty="0" smtClean="0"/>
               <a:t> Inc., 2014).</a:t>
             </a:r>
-            <a:endParaRPr lang="en-AU" sz="1100" dirty="0" smtClean="0"/>
           </a:p>
           <a:p>
             <a:pPr algn="r"/>
@@ -4900,25 +4836,13 @@
           <a:p>
             <a:r>
               <a:rPr lang="en-AU" dirty="0" smtClean="0"/>
-              <a:t>PPT could be effective in PNG in wiping out </a:t>
-            </a:r>
+              <a:t>PPT could be effective in PNG in wiping out some STIs in urban settings</a:t>
+            </a:r>
+          </a:p>
+          <a:p>
             <a:r>
               <a:rPr lang="en-AU" dirty="0" smtClean="0"/>
-              <a:t>some STIs </a:t>
-            </a:r>
-            <a:r>
-              <a:rPr lang="en-AU" dirty="0" smtClean="0"/>
-              <a:t>in urban settings</a:t>
-            </a:r>
-          </a:p>
-          <a:p>
-            <a:r>
-              <a:rPr lang="en-AU" dirty="0" smtClean="0"/>
-              <a:t>PPT has moderate impact on HIV </a:t>
-            </a:r>
-            <a:r>
-              <a:rPr lang="en-AU" dirty="0" smtClean="0"/>
-              <a:t>levels</a:t>
+              <a:t>PPT has moderate impact on HIV levels</a:t>
             </a:r>
           </a:p>
           <a:p>
@@ -5037,15 +4961,7 @@
             </a:r>
             <a:r>
               <a:rPr lang="en-US" dirty="0" smtClean="0"/>
-              <a:t> is the </a:t>
-            </a:r>
-            <a:r>
-              <a:rPr lang="en-US" dirty="0" smtClean="0"/>
-              <a:t>fun part</a:t>
-            </a:r>
-            <a:r>
-              <a:rPr lang="en-US" dirty="0" smtClean="0"/>
-              <a:t>!</a:t>
+              <a:t> is the fun part!</a:t>
             </a:r>
             <a:endParaRPr lang="en-AU" dirty="0"/>
           </a:p>
@@ -5121,22 +5037,22 @@
           <a:bodyPr/>
           <a:lstStyle/>
           <a:p>
-            <a:pPr indent="0">
-              <a:buNone/>
-            </a:pPr>
-            <a:r>
-              <a:rPr lang="en-AU" dirty="0" smtClean="0"/>
-              <a:t>Modelling project considering HIV in Papua New Guinea, and a possible treatment program called </a:t>
-            </a:r>
-            <a:r>
-              <a:rPr lang="en-AU" i="1" dirty="0" smtClean="0"/>
-              <a:t>periodic presumptive treatment (PPT)</a:t>
-            </a:r>
-          </a:p>
-          <a:p>
             <a:pPr>
               <a:buNone/>
             </a:pPr>
+            <a:r>
+              <a:rPr lang="en-AU" dirty="0" smtClean="0"/>
+              <a:t>Papua New Guinea (PNG)</a:t>
+            </a:r>
+          </a:p>
+          <a:p>
+            <a:pPr>
+              <a:buNone/>
+            </a:pPr>
+            <a:r>
+              <a:rPr lang="en-AU" dirty="0" smtClean="0"/>
+              <a:t>HIV</a:t>
+            </a:r>
             <a:endParaRPr lang="en-AU" dirty="0" smtClean="0"/>
           </a:p>
         </p:txBody>
@@ -5285,7 +5201,11 @@
           <a:p>
             <a:r>
               <a:rPr lang="en-AU" dirty="0" smtClean="0"/>
-              <a:t>STIs and HIV</a:t>
+              <a:t>Sexually transmitted infections (STIs) </a:t>
+            </a:r>
+            <a:r>
+              <a:rPr lang="en-AU" dirty="0" smtClean="0"/>
+              <a:t>and HIV</a:t>
             </a:r>
             <a:endParaRPr lang="en-AU" dirty="0"/>
           </a:p>
@@ -5321,7 +5241,19 @@
             <a:pPr lvl="1"/>
             <a:r>
               <a:rPr lang="en-AU" dirty="0" smtClean="0"/>
-              <a:t>Syphilis: males 5.03, females 7.86, female sex workers (FSW) 31.14</a:t>
+              <a:t>Syphilis: males </a:t>
+            </a:r>
+            <a:r>
+              <a:rPr lang="en-AU" dirty="0" smtClean="0"/>
+              <a:t>1 in 20, females 1 in 12, </a:t>
+            </a:r>
+            <a:r>
+              <a:rPr lang="en-AU" dirty="0" smtClean="0"/>
+              <a:t>female sex workers (FSW</a:t>
+            </a:r>
+            <a:r>
+              <a:rPr lang="en-AU" dirty="0" smtClean="0"/>
+              <a:t>) 1 in 3</a:t>
             </a:r>
           </a:p>
           <a:p>
@@ -5358,11 +5290,7 @@
             <a:pPr algn="r"/>
             <a:r>
               <a:rPr lang="en-AU" sz="1100" dirty="0" smtClean="0"/>
-              <a:t>Source</a:t>
-            </a:r>
-            <a:r>
-              <a:rPr lang="en-AU" sz="1100" dirty="0" smtClean="0"/>
-              <a:t>: </a:t>
+              <a:t>Source: </a:t>
             </a:r>
             <a:r>
               <a:rPr lang="en-AU" sz="1100" dirty="0" err="1" smtClean="0"/>
@@ -5370,15 +5298,7 @@
             </a:r>
             <a:r>
               <a:rPr lang="en-AU" sz="1100" dirty="0" smtClean="0"/>
-              <a:t>, </a:t>
-            </a:r>
-            <a:r>
-              <a:rPr lang="en-AU" sz="1100" dirty="0" smtClean="0"/>
-              <a:t>Andrew; </a:t>
-            </a:r>
-            <a:r>
-              <a:rPr lang="en-AU" sz="1100" dirty="0" smtClean="0"/>
-              <a:t>Page, Andrew; Dias, Shannon; </a:t>
+              <a:t>, Andrew; Page, Andrew; Dias, Shannon; </a:t>
             </a:r>
             <a:r>
               <a:rPr lang="en-AU" sz="1100" dirty="0" err="1" smtClean="0"/>
@@ -5402,15 +5322,7 @@
             </a:r>
             <a:r>
               <a:rPr lang="en-AU" sz="1100" dirty="0" smtClean="0"/>
-              <a:t>, John; </a:t>
-            </a:r>
-            <a:r>
-              <a:rPr lang="en-AU" sz="1100" dirty="0" smtClean="0"/>
-              <a:t>Wilson, David </a:t>
-            </a:r>
-            <a:r>
-              <a:rPr lang="en-AU" sz="1100" dirty="0" smtClean="0"/>
-              <a:t>P.; Murray, John M.; </a:t>
+              <a:t>, John; Wilson, David P.; Murray, John M.; </a:t>
             </a:r>
             <a:r>
               <a:rPr lang="en-AU" sz="1100" dirty="0" err="1" smtClean="0"/>
@@ -5426,27 +5338,7 @@
             </a:r>
             <a:r>
               <a:rPr lang="en-AU" sz="1100" dirty="0" smtClean="0"/>
-              <a:t>, John M</a:t>
-            </a:r>
-            <a:r>
-              <a:rPr lang="en-AU" sz="1100" dirty="0" smtClean="0"/>
-              <a:t>. 2010</a:t>
-            </a:r>
-            <a:r>
-              <a:rPr lang="en-AU" sz="1100" dirty="0" smtClean="0"/>
-              <a:t>. “The Prevalence of Sexually </a:t>
-            </a:r>
-            <a:r>
-              <a:rPr lang="en-AU" sz="1100" dirty="0" smtClean="0"/>
-              <a:t>Transmitted Infections </a:t>
-            </a:r>
-            <a:r>
-              <a:rPr lang="en-AU" sz="1100" dirty="0" smtClean="0"/>
-              <a:t>in Papua New Guinea: A Systematic Review and </a:t>
-            </a:r>
-            <a:r>
-              <a:rPr lang="en-AU" sz="1100" dirty="0" smtClean="0"/>
-              <a:t>Meta-Analysis”, in  </a:t>
+              <a:t>, John M. 2010. “The Prevalence of Sexually Transmitted Infections in Papua New Guinea: A Systematic Review and Meta-Analysis”, in  </a:t>
             </a:r>
             <a:r>
               <a:rPr lang="en-AU" sz="1100" i="1" dirty="0" err="1" smtClean="0"/>
@@ -5516,11 +5408,7 @@
           <a:p>
             <a:r>
               <a:rPr lang="en-AU" dirty="0" smtClean="0"/>
-              <a:t>Periodic presumptive </a:t>
-            </a:r>
-            <a:r>
-              <a:rPr lang="en-AU" dirty="0" smtClean="0"/>
-              <a:t>treatment (PPT)</a:t>
+              <a:t>Periodic presumptive treatment (PPT)</a:t>
             </a:r>
             <a:endParaRPr lang="en-AU" dirty="0"/>
           </a:p>
@@ -5551,14 +5439,12 @@
               <a:rPr lang="en-AU" dirty="0" smtClean="0"/>
               <a:t>What is PPT</a:t>
             </a:r>
-            <a:endParaRPr lang="en-AU" dirty="0" smtClean="0"/>
           </a:p>
           <a:p>
             <a:r>
               <a:rPr lang="en-AU" dirty="0" smtClean="0"/>
               <a:t>Past experiences</a:t>
             </a:r>
-            <a:endParaRPr lang="en-AU" dirty="0" smtClean="0"/>
           </a:p>
           <a:p>
             <a:endParaRPr lang="en-AU" dirty="0" smtClean="0"/>
@@ -5651,13 +5537,8 @@
           <a:p>
             <a:r>
               <a:rPr lang="en-AU" dirty="0" smtClean="0"/>
-              <a:t>Feed into existing model for </a:t>
-            </a:r>
-            <a:r>
-              <a:rPr lang="en-AU" dirty="0" smtClean="0"/>
-              <a:t>HIV</a:t>
-            </a:r>
-            <a:endParaRPr lang="en-AU" dirty="0" smtClean="0"/>
+              <a:t>Feed into existing model for HIV</a:t>
+            </a:r>
           </a:p>
         </p:txBody>
       </p:sp>
@@ -5748,14 +5629,12 @@
               <a:rPr lang="en-AU" dirty="0" smtClean="0"/>
               <a:t>Proportions susceptible and infected</a:t>
             </a:r>
-            <a:endParaRPr lang="en-AU" dirty="0" smtClean="0"/>
           </a:p>
           <a:p>
             <a:r>
               <a:rPr lang="en-AU" dirty="0" smtClean="0"/>
               <a:t>Calibrated to equilibrium</a:t>
             </a:r>
-            <a:endParaRPr lang="en-AU" dirty="0" smtClean="0"/>
           </a:p>
           <a:p>
             <a:pPr lvl="1"/>
@@ -5770,7 +5649,7 @@
     </p:spTree>
     <p:extLst>
       <p:ext uri="{BB962C8B-B14F-4D97-AF65-F5344CB8AC3E}">
-        <p14:creationId xmlns:p14="http://schemas.microsoft.com/office/powerpoint/2010/main" xmlns="" val="1702900212"/>
+        <p14:creationId xmlns="" xmlns:p14="http://schemas.microsoft.com/office/powerpoint/2010/main" val="1702900212"/>
       </p:ext>
     </p:extLst>
   </p:cSld>
@@ -5971,14 +5850,14 @@
           </a:ln>
           <a:extLst>
             <a:ext uri="{909E8E84-426E-40DD-AFC4-6F175D3DCCD1}">
-              <a14:hiddenFill xmlns:a14="http://schemas.microsoft.com/office/drawing/2010/main" xmlns="">
+              <a14:hiddenFill xmlns="" xmlns:a14="http://schemas.microsoft.com/office/drawing/2010/main">
                 <a:solidFill>
                   <a:srgbClr val="FFFFFF"/>
                 </a:solidFill>
               </a14:hiddenFill>
             </a:ext>
             <a:ext uri="{91240B29-F687-4F45-9708-019B960494DF}">
-              <a14:hiddenLine xmlns:a14="http://schemas.microsoft.com/office/drawing/2010/main" xmlns="" w="9525">
+              <a14:hiddenLine xmlns="" xmlns:a14="http://schemas.microsoft.com/office/drawing/2010/main" w="9525">
                 <a:solidFill>
                   <a:srgbClr val="000000"/>
                 </a:solidFill>
@@ -6113,24 +5992,7 @@
                 <a:ea typeface="+mn-ea"/>
                 <a:cs typeface="+mn-cs"/>
               </a:rPr>
-              <a:t>	Infection </a:t>
-            </a:r>
-            <a:r>
-              <a:rPr kumimoji="0" lang="en-AU" sz="3200" b="0" i="0" u="none" strike="noStrike" kern="1200" cap="none" spc="0" normalizeH="0" baseline="0" noProof="0" dirty="0" smtClean="0">
-                <a:ln>
-                  <a:noFill/>
-                </a:ln>
-                <a:solidFill>
-                  <a:schemeClr val="tx1"/>
-                </a:solidFill>
-                <a:effectLst/>
-                <a:uLnTx/>
-                <a:uFillTx/>
-                <a:latin typeface="+mn-lt"/>
-                <a:ea typeface="+mn-ea"/>
-                <a:cs typeface="+mn-cs"/>
-              </a:rPr>
-              <a:t>rate</a:t>
+              <a:t>	Infection rate</a:t>
             </a:r>
           </a:p>
           <a:p>
@@ -6154,21 +6016,7 @@
                 <a:latin typeface="+mn-lt"/>
                 <a:cs typeface="+mn-cs"/>
               </a:rPr>
-              <a:t>	</a:t>
-            </a:r>
-            <a:r>
-              <a:rPr lang="en-AU" sz="3200" dirty="0" smtClean="0">
-                <a:latin typeface="+mn-lt"/>
-                <a:cs typeface="+mn-cs"/>
-              </a:rPr>
-              <a:t>	Treatment </a:t>
-            </a:r>
-            <a:r>
-              <a:rPr lang="en-AU" sz="3200" dirty="0" smtClean="0">
-                <a:latin typeface="+mn-lt"/>
-                <a:cs typeface="+mn-cs"/>
-              </a:rPr>
-              <a:t>and loss rate</a:t>
+              <a:t>		Treatment and loss rate</a:t>
             </a:r>
             <a:endParaRPr kumimoji="0" lang="en-AU" sz="3200" b="0" i="0" u="none" strike="noStrike" kern="1200" cap="none" spc="0" normalizeH="0" baseline="0" noProof="0" dirty="0" smtClean="0">
               <a:ln>
@@ -6578,11 +6426,7 @@
           <a:p>
             <a:r>
               <a:rPr lang="en-AU" dirty="0" smtClean="0"/>
-              <a:t>Prevalence </a:t>
-            </a:r>
-            <a:r>
-              <a:rPr lang="en-AU" dirty="0" smtClean="0"/>
-              <a:t>equations</a:t>
+              <a:t>Prevalence equations</a:t>
             </a:r>
             <a:endParaRPr lang="en-AU" dirty="0"/>
           </a:p>
@@ -7293,7 +7137,6 @@
               <a:rPr lang="en-AU" dirty="0" smtClean="0"/>
               <a:t>Proportion protected by PPT</a:t>
             </a:r>
-            <a:endParaRPr lang="en-AU" dirty="0" smtClean="0"/>
           </a:p>
           <a:p>
             <a:endParaRPr lang="en-AU" dirty="0"/>
@@ -7303,7 +7146,7 @@
     </p:spTree>
     <p:extLst>
       <p:ext uri="{BB962C8B-B14F-4D97-AF65-F5344CB8AC3E}">
-        <p14:creationId xmlns:p14="http://schemas.microsoft.com/office/powerpoint/2010/main" xmlns="" val="2338958866"/>
+        <p14:creationId xmlns="" xmlns:p14="http://schemas.microsoft.com/office/powerpoint/2010/main" val="2338958866"/>
       </p:ext>
     </p:extLst>
   </p:cSld>
@@ -7354,11 +7197,7 @@
           <a:p>
             <a:r>
               <a:rPr lang="en-AU" dirty="0" smtClean="0"/>
-              <a:t>Prevalence equations with </a:t>
-            </a:r>
-            <a:r>
-              <a:rPr lang="en-AU" dirty="0" smtClean="0"/>
-              <a:t>PPT</a:t>
+              <a:t>Prevalence equations with PPT</a:t>
             </a:r>
             <a:endParaRPr lang="en-AU" dirty="0"/>
           </a:p>
@@ -7392,7 +7231,6 @@
               <a:rPr lang="en-AU" dirty="0" smtClean="0"/>
               <a:t>	 	</a:t>
             </a:r>
-            <a:endParaRPr lang="en-AU" dirty="0" smtClean="0"/>
           </a:p>
           <a:p>
             <a:pPr>
@@ -7411,7 +7249,6 @@
               <a:rPr lang="en-AU" dirty="0" smtClean="0"/>
               <a:t>		Recovery rate </a:t>
             </a:r>
-            <a:endParaRPr lang="en-AU" dirty="0" smtClean="0"/>
           </a:p>
           <a:p>
             <a:pPr>
@@ -7431,11 +7268,7 @@
             </a:pPr>
             <a:r>
               <a:rPr lang="en-AU" dirty="0" smtClean="0"/>
-              <a:t>	 	Infection </a:t>
-            </a:r>
-            <a:r>
-              <a:rPr lang="en-AU" dirty="0" smtClean="0"/>
-              <a:t>rate used in calculating      and </a:t>
+              <a:t>	 	Infection rate used in calculating      and </a:t>
             </a:r>
             <a:endParaRPr lang="en-AU" dirty="0"/>
           </a:p>
@@ -7668,7 +7501,7 @@
     </p:spTree>
     <p:extLst>
       <p:ext uri="{BB962C8B-B14F-4D97-AF65-F5344CB8AC3E}">
-        <p14:creationId xmlns:p14="http://schemas.microsoft.com/office/powerpoint/2010/main" xmlns="" val="3559378867"/>
+        <p14:creationId xmlns="" xmlns:p14="http://schemas.microsoft.com/office/powerpoint/2010/main" val="3559378867"/>
       </p:ext>
     </p:extLst>
   </p:cSld>
